--- a/web/g22/status/Status3.pptx
+++ b/web/g22/status/Status3.pptx
@@ -5,20 +5,18 @@
     <p:sldMasterId id="2147483648" r:id="rId1"/>
   </p:sldMasterIdLst>
   <p:notesMasterIdLst>
-    <p:notesMasterId r:id="rId10"/>
+    <p:notesMasterId r:id="rId8"/>
   </p:notesMasterIdLst>
   <p:handoutMasterIdLst>
-    <p:handoutMasterId r:id="rId11"/>
+    <p:handoutMasterId r:id="rId9"/>
   </p:handoutMasterIdLst>
   <p:sldIdLst>
     <p:sldId id="383" r:id="rId2"/>
     <p:sldId id="384" r:id="rId3"/>
     <p:sldId id="381" r:id="rId4"/>
-    <p:sldId id="382" r:id="rId5"/>
-    <p:sldId id="385" r:id="rId6"/>
-    <p:sldId id="386" r:id="rId7"/>
-    <p:sldId id="387" r:id="rId8"/>
-    <p:sldId id="388" r:id="rId9"/>
+    <p:sldId id="387" r:id="rId5"/>
+    <p:sldId id="382" r:id="rId6"/>
+    <p:sldId id="385" r:id="rId7"/>
   </p:sldIdLst>
   <p:sldSz cx="9144000" cy="6858000" type="screen4x3"/>
   <p:notesSz cx="7099300" cy="10234613"/>
@@ -155,11 +153,9 @@
             <p14:sldId id="383"/>
             <p14:sldId id="384"/>
             <p14:sldId id="381"/>
+            <p14:sldId id="387"/>
             <p14:sldId id="382"/>
             <p14:sldId id="385"/>
-            <p14:sldId id="386"/>
-            <p14:sldId id="387"/>
-            <p14:sldId id="388"/>
           </p14:sldIdLst>
         </p14:section>
       </p14:sectionLst>
@@ -2079,7 +2075,7 @@
         <p:txBody>
           <a:bodyPr/>
           <a:lstStyle>
-            <a:lvl1pPr defTabSz="954542" eaLnBrk="0" hangingPunct="0">
+            <a:lvl1pPr defTabSz="990528" eaLnBrk="0" hangingPunct="0">
               <a:spcBef>
                 <a:spcPct val="30000"/>
               </a:spcBef>
@@ -2091,7 +2087,7 @@
                 <a:ea typeface="ＭＳ Ｐゴシック" pitchFamily="34" charset="-128"/>
               </a:defRPr>
             </a:lvl1pPr>
-            <a:lvl2pPr marL="715907" indent="-275349" defTabSz="954542" eaLnBrk="0" hangingPunct="0">
+            <a:lvl2pPr marL="742897" indent="-285730" defTabSz="990528" eaLnBrk="0" hangingPunct="0">
               <a:spcBef>
                 <a:spcPct val="30000"/>
               </a:spcBef>
@@ -2103,7 +2099,7 @@
                 <a:ea typeface="ＭＳ Ｐゴシック" pitchFamily="34" charset="-128"/>
               </a:defRPr>
             </a:lvl2pPr>
-            <a:lvl3pPr marL="1101395" indent="-220279" defTabSz="954542" eaLnBrk="0" hangingPunct="0">
+            <a:lvl3pPr marL="1142918" indent="-228584" defTabSz="990528" eaLnBrk="0" hangingPunct="0">
               <a:spcBef>
                 <a:spcPct val="30000"/>
               </a:spcBef>
@@ -2115,7 +2111,7 @@
                 <a:ea typeface="ＭＳ Ｐゴシック" pitchFamily="34" charset="-128"/>
               </a:defRPr>
             </a:lvl3pPr>
-            <a:lvl4pPr marL="1541953" indent="-220279" defTabSz="954542" eaLnBrk="0" hangingPunct="0">
+            <a:lvl4pPr marL="1600085" indent="-228584" defTabSz="990528" eaLnBrk="0" hangingPunct="0">
               <a:spcBef>
                 <a:spcPct val="30000"/>
               </a:spcBef>
@@ -2127,7 +2123,7 @@
                 <a:ea typeface="ＭＳ Ｐゴシック" pitchFamily="34" charset="-128"/>
               </a:defRPr>
             </a:lvl4pPr>
-            <a:lvl5pPr marL="1982511" indent="-220279" defTabSz="954542" eaLnBrk="0" hangingPunct="0">
+            <a:lvl5pPr marL="2057252" indent="-228584" defTabSz="990528" eaLnBrk="0" hangingPunct="0">
               <a:spcBef>
                 <a:spcPct val="30000"/>
               </a:spcBef>
@@ -2139,7 +2135,7 @@
                 <a:ea typeface="ＭＳ Ｐゴシック" pitchFamily="34" charset="-128"/>
               </a:defRPr>
             </a:lvl5pPr>
-            <a:lvl6pPr marL="2423069" indent="-220279" defTabSz="954542" eaLnBrk="0" fontAlgn="base" hangingPunct="0">
+            <a:lvl6pPr marL="2514419" indent="-228584" defTabSz="990528" eaLnBrk="0" fontAlgn="base" hangingPunct="0">
               <a:spcBef>
                 <a:spcPct val="30000"/>
               </a:spcBef>
@@ -2154,7 +2150,7 @@
                 <a:ea typeface="ＭＳ Ｐゴシック" pitchFamily="34" charset="-128"/>
               </a:defRPr>
             </a:lvl6pPr>
-            <a:lvl7pPr marL="2863626" indent="-220279" defTabSz="954542" eaLnBrk="0" fontAlgn="base" hangingPunct="0">
+            <a:lvl7pPr marL="2971585" indent="-228584" defTabSz="990528" eaLnBrk="0" fontAlgn="base" hangingPunct="0">
               <a:spcBef>
                 <a:spcPct val="30000"/>
               </a:spcBef>
@@ -2169,7 +2165,7 @@
                 <a:ea typeface="ＭＳ Ｐゴシック" pitchFamily="34" charset="-128"/>
               </a:defRPr>
             </a:lvl7pPr>
-            <a:lvl8pPr marL="3304184" indent="-220279" defTabSz="954542" eaLnBrk="0" fontAlgn="base" hangingPunct="0">
+            <a:lvl8pPr marL="3428752" indent="-228584" defTabSz="990528" eaLnBrk="0" fontAlgn="base" hangingPunct="0">
               <a:spcBef>
                 <a:spcPct val="30000"/>
               </a:spcBef>
@@ -2184,7 +2180,7 @@
                 <a:ea typeface="ＭＳ Ｐゴシック" pitchFamily="34" charset="-128"/>
               </a:defRPr>
             </a:lvl8pPr>
-            <a:lvl9pPr marL="3744742" indent="-220279" defTabSz="954542" eaLnBrk="0" fontAlgn="base" hangingPunct="0">
+            <a:lvl9pPr marL="3885919" indent="-228584" defTabSz="990528" eaLnBrk="0" fontAlgn="base" hangingPunct="0">
               <a:spcBef>
                 <a:spcPct val="30000"/>
               </a:spcBef>
@@ -2239,8 +2235,8 @@
         </p:nvSpPr>
         <p:spPr>
           <a:xfrm>
-            <a:off x="896938" y="746125"/>
-            <a:ext cx="4967287" cy="3727450"/>
+            <a:off x="992188" y="768350"/>
+            <a:ext cx="5114925" cy="3836988"/>
           </a:xfrm>
           <a:ln/>
         </p:spPr>
@@ -2293,7 +2289,7 @@
     </p:spTree>
     <p:extLst>
       <p:ext uri="{BB962C8B-B14F-4D97-AF65-F5344CB8AC3E}">
-        <p14:creationId xmlns:p14="http://schemas.microsoft.com/office/powerpoint/2010/main" val="2805516471"/>
+        <p14:creationId xmlns:p14="http://schemas.microsoft.com/office/powerpoint/2010/main" val="2885443673"/>
       </p:ext>
     </p:extLst>
   </p:cSld>
@@ -2356,7 +2352,7 @@
         <p:txBody>
           <a:bodyPr/>
           <a:lstStyle>
-            <a:lvl1pPr defTabSz="990528" eaLnBrk="0" hangingPunct="0">
+            <a:lvl1pPr defTabSz="954542" eaLnBrk="0" hangingPunct="0">
               <a:spcBef>
                 <a:spcPct val="30000"/>
               </a:spcBef>
@@ -2368,7 +2364,7 @@
                 <a:ea typeface="ＭＳ Ｐゴシック" pitchFamily="34" charset="-128"/>
               </a:defRPr>
             </a:lvl1pPr>
-            <a:lvl2pPr marL="742897" indent="-285730" defTabSz="990528" eaLnBrk="0" hangingPunct="0">
+            <a:lvl2pPr marL="715907" indent="-275349" defTabSz="954542" eaLnBrk="0" hangingPunct="0">
               <a:spcBef>
                 <a:spcPct val="30000"/>
               </a:spcBef>
@@ -2380,7 +2376,7 @@
                 <a:ea typeface="ＭＳ Ｐゴシック" pitchFamily="34" charset="-128"/>
               </a:defRPr>
             </a:lvl2pPr>
-            <a:lvl3pPr marL="1142918" indent="-228584" defTabSz="990528" eaLnBrk="0" hangingPunct="0">
+            <a:lvl3pPr marL="1101395" indent="-220279" defTabSz="954542" eaLnBrk="0" hangingPunct="0">
               <a:spcBef>
                 <a:spcPct val="30000"/>
               </a:spcBef>
@@ -2392,7 +2388,7 @@
                 <a:ea typeface="ＭＳ Ｐゴシック" pitchFamily="34" charset="-128"/>
               </a:defRPr>
             </a:lvl3pPr>
-            <a:lvl4pPr marL="1600085" indent="-228584" defTabSz="990528" eaLnBrk="0" hangingPunct="0">
+            <a:lvl4pPr marL="1541953" indent="-220279" defTabSz="954542" eaLnBrk="0" hangingPunct="0">
               <a:spcBef>
                 <a:spcPct val="30000"/>
               </a:spcBef>
@@ -2404,7 +2400,7 @@
                 <a:ea typeface="ＭＳ Ｐゴシック" pitchFamily="34" charset="-128"/>
               </a:defRPr>
             </a:lvl4pPr>
-            <a:lvl5pPr marL="2057252" indent="-228584" defTabSz="990528" eaLnBrk="0" hangingPunct="0">
+            <a:lvl5pPr marL="1982511" indent="-220279" defTabSz="954542" eaLnBrk="0" hangingPunct="0">
               <a:spcBef>
                 <a:spcPct val="30000"/>
               </a:spcBef>
@@ -2416,7 +2412,7 @@
                 <a:ea typeface="ＭＳ Ｐゴシック" pitchFamily="34" charset="-128"/>
               </a:defRPr>
             </a:lvl5pPr>
-            <a:lvl6pPr marL="2514419" indent="-228584" defTabSz="990528" eaLnBrk="0" fontAlgn="base" hangingPunct="0">
+            <a:lvl6pPr marL="2423069" indent="-220279" defTabSz="954542" eaLnBrk="0" fontAlgn="base" hangingPunct="0">
               <a:spcBef>
                 <a:spcPct val="30000"/>
               </a:spcBef>
@@ -2431,7 +2427,7 @@
                 <a:ea typeface="ＭＳ Ｐゴシック" pitchFamily="34" charset="-128"/>
               </a:defRPr>
             </a:lvl6pPr>
-            <a:lvl7pPr marL="2971585" indent="-228584" defTabSz="990528" eaLnBrk="0" fontAlgn="base" hangingPunct="0">
+            <a:lvl7pPr marL="2863626" indent="-220279" defTabSz="954542" eaLnBrk="0" fontAlgn="base" hangingPunct="0">
               <a:spcBef>
                 <a:spcPct val="30000"/>
               </a:spcBef>
@@ -2446,7 +2442,7 @@
                 <a:ea typeface="ＭＳ Ｐゴシック" pitchFamily="34" charset="-128"/>
               </a:defRPr>
             </a:lvl7pPr>
-            <a:lvl8pPr marL="3428752" indent="-228584" defTabSz="990528" eaLnBrk="0" fontAlgn="base" hangingPunct="0">
+            <a:lvl8pPr marL="3304184" indent="-220279" defTabSz="954542" eaLnBrk="0" fontAlgn="base" hangingPunct="0">
               <a:spcBef>
                 <a:spcPct val="30000"/>
               </a:spcBef>
@@ -2461,7 +2457,7 @@
                 <a:ea typeface="ＭＳ Ｐゴシック" pitchFamily="34" charset="-128"/>
               </a:defRPr>
             </a:lvl8pPr>
-            <a:lvl9pPr marL="3885919" indent="-228584" defTabSz="990528" eaLnBrk="0" fontAlgn="base" hangingPunct="0">
+            <a:lvl9pPr marL="3744742" indent="-220279" defTabSz="954542" eaLnBrk="0" fontAlgn="base" hangingPunct="0">
               <a:spcBef>
                 <a:spcPct val="30000"/>
               </a:spcBef>
@@ -2516,8 +2512,8 @@
         </p:nvSpPr>
         <p:spPr>
           <a:xfrm>
-            <a:off x="992188" y="768350"/>
-            <a:ext cx="5114925" cy="3836988"/>
+            <a:off x="896938" y="746125"/>
+            <a:ext cx="4967287" cy="3727450"/>
           </a:xfrm>
           <a:ln/>
         </p:spPr>
@@ -2570,7 +2566,7 @@
     </p:spTree>
     <p:extLst>
       <p:ext uri="{BB962C8B-B14F-4D97-AF65-F5344CB8AC3E}">
-        <p14:creationId xmlns:p14="http://schemas.microsoft.com/office/powerpoint/2010/main" val="440789580"/>
+        <p14:creationId xmlns:p14="http://schemas.microsoft.com/office/powerpoint/2010/main" val="2805516471"/>
       </p:ext>
     </p:extLst>
   </p:cSld>
@@ -2847,561 +2843,7 @@
     </p:spTree>
     <p:extLst>
       <p:ext uri="{BB962C8B-B14F-4D97-AF65-F5344CB8AC3E}">
-        <p14:creationId xmlns:p14="http://schemas.microsoft.com/office/powerpoint/2010/main" val="2666246785"/>
-      </p:ext>
-    </p:extLst>
-  </p:cSld>
-  <p:clrMapOvr>
-    <a:masterClrMapping/>
-  </p:clrMapOvr>
-</p:notes>
-</file>
-
-<file path=ppt/notesSlides/notesSlide7.xml><?xml version="1.0" encoding="utf-8"?>
-<p:notes xmlns:a="http://schemas.openxmlformats.org/drawingml/2006/main" xmlns:r="http://schemas.openxmlformats.org/officeDocument/2006/relationships" xmlns:p="http://schemas.openxmlformats.org/presentationml/2006/main">
-  <p:cSld>
-    <p:spTree>
-      <p:nvGrpSpPr>
-        <p:cNvPr id="1" name=""/>
-        <p:cNvGrpSpPr/>
-        <p:nvPr/>
-      </p:nvGrpSpPr>
-      <p:grpSpPr>
-        <a:xfrm>
-          <a:off x="0" y="0"/>
-          <a:ext cx="0" cy="0"/>
-          <a:chOff x="0" y="0"/>
-          <a:chExt cx="0" cy="0"/>
-        </a:xfrm>
-      </p:grpSpPr>
-      <p:sp>
-        <p:nvSpPr>
-          <p:cNvPr id="22530" name="Rectangle 7"/>
-          <p:cNvSpPr>
-            <a:spLocks noGrp="1" noChangeArrowheads="1"/>
-          </p:cNvSpPr>
-          <p:nvPr>
-            <p:ph type="sldNum" sz="quarter" idx="5"/>
-          </p:nvPr>
-        </p:nvSpPr>
-        <p:spPr>
-          <a:noFill/>
-          <a:ln/>
-          <a:extLst>
-            <a:ext uri="{909E8E84-426E-40DD-AFC4-6F175D3DCCD1}">
-              <a14:hiddenFill xmlns:a14="http://schemas.microsoft.com/office/drawing/2010/main">
-                <a:solidFill>
-                  <a:srgbClr val="FFFFFF"/>
-                </a:solidFill>
-              </a14:hiddenFill>
-            </a:ext>
-            <a:ext uri="{91240B29-F687-4F45-9708-019B960494DF}">
-              <a14:hiddenLine xmlns:a14="http://schemas.microsoft.com/office/drawing/2010/main" w="9525">
-                <a:solidFill>
-                  <a:srgbClr val="000000"/>
-                </a:solidFill>
-                <a:miter lim="800000"/>
-                <a:headEnd/>
-                <a:tailEnd/>
-              </a14:hiddenLine>
-            </a:ext>
-          </a:extLst>
-        </p:spPr>
-        <p:txBody>
-          <a:bodyPr/>
-          <a:lstStyle>
-            <a:lvl1pPr defTabSz="990528" eaLnBrk="0" hangingPunct="0">
-              <a:spcBef>
-                <a:spcPct val="30000"/>
-              </a:spcBef>
-              <a:defRPr sz="1200">
-                <a:solidFill>
-                  <a:schemeClr val="tx1"/>
-                </a:solidFill>
-                <a:latin typeface="Times New Roman" pitchFamily="18" charset="0"/>
-                <a:ea typeface="ＭＳ Ｐゴシック" pitchFamily="34" charset="-128"/>
-              </a:defRPr>
-            </a:lvl1pPr>
-            <a:lvl2pPr marL="742897" indent="-285730" defTabSz="990528" eaLnBrk="0" hangingPunct="0">
-              <a:spcBef>
-                <a:spcPct val="30000"/>
-              </a:spcBef>
-              <a:defRPr sz="1200">
-                <a:solidFill>
-                  <a:schemeClr val="tx1"/>
-                </a:solidFill>
-                <a:latin typeface="Times New Roman" pitchFamily="18" charset="0"/>
-                <a:ea typeface="ＭＳ Ｐゴシック" pitchFamily="34" charset="-128"/>
-              </a:defRPr>
-            </a:lvl2pPr>
-            <a:lvl3pPr marL="1142918" indent="-228584" defTabSz="990528" eaLnBrk="0" hangingPunct="0">
-              <a:spcBef>
-                <a:spcPct val="30000"/>
-              </a:spcBef>
-              <a:defRPr sz="1200">
-                <a:solidFill>
-                  <a:schemeClr val="tx1"/>
-                </a:solidFill>
-                <a:latin typeface="Times New Roman" pitchFamily="18" charset="0"/>
-                <a:ea typeface="ＭＳ Ｐゴシック" pitchFamily="34" charset="-128"/>
-              </a:defRPr>
-            </a:lvl3pPr>
-            <a:lvl4pPr marL="1600085" indent="-228584" defTabSz="990528" eaLnBrk="0" hangingPunct="0">
-              <a:spcBef>
-                <a:spcPct val="30000"/>
-              </a:spcBef>
-              <a:defRPr sz="1200">
-                <a:solidFill>
-                  <a:schemeClr val="tx1"/>
-                </a:solidFill>
-                <a:latin typeface="Times New Roman" pitchFamily="18" charset="0"/>
-                <a:ea typeface="ＭＳ Ｐゴシック" pitchFamily="34" charset="-128"/>
-              </a:defRPr>
-            </a:lvl4pPr>
-            <a:lvl5pPr marL="2057252" indent="-228584" defTabSz="990528" eaLnBrk="0" hangingPunct="0">
-              <a:spcBef>
-                <a:spcPct val="30000"/>
-              </a:spcBef>
-              <a:defRPr sz="1200">
-                <a:solidFill>
-                  <a:schemeClr val="tx1"/>
-                </a:solidFill>
-                <a:latin typeface="Times New Roman" pitchFamily="18" charset="0"/>
-                <a:ea typeface="ＭＳ Ｐゴシック" pitchFamily="34" charset="-128"/>
-              </a:defRPr>
-            </a:lvl5pPr>
-            <a:lvl6pPr marL="2514419" indent="-228584" defTabSz="990528" eaLnBrk="0" fontAlgn="base" hangingPunct="0">
-              <a:spcBef>
-                <a:spcPct val="30000"/>
-              </a:spcBef>
-              <a:spcAft>
-                <a:spcPct val="0"/>
-              </a:spcAft>
-              <a:defRPr sz="1200">
-                <a:solidFill>
-                  <a:schemeClr val="tx1"/>
-                </a:solidFill>
-                <a:latin typeface="Times New Roman" pitchFamily="18" charset="0"/>
-                <a:ea typeface="ＭＳ Ｐゴシック" pitchFamily="34" charset="-128"/>
-              </a:defRPr>
-            </a:lvl6pPr>
-            <a:lvl7pPr marL="2971585" indent="-228584" defTabSz="990528" eaLnBrk="0" fontAlgn="base" hangingPunct="0">
-              <a:spcBef>
-                <a:spcPct val="30000"/>
-              </a:spcBef>
-              <a:spcAft>
-                <a:spcPct val="0"/>
-              </a:spcAft>
-              <a:defRPr sz="1200">
-                <a:solidFill>
-                  <a:schemeClr val="tx1"/>
-                </a:solidFill>
-                <a:latin typeface="Times New Roman" pitchFamily="18" charset="0"/>
-                <a:ea typeface="ＭＳ Ｐゴシック" pitchFamily="34" charset="-128"/>
-              </a:defRPr>
-            </a:lvl7pPr>
-            <a:lvl8pPr marL="3428752" indent="-228584" defTabSz="990528" eaLnBrk="0" fontAlgn="base" hangingPunct="0">
-              <a:spcBef>
-                <a:spcPct val="30000"/>
-              </a:spcBef>
-              <a:spcAft>
-                <a:spcPct val="0"/>
-              </a:spcAft>
-              <a:defRPr sz="1200">
-                <a:solidFill>
-                  <a:schemeClr val="tx1"/>
-                </a:solidFill>
-                <a:latin typeface="Times New Roman" pitchFamily="18" charset="0"/>
-                <a:ea typeface="ＭＳ Ｐゴシック" pitchFamily="34" charset="-128"/>
-              </a:defRPr>
-            </a:lvl8pPr>
-            <a:lvl9pPr marL="3885919" indent="-228584" defTabSz="990528" eaLnBrk="0" fontAlgn="base" hangingPunct="0">
-              <a:spcBef>
-                <a:spcPct val="30000"/>
-              </a:spcBef>
-              <a:spcAft>
-                <a:spcPct val="0"/>
-              </a:spcAft>
-              <a:defRPr sz="1200">
-                <a:solidFill>
-                  <a:schemeClr val="tx1"/>
-                </a:solidFill>
-                <a:latin typeface="Times New Roman" pitchFamily="18" charset="0"/>
-                <a:ea typeface="ＭＳ Ｐゴシック" pitchFamily="34" charset="-128"/>
-              </a:defRPr>
-            </a:lvl9pPr>
-          </a:lstStyle>
-          <a:p>
-            <a:pPr eaLnBrk="1" hangingPunct="1">
-              <a:spcBef>
-                <a:spcPct val="0"/>
-              </a:spcBef>
-            </a:pPr>
-            <a:fld id="{392CB419-FA32-4238-A473-EBED58FF00DE}" type="slidenum">
-              <a:rPr lang="da-DK" altLang="da-DK" sz="1300">
-                <a:solidFill>
-                  <a:srgbClr val="CC0000"/>
-                </a:solidFill>
-              </a:rPr>
-              <a:pPr eaLnBrk="1" hangingPunct="1">
-                <a:spcBef>
-                  <a:spcPct val="0"/>
-                </a:spcBef>
-              </a:pPr>
-              <a:t>7</a:t>
-            </a:fld>
-            <a:endParaRPr lang="da-DK" altLang="da-DK" sz="1300">
-              <a:solidFill>
-                <a:srgbClr val="CC0000"/>
-              </a:solidFill>
-            </a:endParaRPr>
-          </a:p>
-        </p:txBody>
-      </p:sp>
-      <p:sp>
-        <p:nvSpPr>
-          <p:cNvPr id="22531" name="Rectangle 2"/>
-          <p:cNvSpPr>
-            <a:spLocks noGrp="1" noRot="1" noChangeAspect="1" noChangeArrowheads="1" noTextEdit="1"/>
-          </p:cNvSpPr>
-          <p:nvPr>
-            <p:ph type="sldImg"/>
-          </p:nvPr>
-        </p:nvSpPr>
-        <p:spPr>
-          <a:xfrm>
-            <a:off x="992188" y="768350"/>
-            <a:ext cx="5114925" cy="3836988"/>
-          </a:xfrm>
-          <a:ln/>
-        </p:spPr>
-      </p:sp>
-      <p:sp>
-        <p:nvSpPr>
-          <p:cNvPr id="22532" name="Rectangle 3"/>
-          <p:cNvSpPr>
-            <a:spLocks noGrp="1" noChangeArrowheads="1"/>
-          </p:cNvSpPr>
-          <p:nvPr>
-            <p:ph type="body" idx="1"/>
-          </p:nvPr>
-        </p:nvSpPr>
-        <p:spPr>
-          <a:noFill/>
-          <a:ln/>
-          <a:extLst>
-            <a:ext uri="{909E8E84-426E-40DD-AFC4-6F175D3DCCD1}">
-              <a14:hiddenFill xmlns:a14="http://schemas.microsoft.com/office/drawing/2010/main">
-                <a:solidFill>
-                  <a:srgbClr val="FFFFFF"/>
-                </a:solidFill>
-              </a14:hiddenFill>
-            </a:ext>
-            <a:ext uri="{91240B29-F687-4F45-9708-019B960494DF}">
-              <a14:hiddenLine xmlns:a14="http://schemas.microsoft.com/office/drawing/2010/main" w="9525">
-                <a:solidFill>
-                  <a:srgbClr val="000000"/>
-                </a:solidFill>
-                <a:miter lim="800000"/>
-                <a:headEnd/>
-                <a:tailEnd/>
-              </a14:hiddenLine>
-            </a:ext>
-          </a:extLst>
-        </p:spPr>
-        <p:txBody>
-          <a:bodyPr/>
-          <a:lstStyle/>
-          <a:p>
-            <a:pPr eaLnBrk="1" hangingPunct="1"/>
-            <a:endParaRPr lang="en-US" altLang="da-DK" smtClean="0">
-              <a:latin typeface="Times New Roman" pitchFamily="18" charset="0"/>
-              <a:ea typeface="ＭＳ Ｐゴシック" pitchFamily="34" charset="-128"/>
-            </a:endParaRPr>
-          </a:p>
-        </p:txBody>
-      </p:sp>
-    </p:spTree>
-    <p:extLst>
-      <p:ext uri="{BB962C8B-B14F-4D97-AF65-F5344CB8AC3E}">
-        <p14:creationId xmlns:p14="http://schemas.microsoft.com/office/powerpoint/2010/main" val="2885443673"/>
-      </p:ext>
-    </p:extLst>
-  </p:cSld>
-  <p:clrMapOvr>
-    <a:masterClrMapping/>
-  </p:clrMapOvr>
-</p:notes>
-</file>
-
-<file path=ppt/notesSlides/notesSlide8.xml><?xml version="1.0" encoding="utf-8"?>
-<p:notes xmlns:a="http://schemas.openxmlformats.org/drawingml/2006/main" xmlns:r="http://schemas.openxmlformats.org/officeDocument/2006/relationships" xmlns:p="http://schemas.openxmlformats.org/presentationml/2006/main">
-  <p:cSld>
-    <p:spTree>
-      <p:nvGrpSpPr>
-        <p:cNvPr id="1" name=""/>
-        <p:cNvGrpSpPr/>
-        <p:nvPr/>
-      </p:nvGrpSpPr>
-      <p:grpSpPr>
-        <a:xfrm>
-          <a:off x="0" y="0"/>
-          <a:ext cx="0" cy="0"/>
-          <a:chOff x="0" y="0"/>
-          <a:chExt cx="0" cy="0"/>
-        </a:xfrm>
-      </p:grpSpPr>
-      <p:sp>
-        <p:nvSpPr>
-          <p:cNvPr id="22530" name="Rectangle 7"/>
-          <p:cNvSpPr>
-            <a:spLocks noGrp="1" noChangeArrowheads="1"/>
-          </p:cNvSpPr>
-          <p:nvPr>
-            <p:ph type="sldNum" sz="quarter" idx="5"/>
-          </p:nvPr>
-        </p:nvSpPr>
-        <p:spPr>
-          <a:noFill/>
-          <a:ln/>
-          <a:extLst>
-            <a:ext uri="{909E8E84-426E-40DD-AFC4-6F175D3DCCD1}">
-              <a14:hiddenFill xmlns:a14="http://schemas.microsoft.com/office/drawing/2010/main">
-                <a:solidFill>
-                  <a:srgbClr val="FFFFFF"/>
-                </a:solidFill>
-              </a14:hiddenFill>
-            </a:ext>
-            <a:ext uri="{91240B29-F687-4F45-9708-019B960494DF}">
-              <a14:hiddenLine xmlns:a14="http://schemas.microsoft.com/office/drawing/2010/main" w="9525">
-                <a:solidFill>
-                  <a:srgbClr val="000000"/>
-                </a:solidFill>
-                <a:miter lim="800000"/>
-                <a:headEnd/>
-                <a:tailEnd/>
-              </a14:hiddenLine>
-            </a:ext>
-          </a:extLst>
-        </p:spPr>
-        <p:txBody>
-          <a:bodyPr/>
-          <a:lstStyle>
-            <a:lvl1pPr defTabSz="990528" eaLnBrk="0" hangingPunct="0">
-              <a:spcBef>
-                <a:spcPct val="30000"/>
-              </a:spcBef>
-              <a:defRPr sz="1200">
-                <a:solidFill>
-                  <a:schemeClr val="tx1"/>
-                </a:solidFill>
-                <a:latin typeface="Times New Roman" pitchFamily="18" charset="0"/>
-                <a:ea typeface="ＭＳ Ｐゴシック" pitchFamily="34" charset="-128"/>
-              </a:defRPr>
-            </a:lvl1pPr>
-            <a:lvl2pPr marL="742897" indent="-285730" defTabSz="990528" eaLnBrk="0" hangingPunct="0">
-              <a:spcBef>
-                <a:spcPct val="30000"/>
-              </a:spcBef>
-              <a:defRPr sz="1200">
-                <a:solidFill>
-                  <a:schemeClr val="tx1"/>
-                </a:solidFill>
-                <a:latin typeface="Times New Roman" pitchFamily="18" charset="0"/>
-                <a:ea typeface="ＭＳ Ｐゴシック" pitchFamily="34" charset="-128"/>
-              </a:defRPr>
-            </a:lvl2pPr>
-            <a:lvl3pPr marL="1142918" indent="-228584" defTabSz="990528" eaLnBrk="0" hangingPunct="0">
-              <a:spcBef>
-                <a:spcPct val="30000"/>
-              </a:spcBef>
-              <a:defRPr sz="1200">
-                <a:solidFill>
-                  <a:schemeClr val="tx1"/>
-                </a:solidFill>
-                <a:latin typeface="Times New Roman" pitchFamily="18" charset="0"/>
-                <a:ea typeface="ＭＳ Ｐゴシック" pitchFamily="34" charset="-128"/>
-              </a:defRPr>
-            </a:lvl3pPr>
-            <a:lvl4pPr marL="1600085" indent="-228584" defTabSz="990528" eaLnBrk="0" hangingPunct="0">
-              <a:spcBef>
-                <a:spcPct val="30000"/>
-              </a:spcBef>
-              <a:defRPr sz="1200">
-                <a:solidFill>
-                  <a:schemeClr val="tx1"/>
-                </a:solidFill>
-                <a:latin typeface="Times New Roman" pitchFamily="18" charset="0"/>
-                <a:ea typeface="ＭＳ Ｐゴシック" pitchFamily="34" charset="-128"/>
-              </a:defRPr>
-            </a:lvl4pPr>
-            <a:lvl5pPr marL="2057252" indent="-228584" defTabSz="990528" eaLnBrk="0" hangingPunct="0">
-              <a:spcBef>
-                <a:spcPct val="30000"/>
-              </a:spcBef>
-              <a:defRPr sz="1200">
-                <a:solidFill>
-                  <a:schemeClr val="tx1"/>
-                </a:solidFill>
-                <a:latin typeface="Times New Roman" pitchFamily="18" charset="0"/>
-                <a:ea typeface="ＭＳ Ｐゴシック" pitchFamily="34" charset="-128"/>
-              </a:defRPr>
-            </a:lvl5pPr>
-            <a:lvl6pPr marL="2514419" indent="-228584" defTabSz="990528" eaLnBrk="0" fontAlgn="base" hangingPunct="0">
-              <a:spcBef>
-                <a:spcPct val="30000"/>
-              </a:spcBef>
-              <a:spcAft>
-                <a:spcPct val="0"/>
-              </a:spcAft>
-              <a:defRPr sz="1200">
-                <a:solidFill>
-                  <a:schemeClr val="tx1"/>
-                </a:solidFill>
-                <a:latin typeface="Times New Roman" pitchFamily="18" charset="0"/>
-                <a:ea typeface="ＭＳ Ｐゴシック" pitchFamily="34" charset="-128"/>
-              </a:defRPr>
-            </a:lvl6pPr>
-            <a:lvl7pPr marL="2971585" indent="-228584" defTabSz="990528" eaLnBrk="0" fontAlgn="base" hangingPunct="0">
-              <a:spcBef>
-                <a:spcPct val="30000"/>
-              </a:spcBef>
-              <a:spcAft>
-                <a:spcPct val="0"/>
-              </a:spcAft>
-              <a:defRPr sz="1200">
-                <a:solidFill>
-                  <a:schemeClr val="tx1"/>
-                </a:solidFill>
-                <a:latin typeface="Times New Roman" pitchFamily="18" charset="0"/>
-                <a:ea typeface="ＭＳ Ｐゴシック" pitchFamily="34" charset="-128"/>
-              </a:defRPr>
-            </a:lvl7pPr>
-            <a:lvl8pPr marL="3428752" indent="-228584" defTabSz="990528" eaLnBrk="0" fontAlgn="base" hangingPunct="0">
-              <a:spcBef>
-                <a:spcPct val="30000"/>
-              </a:spcBef>
-              <a:spcAft>
-                <a:spcPct val="0"/>
-              </a:spcAft>
-              <a:defRPr sz="1200">
-                <a:solidFill>
-                  <a:schemeClr val="tx1"/>
-                </a:solidFill>
-                <a:latin typeface="Times New Roman" pitchFamily="18" charset="0"/>
-                <a:ea typeface="ＭＳ Ｐゴシック" pitchFamily="34" charset="-128"/>
-              </a:defRPr>
-            </a:lvl8pPr>
-            <a:lvl9pPr marL="3885919" indent="-228584" defTabSz="990528" eaLnBrk="0" fontAlgn="base" hangingPunct="0">
-              <a:spcBef>
-                <a:spcPct val="30000"/>
-              </a:spcBef>
-              <a:spcAft>
-                <a:spcPct val="0"/>
-              </a:spcAft>
-              <a:defRPr sz="1200">
-                <a:solidFill>
-                  <a:schemeClr val="tx1"/>
-                </a:solidFill>
-                <a:latin typeface="Times New Roman" pitchFamily="18" charset="0"/>
-                <a:ea typeface="ＭＳ Ｐゴシック" pitchFamily="34" charset="-128"/>
-              </a:defRPr>
-            </a:lvl9pPr>
-          </a:lstStyle>
-          <a:p>
-            <a:pPr eaLnBrk="1" hangingPunct="1">
-              <a:spcBef>
-                <a:spcPct val="0"/>
-              </a:spcBef>
-            </a:pPr>
-            <a:fld id="{392CB419-FA32-4238-A473-EBED58FF00DE}" type="slidenum">
-              <a:rPr lang="da-DK" altLang="da-DK" sz="1300">
-                <a:solidFill>
-                  <a:srgbClr val="CC0000"/>
-                </a:solidFill>
-              </a:rPr>
-              <a:pPr eaLnBrk="1" hangingPunct="1">
-                <a:spcBef>
-                  <a:spcPct val="0"/>
-                </a:spcBef>
-              </a:pPr>
-              <a:t>8</a:t>
-            </a:fld>
-            <a:endParaRPr lang="da-DK" altLang="da-DK" sz="1300">
-              <a:solidFill>
-                <a:srgbClr val="CC0000"/>
-              </a:solidFill>
-            </a:endParaRPr>
-          </a:p>
-        </p:txBody>
-      </p:sp>
-      <p:sp>
-        <p:nvSpPr>
-          <p:cNvPr id="22531" name="Rectangle 2"/>
-          <p:cNvSpPr>
-            <a:spLocks noGrp="1" noRot="1" noChangeAspect="1" noChangeArrowheads="1" noTextEdit="1"/>
-          </p:cNvSpPr>
-          <p:nvPr>
-            <p:ph type="sldImg"/>
-          </p:nvPr>
-        </p:nvSpPr>
-        <p:spPr>
-          <a:xfrm>
-            <a:off x="992188" y="768350"/>
-            <a:ext cx="5114925" cy="3836988"/>
-          </a:xfrm>
-          <a:ln/>
-        </p:spPr>
-      </p:sp>
-      <p:sp>
-        <p:nvSpPr>
-          <p:cNvPr id="22532" name="Rectangle 3"/>
-          <p:cNvSpPr>
-            <a:spLocks noGrp="1" noChangeArrowheads="1"/>
-          </p:cNvSpPr>
-          <p:nvPr>
-            <p:ph type="body" idx="1"/>
-          </p:nvPr>
-        </p:nvSpPr>
-        <p:spPr>
-          <a:noFill/>
-          <a:ln/>
-          <a:extLst>
-            <a:ext uri="{909E8E84-426E-40DD-AFC4-6F175D3DCCD1}">
-              <a14:hiddenFill xmlns:a14="http://schemas.microsoft.com/office/drawing/2010/main">
-                <a:solidFill>
-                  <a:srgbClr val="FFFFFF"/>
-                </a:solidFill>
-              </a14:hiddenFill>
-            </a:ext>
-            <a:ext uri="{91240B29-F687-4F45-9708-019B960494DF}">
-              <a14:hiddenLine xmlns:a14="http://schemas.microsoft.com/office/drawing/2010/main" w="9525">
-                <a:solidFill>
-                  <a:srgbClr val="000000"/>
-                </a:solidFill>
-                <a:miter lim="800000"/>
-                <a:headEnd/>
-                <a:tailEnd/>
-              </a14:hiddenLine>
-            </a:ext>
-          </a:extLst>
-        </p:spPr>
-        <p:txBody>
-          <a:bodyPr/>
-          <a:lstStyle/>
-          <a:p>
-            <a:pPr eaLnBrk="1" hangingPunct="1"/>
-            <a:endParaRPr lang="en-US" altLang="da-DK" smtClean="0">
-              <a:latin typeface="Times New Roman" pitchFamily="18" charset="0"/>
-              <a:ea typeface="ＭＳ Ｐゴシック" pitchFamily="34" charset="-128"/>
-            </a:endParaRPr>
-          </a:p>
-        </p:txBody>
-      </p:sp>
-    </p:spTree>
-    <p:extLst>
-      <p:ext uri="{BB962C8B-B14F-4D97-AF65-F5344CB8AC3E}">
-        <p14:creationId xmlns:p14="http://schemas.microsoft.com/office/powerpoint/2010/main" val="1861535536"/>
+        <p14:creationId xmlns:p14="http://schemas.microsoft.com/office/powerpoint/2010/main" val="440789580"/>
       </p:ext>
     </p:extLst>
   </p:cSld>
@@ -5346,7 +4788,7 @@
             </a:pPr>
             <a:r>
               <a:rPr lang="da-DK" sz="1600" dirty="0" smtClean="0"/>
-              <a:t>9.00 Velkomst og diverse indledende info</a:t>
+              <a:t>9.15 Velkomst og diverse indledende info</a:t>
             </a:r>
           </a:p>
           <a:p>
@@ -5357,7 +4799,7 @@
             </a:pPr>
             <a:r>
               <a:rPr lang="da-DK" sz="1600" dirty="0" smtClean="0"/>
-              <a:t>9.15 Forelæsning (med en kort pause midtvejs)</a:t>
+              <a:t>9.30 Forelæsning (med en kort pause midtvejs)</a:t>
             </a:r>
           </a:p>
           <a:p>
@@ -5368,7 +4810,7 @@
             </a:pPr>
             <a:r>
               <a:rPr lang="da-DK" sz="1600" dirty="0" smtClean="0"/>
-              <a:t>11.00 </a:t>
+              <a:t>11.30 </a:t>
             </a:r>
             <a:r>
               <a:rPr lang="da-DK" sz="1600" dirty="0"/>
@@ -5388,7 +4830,7 @@
             </a:pPr>
             <a:r>
               <a:rPr lang="da-DK" sz="1600" dirty="0" smtClean="0"/>
-              <a:t>12.30 Frokostpause</a:t>
+              <a:t>13.00 Frokostpause</a:t>
             </a:r>
           </a:p>
           <a:p>
@@ -5399,7 +4841,7 @@
             </a:pPr>
             <a:r>
               <a:rPr lang="da-DK" sz="1600" dirty="0" smtClean="0"/>
-              <a:t>13.00 Forelæsning (med en kort pause midtvejs)</a:t>
+              <a:t>13.30 Forelæsning (med en kort pause midtvejs)</a:t>
             </a:r>
           </a:p>
           <a:p>
@@ -5410,7 +4852,7 @@
             </a:pPr>
             <a:r>
               <a:rPr lang="da-DK" sz="1600" dirty="0" smtClean="0"/>
-              <a:t>15.00 Øvelser omkring afleveringsopgaven Skildpadde 2</a:t>
+              <a:t>15.30 Øvelser omkring afleveringsopgaven Skildpadde 2</a:t>
             </a:r>
           </a:p>
           <a:p>
@@ -5460,7 +4902,7 @@
         </p:nvSpPr>
         <p:spPr bwMode="auto">
           <a:xfrm>
-            <a:off x="601747" y="3933056"/>
+            <a:off x="601747" y="3861048"/>
             <a:ext cx="8339749" cy="2736304"/>
           </a:xfrm>
           <a:prstGeom prst="rect">
@@ -5689,7 +5131,15 @@
             </a:r>
             <a:r>
               <a:rPr lang="da-DK" sz="1800" dirty="0"/>
-              <a:t>de næste uger er der ikke ret meget nyt stof at læse</a:t>
+              <a:t>de næste </a:t>
+            </a:r>
+            <a:r>
+              <a:rPr lang="da-DK" sz="1800" dirty="0" smtClean="0"/>
+              <a:t>uger </a:t>
+            </a:r>
+            <a:r>
+              <a:rPr lang="da-DK" sz="1800" dirty="0"/>
+              <a:t>er der ikke ret meget nyt stof at læse</a:t>
             </a:r>
           </a:p>
           <a:p>
@@ -5776,6 +5226,77 @@
               </a:spcBef>
             </a:pPr>
             <a:endParaRPr lang="da-DK" sz="1100" dirty="0"/>
+          </a:p>
+        </p:txBody>
+      </p:sp>
+      <p:sp>
+        <p:nvSpPr>
+          <p:cNvPr id="6" name="Rectangle 5"/>
+          <p:cNvSpPr/>
+          <p:nvPr/>
+        </p:nvSpPr>
+        <p:spPr>
+          <a:xfrm rot="1626576">
+            <a:off x="5600200" y="1805837"/>
+            <a:ext cx="3115398" cy="523220"/>
+          </a:xfrm>
+          <a:prstGeom prst="rect">
+            <a:avLst/>
+          </a:prstGeom>
+          <a:noFill/>
+        </p:spPr>
+        <p:txBody>
+          <a:bodyPr wrap="square">
+            <a:spAutoFit/>
+            <a:scene3d>
+              <a:camera prst="orthographicFront"/>
+              <a:lightRig rig="flat" dir="tl">
+                <a:rot lat="0" lon="0" rev="6600000"/>
+              </a:lightRig>
+            </a:scene3d>
+            <a:sp3d extrusionH="25400" contourW="8890">
+              <a:bevelT w="38100" h="31750"/>
+              <a:contourClr>
+                <a:schemeClr val="accent2">
+                  <a:shade val="75000"/>
+                </a:schemeClr>
+              </a:contourClr>
+            </a:sp3d>
+          </a:bodyPr>
+          <a:lstStyle/>
+          <a:p>
+            <a:pPr algn="ctr">
+              <a:defRPr/>
+            </a:pPr>
+            <a:r>
+              <a:rPr lang="da-DK" sz="2800" b="1" dirty="0" smtClean="0">
+                <a:ln w="11430"/>
+                <a:solidFill>
+                  <a:srgbClr val="CC0000"/>
+                </a:solidFill>
+                <a:effectLst>
+                  <a:outerShdw blurRad="50800" dist="39000" dir="5460000" algn="tl">
+                    <a:srgbClr val="000000">
+                      <a:alpha val="38000"/>
+                    </a:srgbClr>
+                  </a:outerShdw>
+                </a:effectLst>
+              </a:rPr>
+              <a:t>Start optagelse</a:t>
+            </a:r>
+            <a:endParaRPr lang="da-DK" sz="3200" b="1" dirty="0">
+              <a:ln w="11430"/>
+              <a:solidFill>
+                <a:srgbClr val="CC0000"/>
+              </a:solidFill>
+              <a:effectLst>
+                <a:outerShdw blurRad="50800" dist="39000" dir="5460000" algn="tl">
+                  <a:srgbClr val="000000">
+                    <a:alpha val="38000"/>
+                  </a:srgbClr>
+                </a:outerShdw>
+              </a:effectLst>
+            </a:endParaRPr>
           </a:p>
         </p:txBody>
       </p:sp>
@@ -5792,7 +5313,78 @@
   <p:timing>
     <p:tnLst>
       <p:par>
-        <p:cTn id="1" dur="indefinite" restart="never" nodeType="tmRoot"/>
+        <p:cTn id="1" dur="indefinite" restart="never" nodeType="tmRoot">
+          <p:childTnLst>
+            <p:seq concurrent="1" nextAc="seek">
+              <p:cTn id="2" dur="indefinite" nodeType="mainSeq">
+                <p:childTnLst>
+                  <p:par>
+                    <p:cTn id="3" fill="hold">
+                      <p:stCondLst>
+                        <p:cond delay="indefinite"/>
+                        <p:cond evt="onBegin" delay="0">
+                          <p:tn val="2"/>
+                        </p:cond>
+                      </p:stCondLst>
+                      <p:childTnLst>
+                        <p:par>
+                          <p:cTn id="4" fill="hold">
+                            <p:stCondLst>
+                              <p:cond delay="0"/>
+                            </p:stCondLst>
+                            <p:childTnLst>
+                              <p:par>
+                                <p:cTn id="5" presetID="1" presetClass="entr" presetSubtype="0" fill="hold" nodeType="withEffect">
+                                  <p:stCondLst>
+                                    <p:cond delay="0"/>
+                                  </p:stCondLst>
+                                  <p:childTnLst>
+                                    <p:set>
+                                      <p:cBhvr>
+                                        <p:cTn id="6" dur="1" fill="hold">
+                                          <p:stCondLst>
+                                            <p:cond delay="0"/>
+                                          </p:stCondLst>
+                                        </p:cTn>
+                                        <p:tgtEl>
+                                          <p:spTgt spid="6"/>
+                                        </p:tgtEl>
+                                        <p:attrNameLst>
+                                          <p:attrName>style.visibility</p:attrName>
+                                        </p:attrNameLst>
+                                      </p:cBhvr>
+                                      <p:to>
+                                        <p:strVal val="visible"/>
+                                      </p:to>
+                                    </p:set>
+                                  </p:childTnLst>
+                                </p:cTn>
+                              </p:par>
+                            </p:childTnLst>
+                          </p:cTn>
+                        </p:par>
+                      </p:childTnLst>
+                    </p:cTn>
+                  </p:par>
+                </p:childTnLst>
+              </p:cTn>
+              <p:prevCondLst>
+                <p:cond evt="onPrev" delay="0">
+                  <p:tgtEl>
+                    <p:sldTgt/>
+                  </p:tgtEl>
+                </p:cond>
+              </p:prevCondLst>
+              <p:nextCondLst>
+                <p:cond evt="onNext" delay="0">
+                  <p:tgtEl>
+                    <p:sldTgt/>
+                  </p:tgtEl>
+                </p:cond>
+              </p:nextCondLst>
+            </p:seq>
+          </p:childTnLst>
+        </p:cTn>
       </p:par>
     </p:tnLst>
   </p:timing>
@@ -6016,8 +5608,8 @@
         </p:nvSpPr>
         <p:spPr bwMode="auto">
           <a:xfrm>
-            <a:off x="611560" y="1052736"/>
-            <a:ext cx="8280920" cy="5688632"/>
+            <a:off x="611560" y="1124744"/>
+            <a:ext cx="8280920" cy="5112568"/>
           </a:xfrm>
           <a:prstGeom prst="rect">
             <a:avLst/>
@@ -6188,12 +5780,76 @@
               <a:buChar char="•"/>
             </a:pPr>
             <a:r>
+              <a:rPr lang="da-DK" altLang="da-DK" sz="1800" b="1" spc="-40" dirty="0">
+                <a:solidFill>
+                  <a:srgbClr val="A50021"/>
+                </a:solidFill>
+              </a:rPr>
+              <a:t>Alle har nu fået Raflebæger 2 og Skildpadde 1 godkendt</a:t>
+            </a:r>
+          </a:p>
+          <a:p>
+            <a:pPr marL="742950" lvl="1" indent="-285750">
+              <a:spcBef>
+                <a:spcPts val="600"/>
+              </a:spcBef>
+            </a:pPr>
+            <a:r>
+              <a:rPr lang="da-DK" altLang="da-DK" sz="1600" dirty="0"/>
+              <a:t>Tillykke med det</a:t>
+            </a:r>
+          </a:p>
+          <a:p>
+            <a:pPr marL="271463" lvl="1" indent="-271463">
+              <a:spcBef>
+                <a:spcPts val="1800"/>
+              </a:spcBef>
+              <a:buFontTx/>
+              <a:buChar char="•"/>
+            </a:pPr>
+            <a:r>
+              <a:rPr lang="da-DK" altLang="da-DK" b="1" spc="-40" dirty="0">
+                <a:solidFill>
+                  <a:srgbClr val="A50021"/>
+                </a:solidFill>
+              </a:rPr>
+              <a:t>I har klaret Raflebæger 2 og Skildpadde 1 flot</a:t>
+            </a:r>
+          </a:p>
+          <a:p>
+            <a:pPr marL="742950" lvl="1" indent="-285750">
+              <a:spcBef>
+                <a:spcPts val="600"/>
+              </a:spcBef>
+            </a:pPr>
+            <a:r>
+              <a:rPr lang="da-DK" altLang="da-DK" sz="1800" dirty="0"/>
+              <a:t>Igen genafleveringer og kun ganske få forslag til forbedringer</a:t>
+            </a:r>
+          </a:p>
+          <a:p>
+            <a:pPr marL="271463" lvl="1" indent="-271463">
+              <a:spcBef>
+                <a:spcPts val="1800"/>
+              </a:spcBef>
+              <a:buFontTx/>
+              <a:buChar char="•"/>
+            </a:pPr>
+            <a:r>
               <a:rPr lang="da-DK" altLang="da-DK" sz="1800" b="1" spc="-80" dirty="0" smtClean="0">
                 <a:solidFill>
                   <a:srgbClr val="A50021"/>
                 </a:solidFill>
               </a:rPr>
-              <a:t>I Quiz 2 var jeres gennemsnitlige vurdering af pensummets sværhedsgrad 3,39</a:t>
+              <a:t>I </a:t>
+            </a:r>
+            <a:r>
+              <a:rPr lang="da-DK" altLang="da-DK" sz="1800" b="1" spc="-80" dirty="0" smtClean="0">
+                <a:solidFill>
+                  <a:srgbClr val="A50021"/>
+                </a:solidFill>
+              </a:rPr>
+              <a:t>Quiz 2 var jeres gennemsnitlige vurdering af pensummets sværhedsgrad 3,50</a:t>
             </a:r>
           </a:p>
           <a:p>
@@ -6208,26 +5864,25 @@
             </a:r>
             <a:r>
               <a:rPr lang="da-DK" altLang="da-DK" sz="1600" dirty="0" smtClean="0"/>
-              <a:t>et er lidt over middel</a:t>
+              <a:t>et er noget over middel</a:t>
+            </a:r>
+          </a:p>
+          <a:p>
+            <a:pPr marL="742950" lvl="1" indent="-285750">
+              <a:spcBef>
+                <a:spcPts val="600"/>
+              </a:spcBef>
+            </a:pPr>
+            <a:r>
+              <a:rPr lang="da-DK" altLang="da-DK" sz="1600" dirty="0" smtClean="0"/>
+              <a:t>Sidste forår lå den på 3,39</a:t>
             </a:r>
             <a:endParaRPr lang="da-DK" altLang="da-DK" sz="1600" dirty="0"/>
           </a:p>
           <a:p>
-            <a:pPr marL="742950" lvl="1" indent="-285750">
-              <a:spcBef>
-                <a:spcPts val="600"/>
-              </a:spcBef>
-            </a:pPr>
-            <a:r>
-              <a:rPr lang="da-DK" altLang="da-DK" sz="1600" dirty="0" smtClean="0"/>
-              <a:t>Til sammenligning havde de studerende på efterårskurset et gennemsnit på 2,95 (en anelse under middel)</a:t>
-            </a:r>
-            <a:endParaRPr lang="da-DK" altLang="da-DK" sz="1600" dirty="0"/>
-          </a:p>
-          <a:p>
             <a:pPr marL="271463" lvl="1" indent="-271463">
               <a:spcBef>
-                <a:spcPts val="1200"/>
+                <a:spcPts val="1800"/>
               </a:spcBef>
               <a:buFontTx/>
               <a:buChar char="•"/>
@@ -6238,8 +5893,37 @@
                   <a:srgbClr val="A50021"/>
                 </a:solidFill>
               </a:rPr>
-              <a:t>I har klaret Raflebæger 2 og Skildpadde 1 flot</a:t>
-            </a:r>
+              <a:t>I </a:t>
+            </a:r>
+            <a:r>
+              <a:rPr lang="da-DK" altLang="da-DK" sz="1800" b="1" spc="-40" dirty="0">
+                <a:solidFill>
+                  <a:srgbClr val="A50021"/>
+                </a:solidFill>
+              </a:rPr>
+              <a:t>har klaret Quiz </a:t>
+            </a:r>
+            <a:r>
+              <a:rPr lang="da-DK" altLang="da-DK" sz="1800" b="1" spc="-40" dirty="0" smtClean="0">
+                <a:solidFill>
+                  <a:srgbClr val="A50021"/>
+                </a:solidFill>
+              </a:rPr>
+              <a:t>2 </a:t>
+            </a:r>
+            <a:r>
+              <a:rPr lang="da-DK" altLang="da-DK" sz="1800" b="1" spc="-40" dirty="0" smtClean="0">
+                <a:solidFill>
+                  <a:srgbClr val="A50021"/>
+                </a:solidFill>
+              </a:rPr>
+              <a:t>fint</a:t>
+            </a:r>
+            <a:endParaRPr lang="da-DK" altLang="da-DK" sz="1800" b="1" spc="-40" dirty="0">
+              <a:solidFill>
+                <a:srgbClr val="A50021"/>
+              </a:solidFill>
+            </a:endParaRPr>
           </a:p>
           <a:p>
             <a:pPr marL="742950" lvl="1" indent="-285750">
@@ -6251,48 +5935,15 @@
             </a:pPr>
             <a:r>
               <a:rPr lang="da-DK" altLang="da-DK" sz="1600" dirty="0" smtClean="0"/>
-              <a:t>Kun få genafleveringer</a:t>
-            </a:r>
-          </a:p>
-          <a:p>
-            <a:pPr marL="271463" lvl="1" indent="-271463">
-              <a:spcBef>
-                <a:spcPts val="1200"/>
-              </a:spcBef>
-              <a:buFontTx/>
-              <a:buChar char="•"/>
-            </a:pPr>
-            <a:r>
-              <a:rPr lang="da-DK" altLang="da-DK" sz="1800" b="1" spc="-40" dirty="0" smtClean="0">
-                <a:solidFill>
-                  <a:srgbClr val="A50021"/>
-                </a:solidFill>
-              </a:rPr>
-              <a:t>I </a:t>
-            </a:r>
-            <a:r>
-              <a:rPr lang="da-DK" altLang="da-DK" sz="1800" b="1" spc="-40" dirty="0">
-                <a:solidFill>
-                  <a:srgbClr val="A50021"/>
-                </a:solidFill>
-              </a:rPr>
-              <a:t>har klaret Quiz </a:t>
-            </a:r>
-            <a:r>
-              <a:rPr lang="da-DK" altLang="da-DK" sz="1800" b="1" spc="-40" dirty="0" smtClean="0">
-                <a:solidFill>
-                  <a:srgbClr val="A50021"/>
-                </a:solidFill>
-              </a:rPr>
-              <a:t>2 </a:t>
-            </a:r>
-            <a:r>
-              <a:rPr lang="da-DK" altLang="da-DK" sz="1800" b="1" spc="-40" dirty="0">
-                <a:solidFill>
-                  <a:srgbClr val="A50021"/>
-                </a:solidFill>
-              </a:rPr>
-              <a:t>en anelse bedre end de studerende i efteråret</a:t>
+              <a:t>I brugte </a:t>
+            </a:r>
+            <a:r>
+              <a:rPr lang="da-DK" altLang="da-DK" sz="1600" dirty="0" smtClean="0"/>
+              <a:t>kun 1,63 </a:t>
+            </a:r>
+            <a:r>
+              <a:rPr lang="da-DK" altLang="da-DK" sz="1600" dirty="0" smtClean="0"/>
+              <a:t>forsøg pr spørgsmål (mod 1,59 sidste i foråret 2021)</a:t>
             </a:r>
           </a:p>
           <a:p>
@@ -6305,7 +5956,15 @@
             </a:pPr>
             <a:r>
               <a:rPr lang="da-DK" altLang="da-DK" sz="1600" dirty="0" smtClean="0"/>
-              <a:t>I brugte 1,59 forsøg pr spørgsmål (mod 1,66 i efteråret)</a:t>
+              <a:t>I </a:t>
+            </a:r>
+            <a:r>
+              <a:rPr lang="da-DK" altLang="da-DK" sz="1600" dirty="0" smtClean="0"/>
+              <a:t>havde </a:t>
+            </a:r>
+            <a:r>
+              <a:rPr lang="da-DK" altLang="da-DK" sz="1600" dirty="0" smtClean="0"/>
+              <a:t>sværest ved spørgsmål 7 og 16</a:t>
             </a:r>
           </a:p>
           <a:p>
@@ -6318,91 +5977,13 @@
             </a:pPr>
             <a:r>
               <a:rPr lang="da-DK" altLang="da-DK" sz="1600" dirty="0" smtClean="0"/>
-              <a:t>I have sværest ved spørgsmål 6, 7 og 16</a:t>
-            </a:r>
-          </a:p>
-          <a:p>
-            <a:pPr marL="742950" lvl="1" indent="-285750">
-              <a:spcBef>
-                <a:spcPts val="600"/>
-              </a:spcBef>
-              <a:buFontTx/>
-              <a:buChar char="–"/>
-            </a:pPr>
+              <a:t>Så dem vil vi lige tage et hurtigt kig på (sammen med spørgsmål 6, der hænger tæt sammen med 7</a:t>
+            </a:r>
             <a:r>
               <a:rPr lang="da-DK" altLang="da-DK" sz="1600" dirty="0" smtClean="0"/>
-              <a:t>Så dem vil vi lige tage et hurtigt kig på</a:t>
-            </a:r>
-          </a:p>
-          <a:p>
-            <a:pPr marL="271463" lvl="1" indent="-271463">
-              <a:spcBef>
-                <a:spcPts val="1200"/>
-              </a:spcBef>
-              <a:buFontTx/>
-              <a:buChar char="•"/>
-            </a:pPr>
-            <a:r>
-              <a:rPr lang="da-DK" altLang="da-DK" sz="1800" b="1" spc="-40" dirty="0">
-                <a:solidFill>
-                  <a:srgbClr val="A50021"/>
-                </a:solidFill>
-              </a:rPr>
-              <a:t>I skal overholde deadlines for afleveringsopgaverne</a:t>
-            </a:r>
-          </a:p>
-          <a:p>
-            <a:pPr marL="742950" lvl="1" indent="-285750">
-              <a:spcBef>
-                <a:spcPts val="600"/>
-              </a:spcBef>
-              <a:buFontTx/>
-              <a:buChar char="–"/>
-            </a:pPr>
-            <a:r>
-              <a:rPr lang="da-DK" altLang="da-DK" sz="1600" dirty="0" smtClean="0"/>
-              <a:t>Gælder også quizzerne</a:t>
-            </a:r>
-          </a:p>
-          <a:p>
-            <a:pPr marL="742950" lvl="1" indent="-285750">
-              <a:spcBef>
-                <a:spcPts val="600"/>
-              </a:spcBef>
-              <a:buFontTx/>
-              <a:buChar char="–"/>
-            </a:pPr>
-            <a:r>
-              <a:rPr lang="da-DK" altLang="da-DK" sz="1600" dirty="0" smtClean="0"/>
-              <a:t>Hvis  man bliver syg eller løber ind i andre problemer, kan man selvfølgelig få udsættelse – men spørg i god tid (ikke 10 minutter før fristen eller bagefter)</a:t>
-            </a:r>
-          </a:p>
-          <a:p>
-            <a:pPr marL="285750" indent="-285750">
-              <a:spcBef>
-                <a:spcPts val="1200"/>
-              </a:spcBef>
-            </a:pPr>
-            <a:r>
-              <a:rPr lang="da-DK" sz="1800" dirty="0"/>
-              <a:t>Husk at teste jeres opgaver på testserveren før I afleverer</a:t>
-            </a:r>
-          </a:p>
-          <a:p>
-            <a:pPr marL="742950" lvl="1" indent="-285750">
-              <a:spcBef>
-                <a:spcPts val="600"/>
-              </a:spcBef>
-            </a:pPr>
-            <a:r>
-              <a:rPr lang="da-DK" sz="1600" spc="-30" dirty="0"/>
-              <a:t>Sidste kørsel på testserveren bør svare til den kode, som I afleverer på </a:t>
-            </a:r>
-            <a:r>
-              <a:rPr lang="da-DK" sz="1600" spc="-30" dirty="0" smtClean="0"/>
-              <a:t>Blackboard</a:t>
-            </a:r>
-            <a:endParaRPr lang="da-DK" sz="1600" spc="-30" dirty="0"/>
+              <a:t>)</a:t>
+            </a:r>
+            <a:endParaRPr lang="da-DK" altLang="da-DK" sz="1600" dirty="0" smtClean="0"/>
           </a:p>
         </p:txBody>
       </p:sp>
@@ -6647,8 +6228,8 @@
         </p:nvSpPr>
         <p:spPr bwMode="auto">
           <a:xfrm>
-            <a:off x="480723" y="1041668"/>
-            <a:ext cx="8411758" cy="5699700"/>
+            <a:off x="480722" y="1113676"/>
+            <a:ext cx="8483765" cy="5339660"/>
           </a:xfrm>
           <a:prstGeom prst="rect">
             <a:avLst/>
@@ -6817,12 +6398,8 @@
               </a:spcBef>
             </a:pPr>
             <a:r>
-              <a:rPr lang="da-DK" sz="1800" dirty="0" smtClean="0"/>
-              <a:t>Genaflevering </a:t>
-            </a:r>
-            <a:r>
-              <a:rPr lang="da-DK" sz="1800" dirty="0"/>
-              <a:t>af afleveringsopgaver</a:t>
+              <a:rPr lang="da-DK" altLang="da-DK" sz="1800" dirty="0"/>
+              <a:t>Hvis  man bliver syg eller løber ind i andre problemer, kan man selvfølgelig få udsættelse</a:t>
             </a:r>
           </a:p>
           <a:p>
@@ -6832,67 +6409,9 @@
               </a:spcBef>
             </a:pPr>
             <a:r>
-              <a:rPr lang="da-DK" sz="1800" dirty="0"/>
-              <a:t>I</a:t>
-            </a:r>
-            <a:r>
-              <a:rPr lang="da-DK" sz="1600" dirty="0"/>
-              <a:t> begyndelsen kræver instruktorerne ofte genaflevering for små mangler</a:t>
-            </a:r>
-          </a:p>
-          <a:p>
-            <a:pPr marL="742950" lvl="1" indent="-285750">
-              <a:spcBef>
-                <a:spcPts val="600"/>
-              </a:spcBef>
-            </a:pPr>
-            <a:r>
-              <a:rPr lang="da-DK" sz="1600" dirty="0"/>
-              <a:t>Det er den nemmeste og hurtigste måde, at få lært jer god programmeringsskik</a:t>
-            </a:r>
-          </a:p>
-          <a:p>
-            <a:pPr marL="742950" lvl="1" indent="-285750">
-              <a:spcBef>
-                <a:spcPts val="600"/>
-              </a:spcBef>
-            </a:pPr>
-            <a:r>
-              <a:rPr lang="da-DK" sz="1600" dirty="0" smtClean="0"/>
-              <a:t>Genaflevér </a:t>
-            </a:r>
-            <a:r>
-              <a:rPr lang="da-DK" sz="1600" dirty="0"/>
-              <a:t>så hurtigt som muligt – så I ikke kommer </a:t>
-            </a:r>
-            <a:r>
-              <a:rPr lang="da-DK" sz="1600" dirty="0" smtClean="0"/>
-              <a:t>bagefter</a:t>
-            </a:r>
-          </a:p>
-          <a:p>
-            <a:pPr marL="742950" lvl="1" indent="-285750">
-              <a:spcBef>
-                <a:spcPts val="600"/>
-              </a:spcBef>
-            </a:pPr>
-            <a:r>
-              <a:rPr lang="da-DK" sz="1600" dirty="0" smtClean="0"/>
-              <a:t>Læs instruktorens feedback til jer og forsøg så at udbedre </a:t>
-            </a:r>
-            <a:r>
-              <a:rPr lang="da-DK" sz="1600" b="1" dirty="0" smtClean="0">
-                <a:solidFill>
-                  <a:srgbClr val="008000"/>
-                </a:solidFill>
-              </a:rPr>
-              <a:t>alle</a:t>
-            </a:r>
-            <a:r>
-              <a:rPr lang="da-DK" sz="1600" dirty="0" smtClean="0"/>
-              <a:t> de fejl og mangler, som han har påpeget</a:t>
-            </a:r>
-            <a:endParaRPr lang="da-DK" sz="1600" dirty="0"/>
+              <a:rPr lang="da-DK" altLang="da-DK" sz="1800" dirty="0"/>
+              <a:t>Spørg i god tid (ikke 10 minutter før fristen eller bagefter)</a:t>
+            </a:r>
           </a:p>
           <a:p>
             <a:pPr marL="271463" lvl="1" indent="-271463">
@@ -7007,8 +6526,39 @@
             </a:pPr>
             <a:r>
               <a:rPr lang="da-DK" sz="1600" dirty="0"/>
-              <a:t>Vi bruger avancerede værktøjer til afsløring af plagiering</a:t>
-            </a:r>
+              <a:t>Vi bruger avancerede værktøjer til afsløring af </a:t>
+            </a:r>
+            <a:r>
+              <a:rPr lang="da-DK" sz="1600" dirty="0" smtClean="0"/>
+              <a:t>plagiering</a:t>
+            </a:r>
+          </a:p>
+          <a:p>
+            <a:pPr marL="285750" indent="-285750">
+              <a:spcBef>
+                <a:spcPts val="1800"/>
+              </a:spcBef>
+            </a:pPr>
+            <a:r>
+              <a:rPr lang="da-DK" sz="1800" dirty="0"/>
+              <a:t>Husk at teste jeres opgaver på testserveren før I afleverer</a:t>
+            </a:r>
+          </a:p>
+          <a:p>
+            <a:pPr marL="742950" lvl="1" indent="-285750">
+              <a:spcBef>
+                <a:spcPts val="600"/>
+              </a:spcBef>
+            </a:pPr>
+            <a:r>
+              <a:rPr lang="da-DK" sz="1600" spc="-30" dirty="0"/>
+              <a:t>Sidste kørsel på testserveren bør svare til den kode, som I afleverer på </a:t>
+            </a:r>
+            <a:r>
+              <a:rPr lang="da-DK" sz="1600" spc="-30" dirty="0" smtClean="0"/>
+              <a:t>Blackboard</a:t>
+            </a:r>
+            <a:endParaRPr lang="da-DK" sz="1600" dirty="0"/>
           </a:p>
           <a:p>
             <a:pPr marL="742950" lvl="1" indent="-285750">
@@ -7059,7 +6609,7 @@
       </p:grpSpPr>
       <p:sp>
         <p:nvSpPr>
-          <p:cNvPr id="4" name="Title 1"/>
+          <p:cNvPr id="5" name="Content Placeholder 2"/>
           <p:cNvSpPr txBox="1">
             <a:spLocks/>
           </p:cNvSpPr>
@@ -7067,8 +6617,8 @@
         </p:nvSpPr>
         <p:spPr bwMode="auto">
           <a:xfrm>
-            <a:off x="480723" y="287035"/>
-            <a:ext cx="8207375" cy="682625"/>
+            <a:off x="539552" y="1052736"/>
+            <a:ext cx="8352928" cy="3888432"/>
           </a:xfrm>
           <a:prstGeom prst="rect">
             <a:avLst/>
@@ -7098,162 +6648,281 @@
           </a:extLst>
         </p:spPr>
         <p:txBody>
-          <a:bodyPr anchor="ctr"/>
+          <a:bodyPr/>
           <a:lstStyle>
-            <a:lvl1pPr algn="l" rtl="0" eaLnBrk="0" fontAlgn="base" hangingPunct="0">
-              <a:spcBef>
-                <a:spcPct val="0"/>
-              </a:spcBef>
-              <a:spcAft>
-                <a:spcPct val="0"/>
-              </a:spcAft>
-              <a:defRPr sz="3600" b="1">
+            <a:lvl1pPr eaLnBrk="0" hangingPunct="0">
+              <a:spcBef>
+                <a:spcPct val="20000"/>
+              </a:spcBef>
+              <a:buChar char="•"/>
+              <a:defRPr sz="2400" b="1">
+                <a:solidFill>
+                  <a:srgbClr val="A50021"/>
+                </a:solidFill>
+                <a:latin typeface="Arial" pitchFamily="34" charset="0"/>
+                <a:ea typeface="ＭＳ Ｐゴシック" pitchFamily="34" charset="-128"/>
+              </a:defRPr>
+            </a:lvl1pPr>
+            <a:lvl2pPr eaLnBrk="0" hangingPunct="0">
+              <a:spcBef>
+                <a:spcPct val="20000"/>
+              </a:spcBef>
+              <a:buChar char="–"/>
+              <a:defRPr sz="2000">
                 <a:solidFill>
                   <a:srgbClr val="000066"/>
                 </a:solidFill>
-                <a:latin typeface="+mj-lt"/>
-                <a:ea typeface="ＭＳ Ｐゴシック" pitchFamily="-107" charset="-128"/>
-                <a:cs typeface="ＭＳ Ｐゴシック" pitchFamily="-107" charset="-128"/>
-              </a:defRPr>
-            </a:lvl1pPr>
-            <a:lvl2pPr algn="l" rtl="0" eaLnBrk="0" fontAlgn="base" hangingPunct="0">
-              <a:spcBef>
-                <a:spcPct val="0"/>
-              </a:spcBef>
-              <a:spcAft>
-                <a:spcPct val="0"/>
-              </a:spcAft>
-              <a:defRPr sz="3600" b="1">
-                <a:solidFill>
-                  <a:srgbClr val="000066"/>
-                </a:solidFill>
-                <a:latin typeface="Arial" charset="0"/>
-                <a:ea typeface="ＭＳ Ｐゴシック" pitchFamily="-107" charset="-128"/>
-                <a:cs typeface="ＭＳ Ｐゴシック" pitchFamily="-107" charset="-128"/>
+                <a:latin typeface="Arial" pitchFamily="34" charset="0"/>
+                <a:ea typeface="ＭＳ Ｐゴシック" pitchFamily="34" charset="-128"/>
               </a:defRPr>
             </a:lvl2pPr>
-            <a:lvl3pPr algn="l" rtl="0" eaLnBrk="0" fontAlgn="base" hangingPunct="0">
-              <a:spcBef>
-                <a:spcPct val="0"/>
-              </a:spcBef>
-              <a:spcAft>
-                <a:spcPct val="0"/>
-              </a:spcAft>
-              <a:defRPr sz="3600" b="1">
-                <a:solidFill>
-                  <a:srgbClr val="000066"/>
-                </a:solidFill>
-                <a:latin typeface="Arial" charset="0"/>
-                <a:ea typeface="ＭＳ Ｐゴシック" pitchFamily="-107" charset="-128"/>
-                <a:cs typeface="ＭＳ Ｐゴシック" pitchFamily="-107" charset="-128"/>
+            <a:lvl3pPr eaLnBrk="0" hangingPunct="0">
+              <a:spcBef>
+                <a:spcPct val="20000"/>
+              </a:spcBef>
+              <a:buChar char="•"/>
+              <a:defRPr sz="1600">
+                <a:solidFill>
+                  <a:schemeClr val="tx1"/>
+                </a:solidFill>
+                <a:latin typeface="Arial" pitchFamily="34" charset="0"/>
+                <a:ea typeface="ＭＳ Ｐゴシック" pitchFamily="34" charset="-128"/>
               </a:defRPr>
             </a:lvl3pPr>
-            <a:lvl4pPr algn="l" rtl="0" eaLnBrk="0" fontAlgn="base" hangingPunct="0">
-              <a:spcBef>
-                <a:spcPct val="0"/>
-              </a:spcBef>
-              <a:spcAft>
-                <a:spcPct val="0"/>
-              </a:spcAft>
-              <a:defRPr sz="3600" b="1">
-                <a:solidFill>
-                  <a:srgbClr val="000066"/>
-                </a:solidFill>
-                <a:latin typeface="Arial" charset="0"/>
-                <a:ea typeface="ＭＳ Ｐゴシック" pitchFamily="-107" charset="-128"/>
-                <a:cs typeface="ＭＳ Ｐゴシック" pitchFamily="-107" charset="-128"/>
+            <a:lvl4pPr eaLnBrk="0" hangingPunct="0">
+              <a:spcBef>
+                <a:spcPct val="20000"/>
+              </a:spcBef>
+              <a:buChar char="–"/>
+              <a:defRPr sz="1600">
+                <a:solidFill>
+                  <a:schemeClr val="tx1"/>
+                </a:solidFill>
+                <a:latin typeface="Times New Roman" pitchFamily="18" charset="0"/>
+                <a:ea typeface="ＭＳ Ｐゴシック" pitchFamily="34" charset="-128"/>
               </a:defRPr>
             </a:lvl4pPr>
-            <a:lvl5pPr algn="l" rtl="0" eaLnBrk="0" fontAlgn="base" hangingPunct="0">
-              <a:spcBef>
-                <a:spcPct val="0"/>
-              </a:spcBef>
-              <a:spcAft>
-                <a:spcPct val="0"/>
-              </a:spcAft>
-              <a:defRPr sz="3600" b="1">
-                <a:solidFill>
-                  <a:srgbClr val="000066"/>
-                </a:solidFill>
-                <a:latin typeface="Arial" charset="0"/>
-                <a:ea typeface="ＭＳ Ｐゴシック" pitchFamily="-107" charset="-128"/>
-                <a:cs typeface="ＭＳ Ｐゴシック" pitchFamily="-107" charset="-128"/>
+            <a:lvl5pPr eaLnBrk="0" hangingPunct="0">
+              <a:spcBef>
+                <a:spcPct val="20000"/>
+              </a:spcBef>
+              <a:buChar char="»"/>
+              <a:defRPr sz="1200">
+                <a:solidFill>
+                  <a:schemeClr val="tx1"/>
+                </a:solidFill>
+                <a:latin typeface="Times New Roman" pitchFamily="18" charset="0"/>
+                <a:ea typeface="ＭＳ Ｐゴシック" pitchFamily="34" charset="-128"/>
               </a:defRPr>
             </a:lvl5pPr>
-            <a:lvl6pPr marL="457200" algn="l" rtl="0" fontAlgn="base">
-              <a:spcBef>
-                <a:spcPct val="0"/>
-              </a:spcBef>
-              <a:spcAft>
-                <a:spcPct val="0"/>
-              </a:spcAft>
-              <a:defRPr sz="3600" b="1">
-                <a:solidFill>
-                  <a:srgbClr val="000066"/>
-                </a:solidFill>
-                <a:latin typeface="Arial" charset="0"/>
+            <a:lvl6pPr eaLnBrk="0" fontAlgn="base" hangingPunct="0">
+              <a:spcBef>
+                <a:spcPct val="20000"/>
+              </a:spcBef>
+              <a:spcAft>
+                <a:spcPct val="0"/>
+              </a:spcAft>
+              <a:buChar char="»"/>
+              <a:defRPr sz="1200">
+                <a:solidFill>
+                  <a:schemeClr val="tx1"/>
+                </a:solidFill>
+                <a:latin typeface="Times New Roman" pitchFamily="18" charset="0"/>
+                <a:ea typeface="ＭＳ Ｐゴシック" pitchFamily="34" charset="-128"/>
               </a:defRPr>
             </a:lvl6pPr>
-            <a:lvl7pPr marL="914400" algn="l" rtl="0" fontAlgn="base">
-              <a:spcBef>
-                <a:spcPct val="0"/>
-              </a:spcBef>
-              <a:spcAft>
-                <a:spcPct val="0"/>
-              </a:spcAft>
-              <a:defRPr sz="3600" b="1">
-                <a:solidFill>
-                  <a:srgbClr val="000066"/>
-                </a:solidFill>
-                <a:latin typeface="Arial" charset="0"/>
+            <a:lvl7pPr eaLnBrk="0" fontAlgn="base" hangingPunct="0">
+              <a:spcBef>
+                <a:spcPct val="20000"/>
+              </a:spcBef>
+              <a:spcAft>
+                <a:spcPct val="0"/>
+              </a:spcAft>
+              <a:buChar char="»"/>
+              <a:defRPr sz="1200">
+                <a:solidFill>
+                  <a:schemeClr val="tx1"/>
+                </a:solidFill>
+                <a:latin typeface="Times New Roman" pitchFamily="18" charset="0"/>
+                <a:ea typeface="ＭＳ Ｐゴシック" pitchFamily="34" charset="-128"/>
               </a:defRPr>
             </a:lvl7pPr>
-            <a:lvl8pPr marL="1371600" algn="l" rtl="0" fontAlgn="base">
-              <a:spcBef>
-                <a:spcPct val="0"/>
-              </a:spcBef>
-              <a:spcAft>
-                <a:spcPct val="0"/>
-              </a:spcAft>
-              <a:defRPr sz="3600" b="1">
-                <a:solidFill>
-                  <a:srgbClr val="000066"/>
-                </a:solidFill>
-                <a:latin typeface="Arial" charset="0"/>
+            <a:lvl8pPr eaLnBrk="0" fontAlgn="base" hangingPunct="0">
+              <a:spcBef>
+                <a:spcPct val="20000"/>
+              </a:spcBef>
+              <a:spcAft>
+                <a:spcPct val="0"/>
+              </a:spcAft>
+              <a:buChar char="»"/>
+              <a:defRPr sz="1200">
+                <a:solidFill>
+                  <a:schemeClr val="tx1"/>
+                </a:solidFill>
+                <a:latin typeface="Times New Roman" pitchFamily="18" charset="0"/>
+                <a:ea typeface="ＭＳ Ｐゴシック" pitchFamily="34" charset="-128"/>
               </a:defRPr>
             </a:lvl8pPr>
-            <a:lvl9pPr marL="1828800" algn="l" rtl="0" fontAlgn="base">
-              <a:spcBef>
-                <a:spcPct val="0"/>
-              </a:spcBef>
-              <a:spcAft>
-                <a:spcPct val="0"/>
-              </a:spcAft>
-              <a:defRPr sz="3600" b="1">
-                <a:solidFill>
-                  <a:srgbClr val="000066"/>
-                </a:solidFill>
-                <a:latin typeface="Arial" charset="0"/>
+            <a:lvl9pPr eaLnBrk="0" fontAlgn="base" hangingPunct="0">
+              <a:spcBef>
+                <a:spcPct val="20000"/>
+              </a:spcBef>
+              <a:spcAft>
+                <a:spcPct val="0"/>
+              </a:spcAft>
+              <a:buChar char="»"/>
+              <a:defRPr sz="1200">
+                <a:solidFill>
+                  <a:schemeClr val="tx1"/>
+                </a:solidFill>
+                <a:latin typeface="Times New Roman" pitchFamily="18" charset="0"/>
+                <a:ea typeface="ＭＳ Ｐゴシック" pitchFamily="34" charset="-128"/>
               </a:defRPr>
             </a:lvl9pPr>
           </a:lstStyle>
           <a:p>
-            <a:pPr>
-              <a:defRPr/>
-            </a:pPr>
-            <a:r>
-              <a:rPr lang="da-DK" sz="2800" dirty="0" smtClean="0"/>
-              <a:t>Webboard og fejlmeddelelser</a:t>
-            </a:r>
-            <a:endParaRPr lang="da-DK" altLang="da-DK" sz="2800" kern="0" dirty="0" smtClean="0">
-              <a:ea typeface="ＭＳ Ｐゴシック" pitchFamily="34" charset="-128"/>
-            </a:endParaRPr>
+            <a:pPr marL="271463" lvl="1" indent="-271463">
+              <a:spcBef>
+                <a:spcPts val="1800"/>
+              </a:spcBef>
+              <a:buFontTx/>
+              <a:buChar char="•"/>
+            </a:pPr>
+            <a:r>
+              <a:rPr lang="da-DK" altLang="da-DK" sz="1800" b="1" spc="-40" dirty="0">
+                <a:solidFill>
+                  <a:srgbClr val="A50021"/>
+                </a:solidFill>
+              </a:rPr>
+              <a:t>Under øvelserne er der </a:t>
+            </a:r>
+            <a:r>
+              <a:rPr lang="da-DK" altLang="da-DK" sz="1800" b="1" spc="-40" dirty="0" smtClean="0">
+                <a:solidFill>
+                  <a:srgbClr val="A50021"/>
+                </a:solidFill>
+              </a:rPr>
+              <a:t>nogle </a:t>
+            </a:r>
+            <a:r>
+              <a:rPr lang="da-DK" altLang="da-DK" sz="1800" b="1" spc="-40" dirty="0">
+                <a:solidFill>
+                  <a:srgbClr val="A50021"/>
+                </a:solidFill>
+              </a:rPr>
+              <a:t>af jer, der </a:t>
+            </a:r>
+            <a:r>
+              <a:rPr lang="da-DK" altLang="da-DK" sz="1800" b="1" spc="-40" dirty="0" smtClean="0">
+                <a:solidFill>
+                  <a:srgbClr val="A50021"/>
+                </a:solidFill>
+              </a:rPr>
+              <a:t>næsten ikke bruger </a:t>
+            </a:r>
+            <a:r>
+              <a:rPr lang="da-DK" altLang="da-DK" sz="1800" b="1" spc="-40" dirty="0">
+                <a:solidFill>
+                  <a:srgbClr val="A50021"/>
+                </a:solidFill>
+              </a:rPr>
+              <a:t>instruktorerne</a:t>
+            </a:r>
+          </a:p>
+          <a:p>
+            <a:pPr marL="742950" lvl="1" indent="-285750">
+              <a:spcBef>
+                <a:spcPts val="600"/>
+              </a:spcBef>
+            </a:pPr>
+            <a:r>
+              <a:rPr lang="da-DK" altLang="da-DK" sz="1600" dirty="0"/>
+              <a:t>Det er dumt – brug dem (medmindre I selv har helt styr </a:t>
+            </a:r>
+            <a:r>
+              <a:rPr lang="da-DK" altLang="da-DK" sz="1600" dirty="0" smtClean="0"/>
+              <a:t>alle ting)</a:t>
+            </a:r>
+            <a:endParaRPr lang="da-DK" altLang="da-DK" sz="1600" dirty="0"/>
+          </a:p>
+          <a:p>
+            <a:pPr marL="271463" lvl="1" indent="-271463">
+              <a:spcBef>
+                <a:spcPts val="1800"/>
+              </a:spcBef>
+              <a:buFontTx/>
+              <a:buChar char="•"/>
+            </a:pPr>
+            <a:r>
+              <a:rPr lang="da-DK" altLang="da-DK" sz="1800" b="1" spc="-40" dirty="0" smtClean="0">
+                <a:solidFill>
+                  <a:srgbClr val="A50021"/>
+                </a:solidFill>
+              </a:rPr>
+              <a:t>Udover </a:t>
+            </a:r>
+            <a:r>
+              <a:rPr lang="da-DK" altLang="da-DK" sz="1800" b="1" spc="-40" dirty="0">
+                <a:solidFill>
+                  <a:srgbClr val="A50021"/>
+                </a:solidFill>
+              </a:rPr>
+              <a:t>at arbejde med afleveringsopgaverne, kan I også bruge øvelserne til at stille spørgsmål omkring</a:t>
+            </a:r>
+          </a:p>
+          <a:p>
+            <a:pPr marL="742950" lvl="1" indent="-285750">
+              <a:spcBef>
+                <a:spcPts val="600"/>
+              </a:spcBef>
+              <a:buFontTx/>
+              <a:buChar char="–"/>
+            </a:pPr>
+            <a:r>
+              <a:rPr lang="da-DK" altLang="da-DK" sz="1600" dirty="0"/>
+              <a:t>jeres tidligere afleveringer (og instruktorens kommentarerne til dem)</a:t>
+            </a:r>
+          </a:p>
+          <a:p>
+            <a:pPr marL="742950" lvl="1" indent="-285750">
+              <a:spcBef>
+                <a:spcPts val="600"/>
+              </a:spcBef>
+              <a:buFontTx/>
+              <a:buChar char="–"/>
+            </a:pPr>
+            <a:r>
+              <a:rPr lang="da-DK" altLang="da-DK" sz="1600" dirty="0" err="1"/>
+              <a:t>BlueJ</a:t>
+            </a:r>
+            <a:r>
+              <a:rPr lang="da-DK" altLang="da-DK" sz="1600" dirty="0"/>
+              <a:t> bogen og mine slides</a:t>
+            </a:r>
+          </a:p>
+          <a:p>
+            <a:pPr marL="742950" lvl="1" indent="-285750">
+              <a:spcBef>
+                <a:spcPts val="600"/>
+              </a:spcBef>
+              <a:buFontTx/>
+              <a:buChar char="–"/>
+            </a:pPr>
+            <a:r>
+              <a:rPr lang="da-DK" altLang="da-DK" sz="1600" dirty="0"/>
+              <a:t>alt andet, som I har problemer </a:t>
+            </a:r>
+            <a:r>
+              <a:rPr lang="da-DK" altLang="da-DK" sz="1600" dirty="0" smtClean="0"/>
+              <a:t>med</a:t>
+            </a:r>
+            <a:endParaRPr lang="da-DK" altLang="da-DK" sz="1600" dirty="0"/>
           </a:p>
         </p:txBody>
       </p:sp>
       <p:sp>
         <p:nvSpPr>
-          <p:cNvPr id="8" name="Content Placeholder 2"/>
+          <p:cNvPr id="7" name="Title 1"/>
           <p:cNvSpPr txBox="1">
             <a:spLocks/>
           </p:cNvSpPr>
@@ -7261,8 +6930,8 @@
         </p:nvSpPr>
         <p:spPr bwMode="auto">
           <a:xfrm>
-            <a:off x="480722" y="1041668"/>
-            <a:ext cx="8555773" cy="4835604"/>
+            <a:off x="459225" y="260349"/>
+            <a:ext cx="8793295" cy="682625"/>
           </a:xfrm>
           <a:prstGeom prst="rect">
             <a:avLst/>
@@ -7292,359 +6961,158 @@
           </a:extLst>
         </p:spPr>
         <p:txBody>
-          <a:bodyPr/>
+          <a:bodyPr anchor="ctr"/>
           <a:lstStyle>
-            <a:lvl1pPr eaLnBrk="0" hangingPunct="0">
-              <a:spcBef>
-                <a:spcPct val="20000"/>
-              </a:spcBef>
-              <a:buChar char="•"/>
-              <a:defRPr sz="2400" b="1">
-                <a:solidFill>
-                  <a:srgbClr val="A50021"/>
-                </a:solidFill>
-                <a:latin typeface="Arial" pitchFamily="34" charset="0"/>
-                <a:ea typeface="ＭＳ Ｐゴシック" pitchFamily="34" charset="-128"/>
+            <a:lvl1pPr algn="l" rtl="0" eaLnBrk="0" fontAlgn="base" hangingPunct="0">
+              <a:spcBef>
+                <a:spcPct val="0"/>
+              </a:spcBef>
+              <a:spcAft>
+                <a:spcPct val="0"/>
+              </a:spcAft>
+              <a:defRPr sz="3600" b="1">
+                <a:solidFill>
+                  <a:srgbClr val="000066"/>
+                </a:solidFill>
+                <a:latin typeface="+mj-lt"/>
+                <a:ea typeface="ＭＳ Ｐゴシック" pitchFamily="-107" charset="-128"/>
+                <a:cs typeface="ＭＳ Ｐゴシック" pitchFamily="-107" charset="-128"/>
               </a:defRPr>
             </a:lvl1pPr>
-            <a:lvl2pPr eaLnBrk="0" hangingPunct="0">
-              <a:spcBef>
-                <a:spcPct val="20000"/>
-              </a:spcBef>
-              <a:buChar char="–"/>
-              <a:defRPr sz="2000">
+            <a:lvl2pPr algn="l" rtl="0" eaLnBrk="0" fontAlgn="base" hangingPunct="0">
+              <a:spcBef>
+                <a:spcPct val="0"/>
+              </a:spcBef>
+              <a:spcAft>
+                <a:spcPct val="0"/>
+              </a:spcAft>
+              <a:defRPr sz="3600" b="1">
                 <a:solidFill>
                   <a:srgbClr val="000066"/>
                 </a:solidFill>
-                <a:latin typeface="Arial" pitchFamily="34" charset="0"/>
-                <a:ea typeface="ＭＳ Ｐゴシック" pitchFamily="34" charset="-128"/>
+                <a:latin typeface="Arial" charset="0"/>
+                <a:ea typeface="ＭＳ Ｐゴシック" pitchFamily="-107" charset="-128"/>
+                <a:cs typeface="ＭＳ Ｐゴシック" pitchFamily="-107" charset="-128"/>
               </a:defRPr>
             </a:lvl2pPr>
-            <a:lvl3pPr eaLnBrk="0" hangingPunct="0">
-              <a:spcBef>
-                <a:spcPct val="20000"/>
-              </a:spcBef>
-              <a:buChar char="•"/>
-              <a:defRPr sz="1600">
-                <a:solidFill>
-                  <a:schemeClr val="tx1"/>
-                </a:solidFill>
-                <a:latin typeface="Arial" pitchFamily="34" charset="0"/>
-                <a:ea typeface="ＭＳ Ｐゴシック" pitchFamily="34" charset="-128"/>
+            <a:lvl3pPr algn="l" rtl="0" eaLnBrk="0" fontAlgn="base" hangingPunct="0">
+              <a:spcBef>
+                <a:spcPct val="0"/>
+              </a:spcBef>
+              <a:spcAft>
+                <a:spcPct val="0"/>
+              </a:spcAft>
+              <a:defRPr sz="3600" b="1">
+                <a:solidFill>
+                  <a:srgbClr val="000066"/>
+                </a:solidFill>
+                <a:latin typeface="Arial" charset="0"/>
+                <a:ea typeface="ＭＳ Ｐゴシック" pitchFamily="-107" charset="-128"/>
+                <a:cs typeface="ＭＳ Ｐゴシック" pitchFamily="-107" charset="-128"/>
               </a:defRPr>
             </a:lvl3pPr>
-            <a:lvl4pPr eaLnBrk="0" hangingPunct="0">
-              <a:spcBef>
-                <a:spcPct val="20000"/>
-              </a:spcBef>
-              <a:buChar char="–"/>
-              <a:defRPr sz="1600">
-                <a:solidFill>
-                  <a:schemeClr val="tx1"/>
-                </a:solidFill>
-                <a:latin typeface="Times New Roman" pitchFamily="18" charset="0"/>
-                <a:ea typeface="ＭＳ Ｐゴシック" pitchFamily="34" charset="-128"/>
+            <a:lvl4pPr algn="l" rtl="0" eaLnBrk="0" fontAlgn="base" hangingPunct="0">
+              <a:spcBef>
+                <a:spcPct val="0"/>
+              </a:spcBef>
+              <a:spcAft>
+                <a:spcPct val="0"/>
+              </a:spcAft>
+              <a:defRPr sz="3600" b="1">
+                <a:solidFill>
+                  <a:srgbClr val="000066"/>
+                </a:solidFill>
+                <a:latin typeface="Arial" charset="0"/>
+                <a:ea typeface="ＭＳ Ｐゴシック" pitchFamily="-107" charset="-128"/>
+                <a:cs typeface="ＭＳ Ｐゴシック" pitchFamily="-107" charset="-128"/>
               </a:defRPr>
             </a:lvl4pPr>
-            <a:lvl5pPr eaLnBrk="0" hangingPunct="0">
-              <a:spcBef>
-                <a:spcPct val="20000"/>
-              </a:spcBef>
-              <a:buChar char="»"/>
-              <a:defRPr sz="1200">
-                <a:solidFill>
-                  <a:schemeClr val="tx1"/>
-                </a:solidFill>
-                <a:latin typeface="Times New Roman" pitchFamily="18" charset="0"/>
-                <a:ea typeface="ＭＳ Ｐゴシック" pitchFamily="34" charset="-128"/>
+            <a:lvl5pPr algn="l" rtl="0" eaLnBrk="0" fontAlgn="base" hangingPunct="0">
+              <a:spcBef>
+                <a:spcPct val="0"/>
+              </a:spcBef>
+              <a:spcAft>
+                <a:spcPct val="0"/>
+              </a:spcAft>
+              <a:defRPr sz="3600" b="1">
+                <a:solidFill>
+                  <a:srgbClr val="000066"/>
+                </a:solidFill>
+                <a:latin typeface="Arial" charset="0"/>
+                <a:ea typeface="ＭＳ Ｐゴシック" pitchFamily="-107" charset="-128"/>
+                <a:cs typeface="ＭＳ Ｐゴシック" pitchFamily="-107" charset="-128"/>
               </a:defRPr>
             </a:lvl5pPr>
-            <a:lvl6pPr eaLnBrk="0" fontAlgn="base" hangingPunct="0">
-              <a:spcBef>
-                <a:spcPct val="20000"/>
-              </a:spcBef>
-              <a:spcAft>
-                <a:spcPct val="0"/>
-              </a:spcAft>
-              <a:buChar char="»"/>
-              <a:defRPr sz="1200">
-                <a:solidFill>
-                  <a:schemeClr val="tx1"/>
-                </a:solidFill>
-                <a:latin typeface="Times New Roman" pitchFamily="18" charset="0"/>
-                <a:ea typeface="ＭＳ Ｐゴシック" pitchFamily="34" charset="-128"/>
+            <a:lvl6pPr marL="457200" algn="l" rtl="0" fontAlgn="base">
+              <a:spcBef>
+                <a:spcPct val="0"/>
+              </a:spcBef>
+              <a:spcAft>
+                <a:spcPct val="0"/>
+              </a:spcAft>
+              <a:defRPr sz="3600" b="1">
+                <a:solidFill>
+                  <a:srgbClr val="000066"/>
+                </a:solidFill>
+                <a:latin typeface="Arial" charset="0"/>
               </a:defRPr>
             </a:lvl6pPr>
-            <a:lvl7pPr eaLnBrk="0" fontAlgn="base" hangingPunct="0">
-              <a:spcBef>
-                <a:spcPct val="20000"/>
-              </a:spcBef>
-              <a:spcAft>
-                <a:spcPct val="0"/>
-              </a:spcAft>
-              <a:buChar char="»"/>
-              <a:defRPr sz="1200">
-                <a:solidFill>
-                  <a:schemeClr val="tx1"/>
-                </a:solidFill>
-                <a:latin typeface="Times New Roman" pitchFamily="18" charset="0"/>
-                <a:ea typeface="ＭＳ Ｐゴシック" pitchFamily="34" charset="-128"/>
+            <a:lvl7pPr marL="914400" algn="l" rtl="0" fontAlgn="base">
+              <a:spcBef>
+                <a:spcPct val="0"/>
+              </a:spcBef>
+              <a:spcAft>
+                <a:spcPct val="0"/>
+              </a:spcAft>
+              <a:defRPr sz="3600" b="1">
+                <a:solidFill>
+                  <a:srgbClr val="000066"/>
+                </a:solidFill>
+                <a:latin typeface="Arial" charset="0"/>
               </a:defRPr>
             </a:lvl7pPr>
-            <a:lvl8pPr eaLnBrk="0" fontAlgn="base" hangingPunct="0">
-              <a:spcBef>
-                <a:spcPct val="20000"/>
-              </a:spcBef>
-              <a:spcAft>
-                <a:spcPct val="0"/>
-              </a:spcAft>
-              <a:buChar char="»"/>
-              <a:defRPr sz="1200">
-                <a:solidFill>
-                  <a:schemeClr val="tx1"/>
-                </a:solidFill>
-                <a:latin typeface="Times New Roman" pitchFamily="18" charset="0"/>
-                <a:ea typeface="ＭＳ Ｐゴシック" pitchFamily="34" charset="-128"/>
+            <a:lvl8pPr marL="1371600" algn="l" rtl="0" fontAlgn="base">
+              <a:spcBef>
+                <a:spcPct val="0"/>
+              </a:spcBef>
+              <a:spcAft>
+                <a:spcPct val="0"/>
+              </a:spcAft>
+              <a:defRPr sz="3600" b="1">
+                <a:solidFill>
+                  <a:srgbClr val="000066"/>
+                </a:solidFill>
+                <a:latin typeface="Arial" charset="0"/>
               </a:defRPr>
             </a:lvl8pPr>
-            <a:lvl9pPr eaLnBrk="0" fontAlgn="base" hangingPunct="0">
-              <a:spcBef>
-                <a:spcPct val="20000"/>
-              </a:spcBef>
-              <a:spcAft>
-                <a:spcPct val="0"/>
-              </a:spcAft>
-              <a:buChar char="»"/>
-              <a:defRPr sz="1200">
-                <a:solidFill>
-                  <a:schemeClr val="tx1"/>
-                </a:solidFill>
-                <a:latin typeface="Times New Roman" pitchFamily="18" charset="0"/>
-                <a:ea typeface="ＭＳ Ｐゴシック" pitchFamily="34" charset="-128"/>
+            <a:lvl9pPr marL="1828800" algn="l" rtl="0" fontAlgn="base">
+              <a:spcBef>
+                <a:spcPct val="0"/>
+              </a:spcBef>
+              <a:spcAft>
+                <a:spcPct val="0"/>
+              </a:spcAft>
+              <a:defRPr sz="3600" b="1">
+                <a:solidFill>
+                  <a:srgbClr val="000066"/>
+                </a:solidFill>
+                <a:latin typeface="Arial" charset="0"/>
               </a:defRPr>
             </a:lvl9pPr>
           </a:lstStyle>
           <a:p>
-            <a:pPr marL="285750" indent="-285750">
-              <a:spcBef>
-                <a:spcPts val="1800"/>
-              </a:spcBef>
-            </a:pPr>
-            <a:r>
-              <a:rPr lang="da-DK" sz="1800" dirty="0" smtClean="0"/>
-              <a:t>Brug webboardet</a:t>
-            </a:r>
-            <a:endParaRPr lang="da-DK" sz="1800" dirty="0"/>
-          </a:p>
-          <a:p>
-            <a:pPr marL="742950" lvl="1" indent="-285750">
-              <a:spcBef>
-                <a:spcPts val="600"/>
-              </a:spcBef>
-            </a:pPr>
-            <a:r>
-              <a:rPr lang="da-DK" sz="1600" dirty="0"/>
-              <a:t>Det er </a:t>
-            </a:r>
-            <a:r>
-              <a:rPr lang="da-DK" sz="1600" dirty="0" smtClean="0"/>
-              <a:t>kun ca. halvdelen </a:t>
-            </a:r>
-            <a:r>
-              <a:rPr lang="da-DK" sz="1600" dirty="0"/>
-              <a:t>af </a:t>
-            </a:r>
-            <a:r>
-              <a:rPr lang="da-DK" sz="1600" dirty="0" smtClean="0"/>
-              <a:t>jer, </a:t>
-            </a:r>
-            <a:r>
-              <a:rPr lang="da-DK" sz="1600" dirty="0"/>
-              <a:t>der bruger </a:t>
-            </a:r>
-            <a:r>
-              <a:rPr lang="da-DK" sz="1600" dirty="0" smtClean="0"/>
-              <a:t>webboardet</a:t>
-            </a:r>
-            <a:endParaRPr lang="da-DK" sz="1600" dirty="0"/>
-          </a:p>
-          <a:p>
-            <a:pPr marL="742950" lvl="1" indent="-285750">
-              <a:spcBef>
-                <a:spcPts val="600"/>
-              </a:spcBef>
-            </a:pPr>
-            <a:r>
-              <a:rPr lang="da-DK" sz="1600" dirty="0"/>
-              <a:t>I andre er også yderst </a:t>
-            </a:r>
-            <a:r>
-              <a:rPr lang="da-DK" sz="1600" dirty="0" smtClean="0"/>
-              <a:t>velkomne (man kan poste anonymt, men så kan vi ikke tjekke jeres kode via testserveren)</a:t>
-            </a:r>
-            <a:endParaRPr lang="da-DK" sz="1600" dirty="0"/>
-          </a:p>
-          <a:p>
-            <a:pPr marL="742950" lvl="1" indent="-285750">
-              <a:spcBef>
-                <a:spcPts val="600"/>
-              </a:spcBef>
-            </a:pPr>
-            <a:r>
-              <a:rPr lang="da-DK" sz="1600" dirty="0"/>
-              <a:t>Vi bestræber os på at svare inden for få timer (ofte minutter)</a:t>
-            </a:r>
-          </a:p>
-          <a:p>
-            <a:pPr marL="742950" lvl="1" indent="-285750">
-              <a:spcBef>
-                <a:spcPts val="600"/>
-              </a:spcBef>
-            </a:pPr>
-            <a:r>
-              <a:rPr lang="da-DK" sz="1600" dirty="0" smtClean="0"/>
-              <a:t>Webboard </a:t>
-            </a:r>
-            <a:r>
-              <a:rPr lang="da-DK" sz="1600" dirty="0"/>
-              <a:t>spørgsmål bør være så præcise som muligt (så får I bedre svar</a:t>
-            </a:r>
-            <a:r>
-              <a:rPr lang="da-DK" sz="1600" dirty="0" smtClean="0"/>
-              <a:t>)</a:t>
-            </a:r>
-          </a:p>
-          <a:p>
-            <a:pPr marL="742950" lvl="1" indent="-285750">
-              <a:spcBef>
-                <a:spcPts val="600"/>
-              </a:spcBef>
-            </a:pPr>
-            <a:r>
-              <a:rPr lang="da-DK" sz="1600" dirty="0" smtClean="0"/>
-              <a:t>Husk også at lave titlen, så præcis som muligt</a:t>
-            </a:r>
-            <a:endParaRPr lang="da-DK" sz="1600" dirty="0"/>
-          </a:p>
-          <a:p>
-            <a:pPr marL="742950" lvl="1" indent="-285750">
-              <a:spcBef>
-                <a:spcPts val="600"/>
-              </a:spcBef>
-            </a:pPr>
-            <a:r>
-              <a:rPr lang="da-DK" sz="1600" dirty="0" smtClean="0"/>
-              <a:t>Hvis I ikke får svar inden for rimelig tid (12-24 timer), så spørg gerne igen – vi kan godt overse et spørgsmål i farten</a:t>
-            </a:r>
-          </a:p>
-          <a:p>
-            <a:pPr marL="742950" lvl="1" indent="-285750">
-              <a:spcBef>
-                <a:spcPts val="600"/>
-              </a:spcBef>
-            </a:pPr>
-            <a:r>
-              <a:rPr lang="da-DK" sz="1600" dirty="0" smtClean="0"/>
-              <a:t>Læs gerne svarene på de andres spørgsmål</a:t>
-            </a:r>
-          </a:p>
-          <a:p>
-            <a:pPr marL="285750" lvl="1" indent="-285750">
-              <a:spcBef>
-                <a:spcPts val="1800"/>
-              </a:spcBef>
-              <a:buChar char="•"/>
-            </a:pPr>
-            <a:r>
-              <a:rPr lang="da-DK" sz="1800" b="1" dirty="0">
-                <a:solidFill>
-                  <a:srgbClr val="A50021"/>
-                </a:solidFill>
-              </a:rPr>
-              <a:t>Fejlmeddelelser</a:t>
-            </a:r>
-          </a:p>
-          <a:p>
-            <a:pPr marL="742950" lvl="1" indent="-285750">
-              <a:spcBef>
-                <a:spcPts val="600"/>
-              </a:spcBef>
-            </a:pPr>
-            <a:r>
-              <a:rPr lang="da-DK" sz="1600" dirty="0" smtClean="0"/>
-              <a:t>Læs fejlmeddelelsen omhyggeligt – specielt, hvis den er lidt knudret</a:t>
-            </a:r>
-          </a:p>
-          <a:p>
-            <a:pPr marL="742950" lvl="1" indent="-285750">
-              <a:spcBef>
-                <a:spcPts val="600"/>
-              </a:spcBef>
-            </a:pPr>
-            <a:r>
-              <a:rPr lang="da-DK" sz="1600" dirty="0" smtClean="0"/>
-              <a:t>Se den gule </a:t>
-            </a:r>
-            <a:r>
-              <a:rPr lang="da-DK" sz="1600" dirty="0" err="1" smtClean="0"/>
-              <a:t>highlighting</a:t>
-            </a:r>
-            <a:r>
-              <a:rPr lang="da-DK" sz="1600" dirty="0" smtClean="0"/>
-              <a:t> af, </a:t>
-            </a:r>
-            <a:r>
-              <a:rPr lang="da-DK" sz="1600" b="1" dirty="0" smtClean="0">
-                <a:solidFill>
-                  <a:srgbClr val="008000"/>
-                </a:solidFill>
-              </a:rPr>
-              <a:t>hvor</a:t>
-            </a:r>
-            <a:r>
-              <a:rPr lang="da-DK" sz="1600" dirty="0" smtClean="0"/>
-              <a:t> fejlen forekommer</a:t>
-            </a:r>
-          </a:p>
-          <a:p>
-            <a:pPr marL="742950" lvl="1" indent="-285750">
-              <a:spcBef>
-                <a:spcPts val="600"/>
-              </a:spcBef>
-            </a:pPr>
-            <a:r>
-              <a:rPr lang="da-DK" sz="1600" dirty="0" smtClean="0"/>
-              <a:t>Jo oftere i oversætter jeres kode, jo lettere er det at finde ud af, hvor fejlen opstod</a:t>
-            </a:r>
-          </a:p>
-          <a:p>
-            <a:pPr marL="742950" lvl="1" indent="-285750">
-              <a:spcBef>
-                <a:spcPts val="400"/>
-              </a:spcBef>
-            </a:pPr>
-            <a:endParaRPr lang="da-DK" sz="1100" dirty="0"/>
-          </a:p>
-          <a:p>
-            <a:pPr marL="742950" lvl="1" indent="-285750">
-              <a:spcBef>
-                <a:spcPts val="400"/>
-              </a:spcBef>
-            </a:pPr>
-            <a:endParaRPr lang="da-DK" sz="1100" dirty="0"/>
-          </a:p>
-          <a:p>
-            <a:pPr>
-              <a:buNone/>
-            </a:pPr>
-            <a:endParaRPr lang="da-DK" altLang="da-DK" sz="1400" dirty="0"/>
+            <a:pPr marL="271463" indent="-271463"/>
+            <a:r>
+              <a:rPr lang="da-DK" altLang="da-DK" sz="2800" dirty="0" smtClean="0"/>
+              <a:t>Øvelser</a:t>
+            </a:r>
           </a:p>
         </p:txBody>
       </p:sp>
     </p:spTree>
     <p:extLst>
       <p:ext uri="{BB962C8B-B14F-4D97-AF65-F5344CB8AC3E}">
-        <p14:creationId xmlns:p14="http://schemas.microsoft.com/office/powerpoint/2010/main" val="61464116"/>
+        <p14:creationId xmlns:p14="http://schemas.microsoft.com/office/powerpoint/2010/main" val="3585105085"/>
       </p:ext>
     </p:extLst>
   </p:cSld>
@@ -7688,6 +7156,595 @@
         </p:nvSpPr>
         <p:spPr bwMode="auto">
           <a:xfrm>
+            <a:off x="480723" y="287035"/>
+            <a:ext cx="8207375" cy="682625"/>
+          </a:xfrm>
+          <a:prstGeom prst="rect">
+            <a:avLst/>
+          </a:prstGeom>
+          <a:noFill/>
+          <a:ln>
+            <a:noFill/>
+          </a:ln>
+          <a:extLst>
+            <a:ext uri="{909E8E84-426E-40DD-AFC4-6F175D3DCCD1}">
+              <a14:hiddenFill xmlns:a14="http://schemas.microsoft.com/office/drawing/2010/main">
+                <a:solidFill>
+                  <a:srgbClr val="FFFFFF"/>
+                </a:solidFill>
+              </a14:hiddenFill>
+            </a:ext>
+            <a:ext uri="{91240B29-F687-4F45-9708-019B960494DF}">
+              <a14:hiddenLine xmlns:a14="http://schemas.microsoft.com/office/drawing/2010/main" w="9525">
+                <a:solidFill>
+                  <a:srgbClr val="000000"/>
+                </a:solidFill>
+                <a:miter lim="800000"/>
+                <a:headEnd/>
+                <a:tailEnd/>
+              </a14:hiddenLine>
+            </a:ext>
+          </a:extLst>
+        </p:spPr>
+        <p:txBody>
+          <a:bodyPr anchor="ctr"/>
+          <a:lstStyle>
+            <a:lvl1pPr algn="l" rtl="0" eaLnBrk="0" fontAlgn="base" hangingPunct="0">
+              <a:spcBef>
+                <a:spcPct val="0"/>
+              </a:spcBef>
+              <a:spcAft>
+                <a:spcPct val="0"/>
+              </a:spcAft>
+              <a:defRPr sz="3600" b="1">
+                <a:solidFill>
+                  <a:srgbClr val="000066"/>
+                </a:solidFill>
+                <a:latin typeface="+mj-lt"/>
+                <a:ea typeface="ＭＳ Ｐゴシック" pitchFamily="-107" charset="-128"/>
+                <a:cs typeface="ＭＳ Ｐゴシック" pitchFamily="-107" charset="-128"/>
+              </a:defRPr>
+            </a:lvl1pPr>
+            <a:lvl2pPr algn="l" rtl="0" eaLnBrk="0" fontAlgn="base" hangingPunct="0">
+              <a:spcBef>
+                <a:spcPct val="0"/>
+              </a:spcBef>
+              <a:spcAft>
+                <a:spcPct val="0"/>
+              </a:spcAft>
+              <a:defRPr sz="3600" b="1">
+                <a:solidFill>
+                  <a:srgbClr val="000066"/>
+                </a:solidFill>
+                <a:latin typeface="Arial" charset="0"/>
+                <a:ea typeface="ＭＳ Ｐゴシック" pitchFamily="-107" charset="-128"/>
+                <a:cs typeface="ＭＳ Ｐゴシック" pitchFamily="-107" charset="-128"/>
+              </a:defRPr>
+            </a:lvl2pPr>
+            <a:lvl3pPr algn="l" rtl="0" eaLnBrk="0" fontAlgn="base" hangingPunct="0">
+              <a:spcBef>
+                <a:spcPct val="0"/>
+              </a:spcBef>
+              <a:spcAft>
+                <a:spcPct val="0"/>
+              </a:spcAft>
+              <a:defRPr sz="3600" b="1">
+                <a:solidFill>
+                  <a:srgbClr val="000066"/>
+                </a:solidFill>
+                <a:latin typeface="Arial" charset="0"/>
+                <a:ea typeface="ＭＳ Ｐゴシック" pitchFamily="-107" charset="-128"/>
+                <a:cs typeface="ＭＳ Ｐゴシック" pitchFamily="-107" charset="-128"/>
+              </a:defRPr>
+            </a:lvl3pPr>
+            <a:lvl4pPr algn="l" rtl="0" eaLnBrk="0" fontAlgn="base" hangingPunct="0">
+              <a:spcBef>
+                <a:spcPct val="0"/>
+              </a:spcBef>
+              <a:spcAft>
+                <a:spcPct val="0"/>
+              </a:spcAft>
+              <a:defRPr sz="3600" b="1">
+                <a:solidFill>
+                  <a:srgbClr val="000066"/>
+                </a:solidFill>
+                <a:latin typeface="Arial" charset="0"/>
+                <a:ea typeface="ＭＳ Ｐゴシック" pitchFamily="-107" charset="-128"/>
+                <a:cs typeface="ＭＳ Ｐゴシック" pitchFamily="-107" charset="-128"/>
+              </a:defRPr>
+            </a:lvl4pPr>
+            <a:lvl5pPr algn="l" rtl="0" eaLnBrk="0" fontAlgn="base" hangingPunct="0">
+              <a:spcBef>
+                <a:spcPct val="0"/>
+              </a:spcBef>
+              <a:spcAft>
+                <a:spcPct val="0"/>
+              </a:spcAft>
+              <a:defRPr sz="3600" b="1">
+                <a:solidFill>
+                  <a:srgbClr val="000066"/>
+                </a:solidFill>
+                <a:latin typeface="Arial" charset="0"/>
+                <a:ea typeface="ＭＳ Ｐゴシック" pitchFamily="-107" charset="-128"/>
+                <a:cs typeface="ＭＳ Ｐゴシック" pitchFamily="-107" charset="-128"/>
+              </a:defRPr>
+            </a:lvl5pPr>
+            <a:lvl6pPr marL="457200" algn="l" rtl="0" fontAlgn="base">
+              <a:spcBef>
+                <a:spcPct val="0"/>
+              </a:spcBef>
+              <a:spcAft>
+                <a:spcPct val="0"/>
+              </a:spcAft>
+              <a:defRPr sz="3600" b="1">
+                <a:solidFill>
+                  <a:srgbClr val="000066"/>
+                </a:solidFill>
+                <a:latin typeface="Arial" charset="0"/>
+              </a:defRPr>
+            </a:lvl6pPr>
+            <a:lvl7pPr marL="914400" algn="l" rtl="0" fontAlgn="base">
+              <a:spcBef>
+                <a:spcPct val="0"/>
+              </a:spcBef>
+              <a:spcAft>
+                <a:spcPct val="0"/>
+              </a:spcAft>
+              <a:defRPr sz="3600" b="1">
+                <a:solidFill>
+                  <a:srgbClr val="000066"/>
+                </a:solidFill>
+                <a:latin typeface="Arial" charset="0"/>
+              </a:defRPr>
+            </a:lvl7pPr>
+            <a:lvl8pPr marL="1371600" algn="l" rtl="0" fontAlgn="base">
+              <a:spcBef>
+                <a:spcPct val="0"/>
+              </a:spcBef>
+              <a:spcAft>
+                <a:spcPct val="0"/>
+              </a:spcAft>
+              <a:defRPr sz="3600" b="1">
+                <a:solidFill>
+                  <a:srgbClr val="000066"/>
+                </a:solidFill>
+                <a:latin typeface="Arial" charset="0"/>
+              </a:defRPr>
+            </a:lvl8pPr>
+            <a:lvl9pPr marL="1828800" algn="l" rtl="0" fontAlgn="base">
+              <a:spcBef>
+                <a:spcPct val="0"/>
+              </a:spcBef>
+              <a:spcAft>
+                <a:spcPct val="0"/>
+              </a:spcAft>
+              <a:defRPr sz="3600" b="1">
+                <a:solidFill>
+                  <a:srgbClr val="000066"/>
+                </a:solidFill>
+                <a:latin typeface="Arial" charset="0"/>
+              </a:defRPr>
+            </a:lvl9pPr>
+          </a:lstStyle>
+          <a:p>
+            <a:pPr>
+              <a:defRPr/>
+            </a:pPr>
+            <a:r>
+              <a:rPr lang="da-DK" sz="2800" dirty="0" smtClean="0"/>
+              <a:t>Diskussionsforummet og fejlmeddelelser</a:t>
+            </a:r>
+            <a:endParaRPr lang="da-DK" altLang="da-DK" sz="2800" kern="0" dirty="0" smtClean="0">
+              <a:ea typeface="ＭＳ Ｐゴシック" pitchFamily="34" charset="-128"/>
+            </a:endParaRPr>
+          </a:p>
+        </p:txBody>
+      </p:sp>
+      <p:sp>
+        <p:nvSpPr>
+          <p:cNvPr id="8" name="Content Placeholder 2"/>
+          <p:cNvSpPr txBox="1">
+            <a:spLocks/>
+          </p:cNvSpPr>
+          <p:nvPr/>
+        </p:nvSpPr>
+        <p:spPr bwMode="auto">
+          <a:xfrm>
+            <a:off x="480722" y="1041668"/>
+            <a:ext cx="8555773" cy="4835604"/>
+          </a:xfrm>
+          <a:prstGeom prst="rect">
+            <a:avLst/>
+          </a:prstGeom>
+          <a:noFill/>
+          <a:ln>
+            <a:noFill/>
+          </a:ln>
+          <a:extLst>
+            <a:ext uri="{909E8E84-426E-40DD-AFC4-6F175D3DCCD1}">
+              <a14:hiddenFill xmlns:a14="http://schemas.microsoft.com/office/drawing/2010/main">
+                <a:solidFill>
+                  <a:srgbClr val="FFFFFF"/>
+                </a:solidFill>
+              </a14:hiddenFill>
+            </a:ext>
+            <a:ext uri="{91240B29-F687-4F45-9708-019B960494DF}">
+              <a14:hiddenLine xmlns:a14="http://schemas.microsoft.com/office/drawing/2010/main" w="9525">
+                <a:solidFill>
+                  <a:srgbClr val="000000"/>
+                </a:solidFill>
+                <a:miter lim="800000"/>
+                <a:headEnd/>
+                <a:tailEnd/>
+              </a14:hiddenLine>
+            </a:ext>
+          </a:extLst>
+        </p:spPr>
+        <p:txBody>
+          <a:bodyPr/>
+          <a:lstStyle>
+            <a:lvl1pPr eaLnBrk="0" hangingPunct="0">
+              <a:spcBef>
+                <a:spcPct val="20000"/>
+              </a:spcBef>
+              <a:buChar char="•"/>
+              <a:defRPr sz="2400" b="1">
+                <a:solidFill>
+                  <a:srgbClr val="A50021"/>
+                </a:solidFill>
+                <a:latin typeface="Arial" pitchFamily="34" charset="0"/>
+                <a:ea typeface="ＭＳ Ｐゴシック" pitchFamily="34" charset="-128"/>
+              </a:defRPr>
+            </a:lvl1pPr>
+            <a:lvl2pPr eaLnBrk="0" hangingPunct="0">
+              <a:spcBef>
+                <a:spcPct val="20000"/>
+              </a:spcBef>
+              <a:buChar char="–"/>
+              <a:defRPr sz="2000">
+                <a:solidFill>
+                  <a:srgbClr val="000066"/>
+                </a:solidFill>
+                <a:latin typeface="Arial" pitchFamily="34" charset="0"/>
+                <a:ea typeface="ＭＳ Ｐゴシック" pitchFamily="34" charset="-128"/>
+              </a:defRPr>
+            </a:lvl2pPr>
+            <a:lvl3pPr eaLnBrk="0" hangingPunct="0">
+              <a:spcBef>
+                <a:spcPct val="20000"/>
+              </a:spcBef>
+              <a:buChar char="•"/>
+              <a:defRPr sz="1600">
+                <a:solidFill>
+                  <a:schemeClr val="tx1"/>
+                </a:solidFill>
+                <a:latin typeface="Arial" pitchFamily="34" charset="0"/>
+                <a:ea typeface="ＭＳ Ｐゴシック" pitchFamily="34" charset="-128"/>
+              </a:defRPr>
+            </a:lvl3pPr>
+            <a:lvl4pPr eaLnBrk="0" hangingPunct="0">
+              <a:spcBef>
+                <a:spcPct val="20000"/>
+              </a:spcBef>
+              <a:buChar char="–"/>
+              <a:defRPr sz="1600">
+                <a:solidFill>
+                  <a:schemeClr val="tx1"/>
+                </a:solidFill>
+                <a:latin typeface="Times New Roman" pitchFamily="18" charset="0"/>
+                <a:ea typeface="ＭＳ Ｐゴシック" pitchFamily="34" charset="-128"/>
+              </a:defRPr>
+            </a:lvl4pPr>
+            <a:lvl5pPr eaLnBrk="0" hangingPunct="0">
+              <a:spcBef>
+                <a:spcPct val="20000"/>
+              </a:spcBef>
+              <a:buChar char="»"/>
+              <a:defRPr sz="1200">
+                <a:solidFill>
+                  <a:schemeClr val="tx1"/>
+                </a:solidFill>
+                <a:latin typeface="Times New Roman" pitchFamily="18" charset="0"/>
+                <a:ea typeface="ＭＳ Ｐゴシック" pitchFamily="34" charset="-128"/>
+              </a:defRPr>
+            </a:lvl5pPr>
+            <a:lvl6pPr eaLnBrk="0" fontAlgn="base" hangingPunct="0">
+              <a:spcBef>
+                <a:spcPct val="20000"/>
+              </a:spcBef>
+              <a:spcAft>
+                <a:spcPct val="0"/>
+              </a:spcAft>
+              <a:buChar char="»"/>
+              <a:defRPr sz="1200">
+                <a:solidFill>
+                  <a:schemeClr val="tx1"/>
+                </a:solidFill>
+                <a:latin typeface="Times New Roman" pitchFamily="18" charset="0"/>
+                <a:ea typeface="ＭＳ Ｐゴシック" pitchFamily="34" charset="-128"/>
+              </a:defRPr>
+            </a:lvl6pPr>
+            <a:lvl7pPr eaLnBrk="0" fontAlgn="base" hangingPunct="0">
+              <a:spcBef>
+                <a:spcPct val="20000"/>
+              </a:spcBef>
+              <a:spcAft>
+                <a:spcPct val="0"/>
+              </a:spcAft>
+              <a:buChar char="»"/>
+              <a:defRPr sz="1200">
+                <a:solidFill>
+                  <a:schemeClr val="tx1"/>
+                </a:solidFill>
+                <a:latin typeface="Times New Roman" pitchFamily="18" charset="0"/>
+                <a:ea typeface="ＭＳ Ｐゴシック" pitchFamily="34" charset="-128"/>
+              </a:defRPr>
+            </a:lvl7pPr>
+            <a:lvl8pPr eaLnBrk="0" fontAlgn="base" hangingPunct="0">
+              <a:spcBef>
+                <a:spcPct val="20000"/>
+              </a:spcBef>
+              <a:spcAft>
+                <a:spcPct val="0"/>
+              </a:spcAft>
+              <a:buChar char="»"/>
+              <a:defRPr sz="1200">
+                <a:solidFill>
+                  <a:schemeClr val="tx1"/>
+                </a:solidFill>
+                <a:latin typeface="Times New Roman" pitchFamily="18" charset="0"/>
+                <a:ea typeface="ＭＳ Ｐゴシック" pitchFamily="34" charset="-128"/>
+              </a:defRPr>
+            </a:lvl8pPr>
+            <a:lvl9pPr eaLnBrk="0" fontAlgn="base" hangingPunct="0">
+              <a:spcBef>
+                <a:spcPct val="20000"/>
+              </a:spcBef>
+              <a:spcAft>
+                <a:spcPct val="0"/>
+              </a:spcAft>
+              <a:buChar char="»"/>
+              <a:defRPr sz="1200">
+                <a:solidFill>
+                  <a:schemeClr val="tx1"/>
+                </a:solidFill>
+                <a:latin typeface="Times New Roman" pitchFamily="18" charset="0"/>
+                <a:ea typeface="ＭＳ Ｐゴシック" pitchFamily="34" charset="-128"/>
+              </a:defRPr>
+            </a:lvl9pPr>
+          </a:lstStyle>
+          <a:p>
+            <a:pPr marL="285750" indent="-285750">
+              <a:spcBef>
+                <a:spcPts val="1800"/>
+              </a:spcBef>
+            </a:pPr>
+            <a:r>
+              <a:rPr lang="da-DK" sz="1800" dirty="0" smtClean="0"/>
+              <a:t>Brug diskussionsforummet (i stedet for mails)</a:t>
+            </a:r>
+            <a:endParaRPr lang="da-DK" sz="1800" dirty="0"/>
+          </a:p>
+          <a:p>
+            <a:pPr marL="742950" lvl="1" indent="-285750">
+              <a:spcBef>
+                <a:spcPts val="600"/>
+              </a:spcBef>
+            </a:pPr>
+            <a:r>
+              <a:rPr lang="da-DK" sz="1600" dirty="0" smtClean="0"/>
+              <a:t>Halvdelen </a:t>
+            </a:r>
+            <a:r>
+              <a:rPr lang="da-DK" sz="1600" dirty="0"/>
+              <a:t>af </a:t>
+            </a:r>
+            <a:r>
+              <a:rPr lang="da-DK" sz="1600" dirty="0" smtClean="0"/>
+              <a:t>jer poster ikke på webboardet og nogle af jer læser ikke de beskeder, der kommer på det (hvilket kan betyde, at I går glip af vigtige hints og fejlrettelser)</a:t>
+            </a:r>
+            <a:endParaRPr lang="da-DK" sz="1600" dirty="0"/>
+          </a:p>
+          <a:p>
+            <a:pPr marL="742950" lvl="1" indent="-285750">
+              <a:spcBef>
+                <a:spcPts val="600"/>
+              </a:spcBef>
+            </a:pPr>
+            <a:r>
+              <a:rPr lang="da-DK" sz="1600" dirty="0" smtClean="0"/>
+              <a:t>Vi </a:t>
+            </a:r>
+            <a:r>
+              <a:rPr lang="da-DK" sz="1600" dirty="0"/>
+              <a:t>bestræber os på at svare inden for få timer (ofte minutter)</a:t>
+            </a:r>
+          </a:p>
+          <a:p>
+            <a:pPr marL="742950" lvl="1" indent="-285750">
+              <a:spcBef>
+                <a:spcPts val="600"/>
+              </a:spcBef>
+            </a:pPr>
+            <a:r>
+              <a:rPr lang="da-DK" sz="1600" dirty="0" smtClean="0"/>
+              <a:t>Spørgsmål </a:t>
+            </a:r>
+            <a:r>
+              <a:rPr lang="da-DK" sz="1600" dirty="0"/>
+              <a:t>bør være så præcise som muligt (så får I bedre svar</a:t>
+            </a:r>
+            <a:r>
+              <a:rPr lang="da-DK" sz="1600" dirty="0" smtClean="0"/>
+              <a:t>)</a:t>
+            </a:r>
+          </a:p>
+          <a:p>
+            <a:pPr marL="742950" lvl="1" indent="-285750">
+              <a:spcBef>
+                <a:spcPts val="600"/>
+              </a:spcBef>
+            </a:pPr>
+            <a:r>
+              <a:rPr lang="da-DK" sz="1600" dirty="0" smtClean="0"/>
+              <a:t>Husk også at lave titlen, så præcis som muligt</a:t>
+            </a:r>
+            <a:endParaRPr lang="da-DK" sz="1600" dirty="0"/>
+          </a:p>
+          <a:p>
+            <a:pPr marL="742950" lvl="1" indent="-285750">
+              <a:spcBef>
+                <a:spcPts val="600"/>
+              </a:spcBef>
+            </a:pPr>
+            <a:r>
+              <a:rPr lang="da-DK" sz="1600" dirty="0" smtClean="0"/>
+              <a:t>Læs gerne svarene på de andres spørgsmål</a:t>
+            </a:r>
+          </a:p>
+          <a:p>
+            <a:pPr marL="742950" lvl="1" indent="-285750">
+              <a:spcBef>
+                <a:spcPts val="600"/>
+              </a:spcBef>
+            </a:pPr>
+            <a:r>
+              <a:rPr lang="da-DK" sz="1600" dirty="0" smtClean="0"/>
+              <a:t>I må også meget gerne svare på hinandens spørgsmål</a:t>
+            </a:r>
+          </a:p>
+          <a:p>
+            <a:pPr marL="285750" lvl="1" indent="-285750">
+              <a:spcBef>
+                <a:spcPts val="1800"/>
+              </a:spcBef>
+              <a:buChar char="•"/>
+            </a:pPr>
+            <a:r>
+              <a:rPr lang="da-DK" sz="1800" b="1" dirty="0">
+                <a:solidFill>
+                  <a:srgbClr val="A50021"/>
+                </a:solidFill>
+              </a:rPr>
+              <a:t>Fejlmeddelelser</a:t>
+            </a:r>
+          </a:p>
+          <a:p>
+            <a:pPr marL="742950" lvl="1" indent="-285750">
+              <a:spcBef>
+                <a:spcPts val="600"/>
+              </a:spcBef>
+            </a:pPr>
+            <a:r>
+              <a:rPr lang="da-DK" sz="1600" dirty="0" smtClean="0"/>
+              <a:t>Læs fejlmeddelelsen omhyggeligt – specielt, hvis den er lidt knudret</a:t>
+            </a:r>
+          </a:p>
+          <a:p>
+            <a:pPr marL="742950" lvl="1" indent="-285750">
+              <a:spcBef>
+                <a:spcPts val="600"/>
+              </a:spcBef>
+            </a:pPr>
+            <a:r>
+              <a:rPr lang="da-DK" sz="1600" dirty="0" smtClean="0"/>
+              <a:t>Se også angivelsen af, </a:t>
+            </a:r>
+            <a:r>
+              <a:rPr lang="da-DK" sz="1600" b="1" dirty="0" smtClean="0">
+                <a:solidFill>
+                  <a:srgbClr val="008000"/>
+                </a:solidFill>
+              </a:rPr>
+              <a:t>hvor</a:t>
+            </a:r>
+            <a:r>
+              <a:rPr lang="da-DK" sz="1600" dirty="0" smtClean="0"/>
+              <a:t> fejlen forekommer</a:t>
+            </a:r>
+          </a:p>
+          <a:p>
+            <a:pPr marL="742950" lvl="1" indent="-285750">
+              <a:spcBef>
+                <a:spcPts val="600"/>
+              </a:spcBef>
+            </a:pPr>
+            <a:r>
+              <a:rPr lang="da-DK" sz="1600" dirty="0" smtClean="0"/>
+              <a:t>Jo oftere i oversætter jeres kode, jo lettere er det at finde ud af, hvor fejlen opstod</a:t>
+            </a:r>
+          </a:p>
+          <a:p>
+            <a:pPr marL="742950" lvl="1" indent="-285750">
+              <a:spcBef>
+                <a:spcPts val="400"/>
+              </a:spcBef>
+            </a:pPr>
+            <a:endParaRPr lang="da-DK" sz="1100" dirty="0"/>
+          </a:p>
+          <a:p>
+            <a:pPr marL="742950" lvl="1" indent="-285750">
+              <a:spcBef>
+                <a:spcPts val="400"/>
+              </a:spcBef>
+            </a:pPr>
+            <a:endParaRPr lang="da-DK" sz="1100" dirty="0"/>
+          </a:p>
+          <a:p>
+            <a:pPr>
+              <a:buNone/>
+            </a:pPr>
+            <a:endParaRPr lang="da-DK" altLang="da-DK" sz="1400" dirty="0"/>
+          </a:p>
+        </p:txBody>
+      </p:sp>
+    </p:spTree>
+    <p:extLst>
+      <p:ext uri="{BB962C8B-B14F-4D97-AF65-F5344CB8AC3E}">
+        <p14:creationId xmlns:p14="http://schemas.microsoft.com/office/powerpoint/2010/main" val="61464116"/>
+      </p:ext>
+    </p:extLst>
+  </p:cSld>
+  <p:clrMapOvr>
+    <a:masterClrMapping/>
+  </p:clrMapOvr>
+  <p:timing>
+    <p:tnLst>
+      <p:par>
+        <p:cTn id="1" dur="indefinite" restart="never" nodeType="tmRoot"/>
+      </p:par>
+    </p:tnLst>
+  </p:timing>
+</p:sld>
+</file>
+
+<file path=ppt/slides/slide6.xml><?xml version="1.0" encoding="utf-8"?>
+<p:sld xmlns:a="http://schemas.openxmlformats.org/drawingml/2006/main" xmlns:r="http://schemas.openxmlformats.org/officeDocument/2006/relationships" xmlns:p="http://schemas.openxmlformats.org/presentationml/2006/main">
+  <p:cSld>
+    <p:spTree>
+      <p:nvGrpSpPr>
+        <p:cNvPr id="1" name=""/>
+        <p:cNvGrpSpPr/>
+        <p:nvPr/>
+      </p:nvGrpSpPr>
+      <p:grpSpPr>
+        <a:xfrm>
+          <a:off x="0" y="0"/>
+          <a:ext cx="0" cy="0"/>
+          <a:chOff x="0" y="0"/>
+          <a:chExt cx="0" cy="0"/>
+        </a:xfrm>
+      </p:grpSpPr>
+      <p:sp>
+        <p:nvSpPr>
+          <p:cNvPr id="4" name="Title 1"/>
+          <p:cNvSpPr txBox="1">
+            <a:spLocks/>
+          </p:cNvSpPr>
+          <p:nvPr/>
+        </p:nvSpPr>
+        <p:spPr bwMode="auto">
+          <a:xfrm>
             <a:off x="459225" y="260349"/>
             <a:ext cx="8793295" cy="682625"/>
           </a:xfrm>
@@ -7879,7 +7936,7 @@
         <p:spPr bwMode="auto">
           <a:xfrm>
             <a:off x="611560" y="1052736"/>
-            <a:ext cx="8352928" cy="3672408"/>
+            <a:ext cx="8424936" cy="4752528"/>
           </a:xfrm>
           <a:prstGeom prst="rect">
             <a:avLst/>
@@ -8049,7 +8106,7 @@
               <a:buChar char="•"/>
             </a:pPr>
             <a:r>
-              <a:rPr lang="da-DK" sz="1800" b="1" dirty="0">
+              <a:rPr lang="da-DK" sz="1800" b="1" spc="-50" dirty="0">
                 <a:solidFill>
                   <a:srgbClr val="A50021"/>
                 </a:solidFill>
@@ -8064,7 +8121,7 @@
               </a:spcBef>
             </a:pPr>
             <a:r>
-              <a:rPr lang="da-DK" sz="1800" dirty="0"/>
+              <a:rPr lang="da-DK" sz="1600" dirty="0"/>
               <a:t>Det er nu, I skal komme op med de ting der irriterer og generer jer</a:t>
             </a:r>
           </a:p>
@@ -8075,7 +8132,7 @@
               </a:spcBef>
             </a:pPr>
             <a:r>
-              <a:rPr lang="da-DK" sz="1800" dirty="0"/>
+              <a:rPr lang="da-DK" sz="1600" dirty="0"/>
               <a:t>Ellers fortsætter vi i "samme spor" som hidtil</a:t>
             </a:r>
           </a:p>
@@ -8106,7 +8163,31 @@
             </a:pPr>
             <a:r>
               <a:rPr lang="da-DK" altLang="da-DK" sz="1600" dirty="0" smtClean="0"/>
-              <a:t>Slå jeres video og audio fra under forelæsningen (for at mindske belastningen på min maskine)</a:t>
+              <a:t>Dem der er med via Zoom må ”råbe op”, hvis de har spørgsmål undervejs</a:t>
+            </a:r>
+            <a:endParaRPr lang="da-DK" altLang="da-DK" sz="1600" dirty="0"/>
+          </a:p>
+          <a:p>
+            <a:pPr marL="742950" lvl="1" indent="-285750">
+              <a:spcBef>
+                <a:spcPts val="600"/>
+              </a:spcBef>
+            </a:pPr>
+            <a:r>
+              <a:rPr lang="da-DK" altLang="da-DK" sz="1600" dirty="0"/>
+              <a:t>Jeg vil også forsøge at huske (med jævne mellemrum) at spørge, om der er </a:t>
+            </a:r>
+            <a:r>
+              <a:rPr lang="da-DK" altLang="da-DK" sz="1600" dirty="0" smtClean="0"/>
+              <a:t>nogen, </a:t>
+            </a:r>
+            <a:r>
+              <a:rPr lang="da-DK" altLang="da-DK" sz="1600" dirty="0"/>
+              <a:t>som har </a:t>
+            </a:r>
+            <a:r>
+              <a:rPr lang="da-DK" altLang="da-DK" sz="1600" dirty="0" smtClean="0"/>
+              <a:t>spørgsmål</a:t>
             </a:r>
           </a:p>
           <a:p>
@@ -8118,28 +8199,37 @@
               <a:buChar char="•"/>
             </a:pPr>
             <a:r>
-              <a:rPr lang="da-DK" altLang="da-DK" sz="1800" b="1" spc="-80" dirty="0">
+              <a:rPr lang="da-DK" altLang="da-DK" sz="1800" b="1" spc="-40" dirty="0" smtClean="0">
                 <a:solidFill>
                   <a:srgbClr val="A50021"/>
                 </a:solidFill>
               </a:rPr>
-              <a:t>Hvis I har </a:t>
-            </a:r>
-            <a:r>
-              <a:rPr lang="da-DK" altLang="da-DK" sz="1800" b="1" spc="-80" dirty="0" smtClean="0">
+              <a:t>Øvelserne starter ca. 11.30</a:t>
+            </a:r>
+          </a:p>
+          <a:p>
+            <a:pPr marL="271463" lvl="1" indent="-271463">
+              <a:spcBef>
+                <a:spcPts val="1800"/>
+              </a:spcBef>
+              <a:buFontTx/>
+              <a:buChar char="•"/>
+            </a:pPr>
+            <a:r>
+              <a:rPr lang="da-DK" altLang="da-DK" sz="1800" b="1" spc="-40" dirty="0" smtClean="0">
                 <a:solidFill>
                   <a:srgbClr val="A50021"/>
                 </a:solidFill>
               </a:rPr>
-              <a:t>spørgsmål undervejs, </a:t>
-            </a:r>
-            <a:r>
-              <a:rPr lang="da-DK" altLang="da-DK" sz="1800" b="1" spc="-80" dirty="0">
+              <a:t>Næste </a:t>
+            </a:r>
+            <a:r>
+              <a:rPr lang="da-DK" altLang="da-DK" sz="1800" b="1" spc="-40" dirty="0">
                 <a:solidFill>
                   <a:srgbClr val="A50021"/>
                 </a:solidFill>
               </a:rPr>
-              <a:t>så ”råb op” (husk at slå jeres mikrofon til først)</a:t>
+              <a:t>forelæsning starter kl. 13.30</a:t>
             </a:r>
           </a:p>
           <a:p>
@@ -8150,7 +8240,7 @@
             </a:pPr>
             <a:r>
               <a:rPr lang="da-DK" altLang="da-DK" sz="1600" dirty="0"/>
-              <a:t>Spørg endelig løs. Hvis der er noget, som I ikke forstår, er der sikkert også andre, der har problemer med det</a:t>
+              <a:t>Inden da er der frokost (her i lokalet)</a:t>
             </a:r>
           </a:p>
           <a:p>
@@ -8161,8 +8251,38 @@
             </a:pPr>
             <a:r>
               <a:rPr lang="da-DK" altLang="da-DK" sz="1600" dirty="0"/>
-              <a:t>Jeg vil også forsøge at huske (med jævne mellemrum) at spørge, om der er nogle, som har spørgsmål</a:t>
-            </a:r>
+              <a:t>Afsæt eventuelt også tid til en kort gåtur</a:t>
+            </a:r>
+          </a:p>
+          <a:p>
+            <a:pPr marL="271463" lvl="1" indent="-271463">
+              <a:spcBef>
+                <a:spcPts val="1800"/>
+              </a:spcBef>
+              <a:buFontTx/>
+              <a:buChar char="•"/>
+            </a:pPr>
+            <a:r>
+              <a:rPr lang="da-DK" altLang="da-DK" sz="1800" b="1" spc="-40" dirty="0">
+                <a:solidFill>
+                  <a:srgbClr val="A50021"/>
+                </a:solidFill>
+              </a:rPr>
+              <a:t>Er der nogen, der har spørgsmål, inden vi går i </a:t>
+            </a:r>
+            <a:r>
+              <a:rPr lang="da-DK" altLang="da-DK" sz="1800" b="1" spc="-40" dirty="0" smtClean="0">
+                <a:solidFill>
+                  <a:srgbClr val="A50021"/>
+                </a:solidFill>
+              </a:rPr>
+              <a:t>gang?</a:t>
+            </a:r>
+            <a:endParaRPr lang="da-DK" altLang="da-DK" sz="1800" b="1" spc="-40" dirty="0">
+              <a:solidFill>
+                <a:srgbClr val="A50021"/>
+              </a:solidFill>
+            </a:endParaRPr>
           </a:p>
           <a:p>
             <a:pPr marL="742950" lvl="1" indent="-285750">
@@ -8170,38 +8290,7 @@
                 <a:spcPts val="600"/>
               </a:spcBef>
             </a:pPr>
-            <a:r>
-              <a:rPr lang="da-DK" altLang="da-DK" sz="1600" spc="-40" dirty="0" smtClean="0"/>
-              <a:t>Under </a:t>
-            </a:r>
-            <a:r>
-              <a:rPr lang="da-DK" altLang="da-DK" sz="1600" spc="-40" dirty="0"/>
-              <a:t>forelæsningen </a:t>
-            </a:r>
-            <a:r>
-              <a:rPr lang="da-DK" altLang="da-DK" sz="1600" spc="-40" dirty="0" smtClean="0"/>
-              <a:t>læser jeg </a:t>
-            </a:r>
-            <a:r>
-              <a:rPr lang="da-DK" altLang="da-DK" sz="1600" b="1" spc="-40" dirty="0" smtClean="0">
-                <a:solidFill>
-                  <a:srgbClr val="008000"/>
-                </a:solidFill>
-              </a:rPr>
-              <a:t>ikke</a:t>
-            </a:r>
-            <a:r>
-              <a:rPr lang="da-DK" altLang="da-DK" sz="1600" spc="-40" dirty="0" smtClean="0"/>
-              <a:t> eventuelle </a:t>
-            </a:r>
-            <a:r>
-              <a:rPr lang="da-DK" altLang="da-DK" sz="1600" spc="-40" dirty="0"/>
-              <a:t>indlæg på </a:t>
-            </a:r>
-            <a:r>
-              <a:rPr lang="da-DK" altLang="da-DK" sz="1600" spc="-40" dirty="0" smtClean="0"/>
-              <a:t>chatten</a:t>
-            </a:r>
+            <a:endParaRPr lang="da-DK" altLang="da-DK" sz="1600" dirty="0"/>
           </a:p>
         </p:txBody>
       </p:sp>
@@ -8213,7 +8302,7 @@
         </p:nvSpPr>
         <p:spPr>
           <a:xfrm rot="21165640">
-            <a:off x="2791693" y="5577802"/>
+            <a:off x="2647676" y="5865833"/>
             <a:ext cx="3280124" cy="523220"/>
           </a:xfrm>
           <a:prstGeom prst="rect">
@@ -8259,77 +8348,6 @@
                 </a:effectLst>
               </a:rPr>
               <a:t>Forelæsning</a:t>
-            </a:r>
-            <a:endParaRPr lang="da-DK" sz="3200" b="1" dirty="0">
-              <a:ln w="11430"/>
-              <a:solidFill>
-                <a:srgbClr val="CC0000"/>
-              </a:solidFill>
-              <a:effectLst>
-                <a:outerShdw blurRad="50800" dist="39000" dir="5460000" algn="tl">
-                  <a:srgbClr val="000000">
-                    <a:alpha val="38000"/>
-                  </a:srgbClr>
-                </a:outerShdw>
-              </a:effectLst>
-            </a:endParaRPr>
-          </a:p>
-        </p:txBody>
-      </p:sp>
-      <p:sp>
-        <p:nvSpPr>
-          <p:cNvPr id="6" name="Rectangle 5"/>
-          <p:cNvSpPr/>
-          <p:nvPr/>
-        </p:nvSpPr>
-        <p:spPr>
-          <a:xfrm rot="21165640">
-            <a:off x="2935709" y="6043999"/>
-            <a:ext cx="3280124" cy="523220"/>
-          </a:xfrm>
-          <a:prstGeom prst="rect">
-            <a:avLst/>
-          </a:prstGeom>
-          <a:noFill/>
-        </p:spPr>
-        <p:txBody>
-          <a:bodyPr wrap="square">
-            <a:spAutoFit/>
-            <a:scene3d>
-              <a:camera prst="orthographicFront"/>
-              <a:lightRig rig="flat" dir="tl">
-                <a:rot lat="0" lon="0" rev="6600000"/>
-              </a:lightRig>
-            </a:scene3d>
-            <a:sp3d extrusionH="25400" contourW="8890">
-              <a:bevelT w="38100" h="31750"/>
-              <a:contourClr>
-                <a:schemeClr val="accent2">
-                  <a:shade val="75000"/>
-                </a:schemeClr>
-              </a:contourClr>
-            </a:sp3d>
-          </a:bodyPr>
-          <a:lstStyle/>
-          <a:p>
-            <a:pPr algn="ctr">
-              <a:defRPr/>
-            </a:pPr>
-            <a:r>
-              <a:rPr lang="da-DK" sz="2800" b="1" dirty="0" smtClean="0">
-                <a:ln w="11430"/>
-                <a:solidFill>
-                  <a:srgbClr val="CC0000"/>
-                </a:solidFill>
-                <a:effectLst>
-                  <a:outerShdw blurRad="50800" dist="39000" dir="5460000" algn="tl">
-                    <a:srgbClr val="000000">
-                      <a:alpha val="38000"/>
-                    </a:srgbClr>
-                  </a:outerShdw>
-                </a:effectLst>
-              </a:rPr>
-              <a:t>Start optagelse</a:t>
             </a:r>
             <a:endParaRPr lang="da-DK" sz="3200" b="1" dirty="0">
               <a:ln w="11430"/>
@@ -8404,33 +8422,6 @@
                                   </p:childTnLst>
                                 </p:cTn>
                               </p:par>
-                              <p:par>
-                                <p:cTn id="7" presetID="1" presetClass="entr" presetSubtype="0" fill="hold" nodeType="withEffect">
-                                  <p:stCondLst>
-                                    <p:cond delay="0"/>
-                                  </p:stCondLst>
-                                  <p:childTnLst>
-                                    <p:set>
-                                      <p:cBhvr>
-                                        <p:cTn id="8" dur="1" fill="hold">
-                                          <p:stCondLst>
-                                            <p:cond delay="0"/>
-                                          </p:stCondLst>
-                                        </p:cTn>
-                                        <p:tgtEl>
-                                          <p:spTgt spid="6"/>
-                                        </p:tgtEl>
-                                        <p:attrNameLst>
-                                          <p:attrName>style.visibility</p:attrName>
-                                        </p:attrNameLst>
-                                      </p:cBhvr>
-                                      <p:to>
-                                        <p:strVal val="visible"/>
-                                      </p:to>
-                                    </p:set>
-                                  </p:childTnLst>
-                                </p:cTn>
-                              </p:par>
                             </p:childTnLst>
                           </p:cTn>
                         </p:par>
@@ -8458,1978 +8449,6 @@
         </p:cTn>
       </p:par>
     </p:tnLst>
-  </p:timing>
-</p:sld>
-</file>
-
-<file path=ppt/slides/slide6.xml><?xml version="1.0" encoding="utf-8"?>
-<p:sld xmlns:a="http://schemas.openxmlformats.org/drawingml/2006/main" xmlns:r="http://schemas.openxmlformats.org/officeDocument/2006/relationships" xmlns:p="http://schemas.openxmlformats.org/presentationml/2006/main">
-  <p:cSld>
-    <p:spTree>
-      <p:nvGrpSpPr>
-        <p:cNvPr id="1" name=""/>
-        <p:cNvGrpSpPr/>
-        <p:nvPr/>
-      </p:nvGrpSpPr>
-      <p:grpSpPr>
-        <a:xfrm>
-          <a:off x="0" y="0"/>
-          <a:ext cx="0" cy="0"/>
-          <a:chOff x="0" y="0"/>
-          <a:chExt cx="0" cy="0"/>
-        </a:xfrm>
-      </p:grpSpPr>
-      <p:sp>
-        <p:nvSpPr>
-          <p:cNvPr id="4" name="Title 1"/>
-          <p:cNvSpPr txBox="1">
-            <a:spLocks/>
-          </p:cNvSpPr>
-          <p:nvPr/>
-        </p:nvSpPr>
-        <p:spPr bwMode="auto">
-          <a:xfrm>
-            <a:off x="459225" y="260349"/>
-            <a:ext cx="8793295" cy="682625"/>
-          </a:xfrm>
-          <a:prstGeom prst="rect">
-            <a:avLst/>
-          </a:prstGeom>
-          <a:noFill/>
-          <a:ln>
-            <a:noFill/>
-          </a:ln>
-          <a:extLst>
-            <a:ext uri="{909E8E84-426E-40DD-AFC4-6F175D3DCCD1}">
-              <a14:hiddenFill xmlns:a14="http://schemas.microsoft.com/office/drawing/2010/main">
-                <a:solidFill>
-                  <a:srgbClr val="FFFFFF"/>
-                </a:solidFill>
-              </a14:hiddenFill>
-            </a:ext>
-            <a:ext uri="{91240B29-F687-4F45-9708-019B960494DF}">
-              <a14:hiddenLine xmlns:a14="http://schemas.microsoft.com/office/drawing/2010/main" w="9525">
-                <a:solidFill>
-                  <a:srgbClr val="000000"/>
-                </a:solidFill>
-                <a:miter lim="800000"/>
-                <a:headEnd/>
-                <a:tailEnd/>
-              </a14:hiddenLine>
-            </a:ext>
-          </a:extLst>
-        </p:spPr>
-        <p:txBody>
-          <a:bodyPr anchor="ctr"/>
-          <a:lstStyle>
-            <a:lvl1pPr algn="l" rtl="0" eaLnBrk="0" fontAlgn="base" hangingPunct="0">
-              <a:spcBef>
-                <a:spcPct val="0"/>
-              </a:spcBef>
-              <a:spcAft>
-                <a:spcPct val="0"/>
-              </a:spcAft>
-              <a:defRPr sz="3600" b="1">
-                <a:solidFill>
-                  <a:srgbClr val="000066"/>
-                </a:solidFill>
-                <a:latin typeface="+mj-lt"/>
-                <a:ea typeface="ＭＳ Ｐゴシック" pitchFamily="-107" charset="-128"/>
-                <a:cs typeface="ＭＳ Ｐゴシック" pitchFamily="-107" charset="-128"/>
-              </a:defRPr>
-            </a:lvl1pPr>
-            <a:lvl2pPr algn="l" rtl="0" eaLnBrk="0" fontAlgn="base" hangingPunct="0">
-              <a:spcBef>
-                <a:spcPct val="0"/>
-              </a:spcBef>
-              <a:spcAft>
-                <a:spcPct val="0"/>
-              </a:spcAft>
-              <a:defRPr sz="3600" b="1">
-                <a:solidFill>
-                  <a:srgbClr val="000066"/>
-                </a:solidFill>
-                <a:latin typeface="Arial" charset="0"/>
-                <a:ea typeface="ＭＳ Ｐゴシック" pitchFamily="-107" charset="-128"/>
-                <a:cs typeface="ＭＳ Ｐゴシック" pitchFamily="-107" charset="-128"/>
-              </a:defRPr>
-            </a:lvl2pPr>
-            <a:lvl3pPr algn="l" rtl="0" eaLnBrk="0" fontAlgn="base" hangingPunct="0">
-              <a:spcBef>
-                <a:spcPct val="0"/>
-              </a:spcBef>
-              <a:spcAft>
-                <a:spcPct val="0"/>
-              </a:spcAft>
-              <a:defRPr sz="3600" b="1">
-                <a:solidFill>
-                  <a:srgbClr val="000066"/>
-                </a:solidFill>
-                <a:latin typeface="Arial" charset="0"/>
-                <a:ea typeface="ＭＳ Ｐゴシック" pitchFamily="-107" charset="-128"/>
-                <a:cs typeface="ＭＳ Ｐゴシック" pitchFamily="-107" charset="-128"/>
-              </a:defRPr>
-            </a:lvl3pPr>
-            <a:lvl4pPr algn="l" rtl="0" eaLnBrk="0" fontAlgn="base" hangingPunct="0">
-              <a:spcBef>
-                <a:spcPct val="0"/>
-              </a:spcBef>
-              <a:spcAft>
-                <a:spcPct val="0"/>
-              </a:spcAft>
-              <a:defRPr sz="3600" b="1">
-                <a:solidFill>
-                  <a:srgbClr val="000066"/>
-                </a:solidFill>
-                <a:latin typeface="Arial" charset="0"/>
-                <a:ea typeface="ＭＳ Ｐゴシック" pitchFamily="-107" charset="-128"/>
-                <a:cs typeface="ＭＳ Ｐゴシック" pitchFamily="-107" charset="-128"/>
-              </a:defRPr>
-            </a:lvl4pPr>
-            <a:lvl5pPr algn="l" rtl="0" eaLnBrk="0" fontAlgn="base" hangingPunct="0">
-              <a:spcBef>
-                <a:spcPct val="0"/>
-              </a:spcBef>
-              <a:spcAft>
-                <a:spcPct val="0"/>
-              </a:spcAft>
-              <a:defRPr sz="3600" b="1">
-                <a:solidFill>
-                  <a:srgbClr val="000066"/>
-                </a:solidFill>
-                <a:latin typeface="Arial" charset="0"/>
-                <a:ea typeface="ＭＳ Ｐゴシック" pitchFamily="-107" charset="-128"/>
-                <a:cs typeface="ＭＳ Ｐゴシック" pitchFamily="-107" charset="-128"/>
-              </a:defRPr>
-            </a:lvl5pPr>
-            <a:lvl6pPr marL="457200" algn="l" rtl="0" fontAlgn="base">
-              <a:spcBef>
-                <a:spcPct val="0"/>
-              </a:spcBef>
-              <a:spcAft>
-                <a:spcPct val="0"/>
-              </a:spcAft>
-              <a:defRPr sz="3600" b="1">
-                <a:solidFill>
-                  <a:srgbClr val="000066"/>
-                </a:solidFill>
-                <a:latin typeface="Arial" charset="0"/>
-              </a:defRPr>
-            </a:lvl6pPr>
-            <a:lvl7pPr marL="914400" algn="l" rtl="0" fontAlgn="base">
-              <a:spcBef>
-                <a:spcPct val="0"/>
-              </a:spcBef>
-              <a:spcAft>
-                <a:spcPct val="0"/>
-              </a:spcAft>
-              <a:defRPr sz="3600" b="1">
-                <a:solidFill>
-                  <a:srgbClr val="000066"/>
-                </a:solidFill>
-                <a:latin typeface="Arial" charset="0"/>
-              </a:defRPr>
-            </a:lvl7pPr>
-            <a:lvl8pPr marL="1371600" algn="l" rtl="0" fontAlgn="base">
-              <a:spcBef>
-                <a:spcPct val="0"/>
-              </a:spcBef>
-              <a:spcAft>
-                <a:spcPct val="0"/>
-              </a:spcAft>
-              <a:defRPr sz="3600" b="1">
-                <a:solidFill>
-                  <a:srgbClr val="000066"/>
-                </a:solidFill>
-                <a:latin typeface="Arial" charset="0"/>
-              </a:defRPr>
-            </a:lvl8pPr>
-            <a:lvl9pPr marL="1828800" algn="l" rtl="0" fontAlgn="base">
-              <a:spcBef>
-                <a:spcPct val="0"/>
-              </a:spcBef>
-              <a:spcAft>
-                <a:spcPct val="0"/>
-              </a:spcAft>
-              <a:defRPr sz="3600" b="1">
-                <a:solidFill>
-                  <a:srgbClr val="000066"/>
-                </a:solidFill>
-                <a:latin typeface="Arial" charset="0"/>
-              </a:defRPr>
-            </a:lvl9pPr>
-          </a:lstStyle>
-          <a:p>
-            <a:pPr marL="271463" indent="-271463"/>
-            <a:r>
-              <a:rPr lang="da-DK" altLang="da-DK" sz="2800" dirty="0" smtClean="0"/>
-              <a:t>Øvelser</a:t>
-            </a:r>
-            <a:endParaRPr lang="da-DK" altLang="da-DK" sz="2800" dirty="0"/>
-          </a:p>
-        </p:txBody>
-      </p:sp>
-      <p:sp>
-        <p:nvSpPr>
-          <p:cNvPr id="8" name="Content Placeholder 2"/>
-          <p:cNvSpPr txBox="1">
-            <a:spLocks/>
-          </p:cNvSpPr>
-          <p:nvPr/>
-        </p:nvSpPr>
-        <p:spPr bwMode="auto">
-          <a:xfrm>
-            <a:off x="611560" y="1052736"/>
-            <a:ext cx="8352928" cy="5400600"/>
-          </a:xfrm>
-          <a:prstGeom prst="rect">
-            <a:avLst/>
-          </a:prstGeom>
-          <a:noFill/>
-          <a:ln>
-            <a:noFill/>
-          </a:ln>
-          <a:extLst>
-            <a:ext uri="{909E8E84-426E-40DD-AFC4-6F175D3DCCD1}">
-              <a14:hiddenFill xmlns:a14="http://schemas.microsoft.com/office/drawing/2010/main">
-                <a:solidFill>
-                  <a:srgbClr val="FFFFFF"/>
-                </a:solidFill>
-              </a14:hiddenFill>
-            </a:ext>
-            <a:ext uri="{91240B29-F687-4F45-9708-019B960494DF}">
-              <a14:hiddenLine xmlns:a14="http://schemas.microsoft.com/office/drawing/2010/main" w="9525">
-                <a:solidFill>
-                  <a:srgbClr val="000000"/>
-                </a:solidFill>
-                <a:miter lim="800000"/>
-                <a:headEnd/>
-                <a:tailEnd/>
-              </a14:hiddenLine>
-            </a:ext>
-          </a:extLst>
-        </p:spPr>
-        <p:txBody>
-          <a:bodyPr/>
-          <a:lstStyle>
-            <a:lvl1pPr eaLnBrk="0" hangingPunct="0">
-              <a:spcBef>
-                <a:spcPct val="20000"/>
-              </a:spcBef>
-              <a:buChar char="•"/>
-              <a:defRPr sz="2400" b="1">
-                <a:solidFill>
-                  <a:srgbClr val="A50021"/>
-                </a:solidFill>
-                <a:latin typeface="Arial" pitchFamily="34" charset="0"/>
-                <a:ea typeface="ＭＳ Ｐゴシック" pitchFamily="34" charset="-128"/>
-              </a:defRPr>
-            </a:lvl1pPr>
-            <a:lvl2pPr eaLnBrk="0" hangingPunct="0">
-              <a:spcBef>
-                <a:spcPct val="20000"/>
-              </a:spcBef>
-              <a:buChar char="–"/>
-              <a:defRPr sz="2000">
-                <a:solidFill>
-                  <a:srgbClr val="000066"/>
-                </a:solidFill>
-                <a:latin typeface="Arial" pitchFamily="34" charset="0"/>
-                <a:ea typeface="ＭＳ Ｐゴシック" pitchFamily="34" charset="-128"/>
-              </a:defRPr>
-            </a:lvl2pPr>
-            <a:lvl3pPr eaLnBrk="0" hangingPunct="0">
-              <a:spcBef>
-                <a:spcPct val="20000"/>
-              </a:spcBef>
-              <a:buChar char="•"/>
-              <a:defRPr sz="1600">
-                <a:solidFill>
-                  <a:schemeClr val="tx1"/>
-                </a:solidFill>
-                <a:latin typeface="Arial" pitchFamily="34" charset="0"/>
-                <a:ea typeface="ＭＳ Ｐゴシック" pitchFamily="34" charset="-128"/>
-              </a:defRPr>
-            </a:lvl3pPr>
-            <a:lvl4pPr eaLnBrk="0" hangingPunct="0">
-              <a:spcBef>
-                <a:spcPct val="20000"/>
-              </a:spcBef>
-              <a:buChar char="–"/>
-              <a:defRPr sz="1600">
-                <a:solidFill>
-                  <a:schemeClr val="tx1"/>
-                </a:solidFill>
-                <a:latin typeface="Times New Roman" pitchFamily="18" charset="0"/>
-                <a:ea typeface="ＭＳ Ｐゴシック" pitchFamily="34" charset="-128"/>
-              </a:defRPr>
-            </a:lvl4pPr>
-            <a:lvl5pPr eaLnBrk="0" hangingPunct="0">
-              <a:spcBef>
-                <a:spcPct val="20000"/>
-              </a:spcBef>
-              <a:buChar char="»"/>
-              <a:defRPr sz="1200">
-                <a:solidFill>
-                  <a:schemeClr val="tx1"/>
-                </a:solidFill>
-                <a:latin typeface="Times New Roman" pitchFamily="18" charset="0"/>
-                <a:ea typeface="ＭＳ Ｐゴシック" pitchFamily="34" charset="-128"/>
-              </a:defRPr>
-            </a:lvl5pPr>
-            <a:lvl6pPr eaLnBrk="0" fontAlgn="base" hangingPunct="0">
-              <a:spcBef>
-                <a:spcPct val="20000"/>
-              </a:spcBef>
-              <a:spcAft>
-                <a:spcPct val="0"/>
-              </a:spcAft>
-              <a:buChar char="»"/>
-              <a:defRPr sz="1200">
-                <a:solidFill>
-                  <a:schemeClr val="tx1"/>
-                </a:solidFill>
-                <a:latin typeface="Times New Roman" pitchFamily="18" charset="0"/>
-                <a:ea typeface="ＭＳ Ｐゴシック" pitchFamily="34" charset="-128"/>
-              </a:defRPr>
-            </a:lvl6pPr>
-            <a:lvl7pPr eaLnBrk="0" fontAlgn="base" hangingPunct="0">
-              <a:spcBef>
-                <a:spcPct val="20000"/>
-              </a:spcBef>
-              <a:spcAft>
-                <a:spcPct val="0"/>
-              </a:spcAft>
-              <a:buChar char="»"/>
-              <a:defRPr sz="1200">
-                <a:solidFill>
-                  <a:schemeClr val="tx1"/>
-                </a:solidFill>
-                <a:latin typeface="Times New Roman" pitchFamily="18" charset="0"/>
-                <a:ea typeface="ＭＳ Ｐゴシック" pitchFamily="34" charset="-128"/>
-              </a:defRPr>
-            </a:lvl7pPr>
-            <a:lvl8pPr eaLnBrk="0" fontAlgn="base" hangingPunct="0">
-              <a:spcBef>
-                <a:spcPct val="20000"/>
-              </a:spcBef>
-              <a:spcAft>
-                <a:spcPct val="0"/>
-              </a:spcAft>
-              <a:buChar char="»"/>
-              <a:defRPr sz="1200">
-                <a:solidFill>
-                  <a:schemeClr val="tx1"/>
-                </a:solidFill>
-                <a:latin typeface="Times New Roman" pitchFamily="18" charset="0"/>
-                <a:ea typeface="ＭＳ Ｐゴシック" pitchFamily="34" charset="-128"/>
-              </a:defRPr>
-            </a:lvl8pPr>
-            <a:lvl9pPr eaLnBrk="0" fontAlgn="base" hangingPunct="0">
-              <a:spcBef>
-                <a:spcPct val="20000"/>
-              </a:spcBef>
-              <a:spcAft>
-                <a:spcPct val="0"/>
-              </a:spcAft>
-              <a:buChar char="»"/>
-              <a:defRPr sz="1200">
-                <a:solidFill>
-                  <a:schemeClr val="tx1"/>
-                </a:solidFill>
-                <a:latin typeface="Times New Roman" pitchFamily="18" charset="0"/>
-                <a:ea typeface="ＭＳ Ｐゴシック" pitchFamily="34" charset="-128"/>
-              </a:defRPr>
-            </a:lvl9pPr>
-          </a:lstStyle>
-          <a:p>
-            <a:pPr marL="271463" lvl="1" indent="-271463">
-              <a:spcBef>
-                <a:spcPts val="1800"/>
-              </a:spcBef>
-              <a:buFontTx/>
-              <a:buChar char="•"/>
-            </a:pPr>
-            <a:r>
-              <a:rPr lang="da-DK" altLang="da-DK" sz="1800" b="1" spc="-40" dirty="0" smtClean="0">
-                <a:solidFill>
-                  <a:srgbClr val="A50021"/>
-                </a:solidFill>
-              </a:rPr>
-              <a:t>Som tidligere bruger vi de såkaldte “</a:t>
-            </a:r>
-            <a:r>
-              <a:rPr lang="da-DK" altLang="da-DK" sz="1800" b="1" spc="-40" dirty="0" err="1" smtClean="0">
-                <a:solidFill>
-                  <a:srgbClr val="A50021"/>
-                </a:solidFill>
-              </a:rPr>
-              <a:t>breakout</a:t>
-            </a:r>
-            <a:r>
-              <a:rPr lang="da-DK" altLang="da-DK" sz="1800" b="1" spc="-40" dirty="0" smtClean="0">
-                <a:solidFill>
-                  <a:srgbClr val="A50021"/>
-                </a:solidFill>
-              </a:rPr>
-              <a:t> </a:t>
-            </a:r>
-            <a:r>
-              <a:rPr lang="da-DK" altLang="da-DK" sz="1800" b="1" spc="-40" dirty="0" err="1" smtClean="0">
-                <a:solidFill>
-                  <a:srgbClr val="A50021"/>
-                </a:solidFill>
-              </a:rPr>
-              <a:t>rooms</a:t>
-            </a:r>
-            <a:r>
-              <a:rPr lang="da-DK" altLang="da-DK" sz="1800" b="1" spc="-40" dirty="0" smtClean="0">
-                <a:solidFill>
-                  <a:srgbClr val="A50021"/>
-                </a:solidFill>
-              </a:rPr>
-              <a:t>”</a:t>
-            </a:r>
-          </a:p>
-          <a:p>
-            <a:pPr marL="742950" lvl="1" indent="-285750">
-              <a:spcBef>
-                <a:spcPts val="600"/>
-              </a:spcBef>
-            </a:pPr>
-            <a:r>
-              <a:rPr lang="da-DK" altLang="da-DK" sz="1600" dirty="0" smtClean="0"/>
-              <a:t>I skal gå ind i det rum, der har samme nummer som jeres programmeringspar</a:t>
-            </a:r>
-            <a:r>
-              <a:rPr lang="da-DK" altLang="da-DK" sz="1600" dirty="0"/>
-              <a:t> </a:t>
-            </a:r>
-            <a:r>
-              <a:rPr lang="da-DK" altLang="da-DK" sz="1600" dirty="0" smtClean="0"/>
-              <a:t>(tryk på “</a:t>
-            </a:r>
-            <a:r>
-              <a:rPr lang="da-DK" altLang="da-DK" sz="1600" dirty="0" err="1" smtClean="0"/>
-              <a:t>Breakout</a:t>
-            </a:r>
-            <a:r>
-              <a:rPr lang="da-DK" altLang="da-DK" sz="1600" dirty="0" smtClean="0"/>
-              <a:t> </a:t>
-            </a:r>
-            <a:r>
-              <a:rPr lang="da-DK" altLang="da-DK" sz="1600" dirty="0" err="1" smtClean="0"/>
-              <a:t>Rooms</a:t>
-            </a:r>
-            <a:r>
-              <a:rPr lang="da-DK" altLang="da-DK" sz="1600" dirty="0" smtClean="0"/>
-              <a:t>” nederst i Zoom vinduet og derpå på “</a:t>
-            </a:r>
-            <a:r>
-              <a:rPr lang="da-DK" altLang="da-DK" sz="1600" dirty="0" err="1" smtClean="0"/>
-              <a:t>Join</a:t>
-            </a:r>
-            <a:r>
-              <a:rPr lang="da-DK" altLang="da-DK" sz="1600" dirty="0" smtClean="0"/>
-              <a:t>” ud for det rum, som I vil gå ind i)</a:t>
-            </a:r>
-          </a:p>
-          <a:p>
-            <a:pPr marL="742950" lvl="1" indent="-285750">
-              <a:spcBef>
-                <a:spcPts val="600"/>
-              </a:spcBef>
-            </a:pPr>
-            <a:r>
-              <a:rPr lang="da-DK" altLang="da-DK" sz="1600" dirty="0" smtClean="0"/>
-              <a:t>Hvis I er alene, skal I også gå ind i jeres rum (så instruktoren kan “finde” jer der)</a:t>
-            </a:r>
-          </a:p>
-          <a:p>
-            <a:pPr marL="742950" lvl="1" indent="-285750">
-              <a:spcBef>
-                <a:spcPts val="600"/>
-              </a:spcBef>
-            </a:pPr>
-            <a:r>
-              <a:rPr lang="da-DK" altLang="da-DK" sz="1600" dirty="0" smtClean="0"/>
-              <a:t>Der er også et rum, der hedder ”</a:t>
-            </a:r>
-            <a:r>
-              <a:rPr lang="da-DK" altLang="da-DK" sz="1600" dirty="0" err="1" smtClean="0"/>
-              <a:t>Staff</a:t>
-            </a:r>
-            <a:r>
-              <a:rPr lang="da-DK" altLang="da-DK" sz="1600" dirty="0" smtClean="0"/>
-              <a:t>” (det er til brug for instruktorerne og mig)</a:t>
-            </a:r>
-          </a:p>
-          <a:p>
-            <a:pPr marL="271463" lvl="1" indent="-271463">
-              <a:spcBef>
-                <a:spcPts val="1800"/>
-              </a:spcBef>
-              <a:buFontTx/>
-              <a:buChar char="•"/>
-            </a:pPr>
-            <a:r>
-              <a:rPr lang="da-DK" altLang="da-DK" sz="1800" b="1" spc="-40" dirty="0" smtClean="0">
-                <a:solidFill>
-                  <a:srgbClr val="A50021"/>
-                </a:solidFill>
-              </a:rPr>
-              <a:t>Inde i </a:t>
-            </a:r>
-            <a:r>
-              <a:rPr lang="da-DK" altLang="da-DK" sz="1800" b="1" spc="-40" dirty="0" err="1" smtClean="0">
-                <a:solidFill>
-                  <a:srgbClr val="A50021"/>
-                </a:solidFill>
-              </a:rPr>
-              <a:t>Breakout</a:t>
-            </a:r>
-            <a:r>
-              <a:rPr lang="da-DK" altLang="da-DK" sz="1800" b="1" spc="-40" dirty="0" smtClean="0">
-                <a:solidFill>
-                  <a:srgbClr val="A50021"/>
-                </a:solidFill>
-              </a:rPr>
-              <a:t> rummet kan I kun kommunikere med dem, der er i rummet (ingen andre kan se/høre jer)</a:t>
-            </a:r>
-            <a:endParaRPr lang="da-DK" altLang="da-DK" sz="1600" dirty="0" smtClean="0"/>
-          </a:p>
-          <a:p>
-            <a:pPr marL="742950" lvl="1" indent="-285750">
-              <a:spcBef>
-                <a:spcPts val="600"/>
-              </a:spcBef>
-            </a:pPr>
-            <a:r>
-              <a:rPr lang="da-DK" altLang="da-DK" sz="1600" dirty="0" smtClean="0"/>
-              <a:t>I tilkalder hjælp ved at bruge </a:t>
-            </a:r>
-            <a:r>
-              <a:rPr lang="da-DK" altLang="da-DK" sz="1600" spc="-40" dirty="0" smtClean="0"/>
-              <a:t>linket “</a:t>
-            </a:r>
-            <a:r>
-              <a:rPr lang="da-DK" altLang="da-DK" sz="1600" b="1" spc="-40" dirty="0" smtClean="0"/>
-              <a:t>Tilkald hjælp</a:t>
-            </a:r>
-            <a:r>
-              <a:rPr lang="da-DK" altLang="da-DK" sz="1600" spc="-40" dirty="0" smtClean="0"/>
-              <a:t>” øverst på siden ”Program for seminarer” og skrive i det delte Google Docs dokument, der så dukker op</a:t>
-            </a:r>
-          </a:p>
-        </p:txBody>
-      </p:sp>
-    </p:spTree>
-    <p:extLst>
-      <p:ext uri="{BB962C8B-B14F-4D97-AF65-F5344CB8AC3E}">
-        <p14:creationId xmlns:p14="http://schemas.microsoft.com/office/powerpoint/2010/main" val="239744111"/>
-      </p:ext>
-    </p:extLst>
-  </p:cSld>
-  <p:clrMapOvr>
-    <a:masterClrMapping/>
-  </p:clrMapOvr>
-  <p:timing>
-    <p:tnLst>
-      <p:par>
-        <p:cTn id="1" dur="indefinite" restart="never" nodeType="tmRoot"/>
-      </p:par>
-    </p:tnLst>
-  </p:timing>
-</p:sld>
-</file>
-
-<file path=ppt/slides/slide7.xml><?xml version="1.0" encoding="utf-8"?>
-<p:sld xmlns:a="http://schemas.openxmlformats.org/drawingml/2006/main" xmlns:r="http://schemas.openxmlformats.org/officeDocument/2006/relationships" xmlns:p="http://schemas.openxmlformats.org/presentationml/2006/main">
-  <p:cSld>
-    <p:spTree>
-      <p:nvGrpSpPr>
-        <p:cNvPr id="1" name=""/>
-        <p:cNvGrpSpPr/>
-        <p:nvPr/>
-      </p:nvGrpSpPr>
-      <p:grpSpPr>
-        <a:xfrm>
-          <a:off x="0" y="0"/>
-          <a:ext cx="0" cy="0"/>
-          <a:chOff x="0" y="0"/>
-          <a:chExt cx="0" cy="0"/>
-        </a:xfrm>
-      </p:grpSpPr>
-      <p:sp>
-        <p:nvSpPr>
-          <p:cNvPr id="5" name="Content Placeholder 2"/>
-          <p:cNvSpPr txBox="1">
-            <a:spLocks/>
-          </p:cNvSpPr>
-          <p:nvPr/>
-        </p:nvSpPr>
-        <p:spPr bwMode="auto">
-          <a:xfrm>
-            <a:off x="539552" y="1052736"/>
-            <a:ext cx="8352928" cy="3888432"/>
-          </a:xfrm>
-          <a:prstGeom prst="rect">
-            <a:avLst/>
-          </a:prstGeom>
-          <a:noFill/>
-          <a:ln>
-            <a:noFill/>
-          </a:ln>
-          <a:extLst>
-            <a:ext uri="{909E8E84-426E-40DD-AFC4-6F175D3DCCD1}">
-              <a14:hiddenFill xmlns:a14="http://schemas.microsoft.com/office/drawing/2010/main">
-                <a:solidFill>
-                  <a:srgbClr val="FFFFFF"/>
-                </a:solidFill>
-              </a14:hiddenFill>
-            </a:ext>
-            <a:ext uri="{91240B29-F687-4F45-9708-019B960494DF}">
-              <a14:hiddenLine xmlns:a14="http://schemas.microsoft.com/office/drawing/2010/main" w="9525">
-                <a:solidFill>
-                  <a:srgbClr val="000000"/>
-                </a:solidFill>
-                <a:miter lim="800000"/>
-                <a:headEnd/>
-                <a:tailEnd/>
-              </a14:hiddenLine>
-            </a:ext>
-          </a:extLst>
-        </p:spPr>
-        <p:txBody>
-          <a:bodyPr/>
-          <a:lstStyle>
-            <a:lvl1pPr eaLnBrk="0" hangingPunct="0">
-              <a:spcBef>
-                <a:spcPct val="20000"/>
-              </a:spcBef>
-              <a:buChar char="•"/>
-              <a:defRPr sz="2400" b="1">
-                <a:solidFill>
-                  <a:srgbClr val="A50021"/>
-                </a:solidFill>
-                <a:latin typeface="Arial" pitchFamily="34" charset="0"/>
-                <a:ea typeface="ＭＳ Ｐゴシック" pitchFamily="34" charset="-128"/>
-              </a:defRPr>
-            </a:lvl1pPr>
-            <a:lvl2pPr eaLnBrk="0" hangingPunct="0">
-              <a:spcBef>
-                <a:spcPct val="20000"/>
-              </a:spcBef>
-              <a:buChar char="–"/>
-              <a:defRPr sz="2000">
-                <a:solidFill>
-                  <a:srgbClr val="000066"/>
-                </a:solidFill>
-                <a:latin typeface="Arial" pitchFamily="34" charset="0"/>
-                <a:ea typeface="ＭＳ Ｐゴシック" pitchFamily="34" charset="-128"/>
-              </a:defRPr>
-            </a:lvl2pPr>
-            <a:lvl3pPr eaLnBrk="0" hangingPunct="0">
-              <a:spcBef>
-                <a:spcPct val="20000"/>
-              </a:spcBef>
-              <a:buChar char="•"/>
-              <a:defRPr sz="1600">
-                <a:solidFill>
-                  <a:schemeClr val="tx1"/>
-                </a:solidFill>
-                <a:latin typeface="Arial" pitchFamily="34" charset="0"/>
-                <a:ea typeface="ＭＳ Ｐゴシック" pitchFamily="34" charset="-128"/>
-              </a:defRPr>
-            </a:lvl3pPr>
-            <a:lvl4pPr eaLnBrk="0" hangingPunct="0">
-              <a:spcBef>
-                <a:spcPct val="20000"/>
-              </a:spcBef>
-              <a:buChar char="–"/>
-              <a:defRPr sz="1600">
-                <a:solidFill>
-                  <a:schemeClr val="tx1"/>
-                </a:solidFill>
-                <a:latin typeface="Times New Roman" pitchFamily="18" charset="0"/>
-                <a:ea typeface="ＭＳ Ｐゴシック" pitchFamily="34" charset="-128"/>
-              </a:defRPr>
-            </a:lvl4pPr>
-            <a:lvl5pPr eaLnBrk="0" hangingPunct="0">
-              <a:spcBef>
-                <a:spcPct val="20000"/>
-              </a:spcBef>
-              <a:buChar char="»"/>
-              <a:defRPr sz="1200">
-                <a:solidFill>
-                  <a:schemeClr val="tx1"/>
-                </a:solidFill>
-                <a:latin typeface="Times New Roman" pitchFamily="18" charset="0"/>
-                <a:ea typeface="ＭＳ Ｐゴシック" pitchFamily="34" charset="-128"/>
-              </a:defRPr>
-            </a:lvl5pPr>
-            <a:lvl6pPr eaLnBrk="0" fontAlgn="base" hangingPunct="0">
-              <a:spcBef>
-                <a:spcPct val="20000"/>
-              </a:spcBef>
-              <a:spcAft>
-                <a:spcPct val="0"/>
-              </a:spcAft>
-              <a:buChar char="»"/>
-              <a:defRPr sz="1200">
-                <a:solidFill>
-                  <a:schemeClr val="tx1"/>
-                </a:solidFill>
-                <a:latin typeface="Times New Roman" pitchFamily="18" charset="0"/>
-                <a:ea typeface="ＭＳ Ｐゴシック" pitchFamily="34" charset="-128"/>
-              </a:defRPr>
-            </a:lvl6pPr>
-            <a:lvl7pPr eaLnBrk="0" fontAlgn="base" hangingPunct="0">
-              <a:spcBef>
-                <a:spcPct val="20000"/>
-              </a:spcBef>
-              <a:spcAft>
-                <a:spcPct val="0"/>
-              </a:spcAft>
-              <a:buChar char="»"/>
-              <a:defRPr sz="1200">
-                <a:solidFill>
-                  <a:schemeClr val="tx1"/>
-                </a:solidFill>
-                <a:latin typeface="Times New Roman" pitchFamily="18" charset="0"/>
-                <a:ea typeface="ＭＳ Ｐゴシック" pitchFamily="34" charset="-128"/>
-              </a:defRPr>
-            </a:lvl7pPr>
-            <a:lvl8pPr eaLnBrk="0" fontAlgn="base" hangingPunct="0">
-              <a:spcBef>
-                <a:spcPct val="20000"/>
-              </a:spcBef>
-              <a:spcAft>
-                <a:spcPct val="0"/>
-              </a:spcAft>
-              <a:buChar char="»"/>
-              <a:defRPr sz="1200">
-                <a:solidFill>
-                  <a:schemeClr val="tx1"/>
-                </a:solidFill>
-                <a:latin typeface="Times New Roman" pitchFamily="18" charset="0"/>
-                <a:ea typeface="ＭＳ Ｐゴシック" pitchFamily="34" charset="-128"/>
-              </a:defRPr>
-            </a:lvl8pPr>
-            <a:lvl9pPr eaLnBrk="0" fontAlgn="base" hangingPunct="0">
-              <a:spcBef>
-                <a:spcPct val="20000"/>
-              </a:spcBef>
-              <a:spcAft>
-                <a:spcPct val="0"/>
-              </a:spcAft>
-              <a:buChar char="»"/>
-              <a:defRPr sz="1200">
-                <a:solidFill>
-                  <a:schemeClr val="tx1"/>
-                </a:solidFill>
-                <a:latin typeface="Times New Roman" pitchFamily="18" charset="0"/>
-                <a:ea typeface="ＭＳ Ｐゴシック" pitchFamily="34" charset="-128"/>
-              </a:defRPr>
-            </a:lvl9pPr>
-          </a:lstStyle>
-          <a:p>
-            <a:pPr marL="271463" lvl="1" indent="-271463">
-              <a:spcBef>
-                <a:spcPts val="1800"/>
-              </a:spcBef>
-              <a:buFontTx/>
-              <a:buChar char="•"/>
-            </a:pPr>
-            <a:r>
-              <a:rPr lang="da-DK" altLang="da-DK" sz="1800" b="1" spc="-40" dirty="0" smtClean="0">
-                <a:solidFill>
-                  <a:srgbClr val="A50021"/>
-                </a:solidFill>
-              </a:rPr>
-              <a:t>Udover </a:t>
-            </a:r>
-            <a:r>
-              <a:rPr lang="da-DK" altLang="da-DK" sz="1800" b="1" spc="-40" dirty="0">
-                <a:solidFill>
-                  <a:srgbClr val="A50021"/>
-                </a:solidFill>
-              </a:rPr>
-              <a:t>at arbejde med afleveringsopgaverne, kan I også bruge øvelserne til at stille spørgsmål omkring</a:t>
-            </a:r>
-          </a:p>
-          <a:p>
-            <a:pPr marL="742950" lvl="1" indent="-285750">
-              <a:spcBef>
-                <a:spcPts val="600"/>
-              </a:spcBef>
-              <a:buFontTx/>
-              <a:buChar char="–"/>
-            </a:pPr>
-            <a:r>
-              <a:rPr lang="da-DK" altLang="da-DK" sz="1600" dirty="0"/>
-              <a:t>jeres tidligere afleveringer (og instruktorens kommentarerne til dem)</a:t>
-            </a:r>
-          </a:p>
-          <a:p>
-            <a:pPr marL="742950" lvl="1" indent="-285750">
-              <a:spcBef>
-                <a:spcPts val="600"/>
-              </a:spcBef>
-              <a:buFontTx/>
-              <a:buChar char="–"/>
-            </a:pPr>
-            <a:r>
-              <a:rPr lang="da-DK" altLang="da-DK" sz="1600" dirty="0" err="1"/>
-              <a:t>BlueJ</a:t>
-            </a:r>
-            <a:r>
-              <a:rPr lang="da-DK" altLang="da-DK" sz="1600" dirty="0"/>
-              <a:t> bogen og mine slides</a:t>
-            </a:r>
-          </a:p>
-          <a:p>
-            <a:pPr marL="742950" lvl="1" indent="-285750">
-              <a:spcBef>
-                <a:spcPts val="600"/>
-              </a:spcBef>
-              <a:buFontTx/>
-              <a:buChar char="–"/>
-            </a:pPr>
-            <a:r>
-              <a:rPr lang="da-DK" altLang="da-DK" sz="1600" dirty="0"/>
-              <a:t>alt andet, som I har problemer med</a:t>
-            </a:r>
-          </a:p>
-          <a:p>
-            <a:pPr marL="271463" lvl="1" indent="-271463">
-              <a:spcBef>
-                <a:spcPts val="1800"/>
-              </a:spcBef>
-              <a:buFontTx/>
-              <a:buChar char="•"/>
-            </a:pPr>
-            <a:r>
-              <a:rPr lang="da-DK" altLang="da-DK" sz="1800" b="1" spc="-40" dirty="0" smtClean="0">
-                <a:solidFill>
-                  <a:srgbClr val="A50021"/>
-                </a:solidFill>
-              </a:rPr>
-              <a:t>Vi  ”mødes” alle i ”hovedrummet” kl. 13.00</a:t>
-            </a:r>
-          </a:p>
-          <a:p>
-            <a:pPr marL="742950" lvl="1" indent="-285750">
-              <a:spcBef>
-                <a:spcPts val="600"/>
-              </a:spcBef>
-            </a:pPr>
-            <a:r>
-              <a:rPr lang="da-DK" altLang="da-DK" sz="1600" dirty="0" smtClean="0"/>
-              <a:t>Der kommer I hen ved at trykke på “</a:t>
-            </a:r>
-            <a:r>
-              <a:rPr lang="da-DK" altLang="da-DK" sz="1600" dirty="0" err="1" smtClean="0"/>
-              <a:t>Leave</a:t>
-            </a:r>
-            <a:r>
-              <a:rPr lang="da-DK" altLang="da-DK" sz="1600" dirty="0" smtClean="0"/>
-              <a:t> </a:t>
-            </a:r>
-            <a:r>
-              <a:rPr lang="da-DK" altLang="da-DK" sz="1600" dirty="0" err="1" smtClean="0"/>
-              <a:t>Room</a:t>
-            </a:r>
-            <a:r>
-              <a:rPr lang="da-DK" altLang="da-DK" sz="1600" dirty="0" smtClean="0"/>
-              <a:t>” knappen og dernæst på “</a:t>
-            </a:r>
-            <a:r>
-              <a:rPr lang="da-DK" altLang="da-DK" sz="1600" dirty="0" err="1" smtClean="0"/>
-              <a:t>Leave</a:t>
-            </a:r>
-            <a:r>
-              <a:rPr lang="da-DK" altLang="da-DK" sz="1600" dirty="0" smtClean="0"/>
-              <a:t> </a:t>
-            </a:r>
-            <a:r>
-              <a:rPr lang="da-DK" altLang="da-DK" sz="1600" dirty="0" err="1" smtClean="0"/>
-              <a:t>Breakout</a:t>
-            </a:r>
-            <a:r>
-              <a:rPr lang="da-DK" altLang="da-DK" sz="1600" dirty="0" smtClean="0"/>
-              <a:t> </a:t>
-            </a:r>
-            <a:r>
-              <a:rPr lang="da-DK" altLang="da-DK" sz="1600" dirty="0" err="1" smtClean="0"/>
-              <a:t>Room</a:t>
-            </a:r>
-            <a:r>
-              <a:rPr lang="da-DK" altLang="da-DK" sz="1600" dirty="0" smtClean="0"/>
-              <a:t>”</a:t>
-            </a:r>
-          </a:p>
-          <a:p>
-            <a:pPr marL="742950" lvl="1" indent="-285750">
-              <a:spcBef>
-                <a:spcPts val="600"/>
-              </a:spcBef>
-            </a:pPr>
-            <a:r>
-              <a:rPr lang="da-DK" altLang="da-DK" sz="1600" dirty="0" smtClean="0"/>
-              <a:t>Husk at stoppe så betids, </a:t>
-            </a:r>
-            <a:r>
-              <a:rPr lang="da-DK" altLang="da-DK" sz="1600" smtClean="0"/>
-              <a:t>at I kan </a:t>
-            </a:r>
-            <a:r>
-              <a:rPr lang="da-DK" altLang="da-DK" sz="1600" dirty="0" smtClean="0"/>
-              <a:t>få noget frokost og få slappet lidt af inden forelæsningerne starter igen – gå eventuelt også en kort tur for at få lidt frisk luft</a:t>
-            </a:r>
-          </a:p>
-          <a:p>
-            <a:pPr marL="271463" lvl="1" indent="-271463">
-              <a:spcBef>
-                <a:spcPts val="1800"/>
-              </a:spcBef>
-              <a:buFontTx/>
-              <a:buChar char="•"/>
-            </a:pPr>
-            <a:r>
-              <a:rPr lang="da-DK" altLang="da-DK" sz="1800" b="1" spc="-40" dirty="0" smtClean="0">
-                <a:solidFill>
-                  <a:srgbClr val="A50021"/>
-                </a:solidFill>
-              </a:rPr>
-              <a:t>Er der nogen, der har spørgsmål, inden vi går i gang med øvelserne?</a:t>
-            </a:r>
-            <a:endParaRPr lang="da-DK" altLang="da-DK" sz="1800" b="1" spc="-40" dirty="0">
-              <a:solidFill>
-                <a:srgbClr val="A50021"/>
-              </a:solidFill>
-            </a:endParaRPr>
-          </a:p>
-        </p:txBody>
-      </p:sp>
-      <p:sp>
-        <p:nvSpPr>
-          <p:cNvPr id="6" name="Rectangle 5"/>
-          <p:cNvSpPr/>
-          <p:nvPr/>
-        </p:nvSpPr>
-        <p:spPr>
-          <a:xfrm rot="21165640">
-            <a:off x="2503660" y="5289769"/>
-            <a:ext cx="3280124" cy="523220"/>
-          </a:xfrm>
-          <a:prstGeom prst="rect">
-            <a:avLst/>
-          </a:prstGeom>
-          <a:noFill/>
-        </p:spPr>
-        <p:txBody>
-          <a:bodyPr wrap="square">
-            <a:spAutoFit/>
-            <a:scene3d>
-              <a:camera prst="orthographicFront"/>
-              <a:lightRig rig="flat" dir="tl">
-                <a:rot lat="0" lon="0" rev="6600000"/>
-              </a:lightRig>
-            </a:scene3d>
-            <a:sp3d extrusionH="25400" contourW="8890">
-              <a:bevelT w="38100" h="31750"/>
-              <a:contourClr>
-                <a:schemeClr val="accent2">
-                  <a:shade val="75000"/>
-                </a:schemeClr>
-              </a:contourClr>
-            </a:sp3d>
-          </a:bodyPr>
-          <a:lstStyle/>
-          <a:p>
-            <a:pPr algn="ctr">
-              <a:defRPr/>
-            </a:pPr>
-            <a:r>
-              <a:rPr lang="en-US" sz="2800" b="1" dirty="0" err="1" smtClean="0">
-                <a:ln w="11430"/>
-                <a:solidFill>
-                  <a:srgbClr val="CC0000"/>
-                </a:solidFill>
-                <a:effectLst>
-                  <a:outerShdw blurRad="50800" dist="39000" dir="5460000" algn="tl">
-                    <a:srgbClr val="000000">
-                      <a:alpha val="38000"/>
-                    </a:srgbClr>
-                  </a:outerShdw>
-                </a:effectLst>
-              </a:rPr>
-              <a:t>Øvelser</a:t>
-            </a:r>
-            <a:endParaRPr lang="en-US" sz="3200" b="1" dirty="0">
-              <a:ln w="11430"/>
-              <a:solidFill>
-                <a:srgbClr val="CC0000"/>
-              </a:solidFill>
-              <a:effectLst>
-                <a:outerShdw blurRad="50800" dist="39000" dir="5460000" algn="tl">
-                  <a:srgbClr val="000000">
-                    <a:alpha val="38000"/>
-                  </a:srgbClr>
-                </a:outerShdw>
-              </a:effectLst>
-            </a:endParaRPr>
-          </a:p>
-        </p:txBody>
-      </p:sp>
-      <p:sp>
-        <p:nvSpPr>
-          <p:cNvPr id="7" name="Title 1"/>
-          <p:cNvSpPr txBox="1">
-            <a:spLocks/>
-          </p:cNvSpPr>
-          <p:nvPr/>
-        </p:nvSpPr>
-        <p:spPr bwMode="auto">
-          <a:xfrm>
-            <a:off x="459225" y="260349"/>
-            <a:ext cx="8793295" cy="682625"/>
-          </a:xfrm>
-          <a:prstGeom prst="rect">
-            <a:avLst/>
-          </a:prstGeom>
-          <a:noFill/>
-          <a:ln>
-            <a:noFill/>
-          </a:ln>
-          <a:extLst>
-            <a:ext uri="{909E8E84-426E-40DD-AFC4-6F175D3DCCD1}">
-              <a14:hiddenFill xmlns:a14="http://schemas.microsoft.com/office/drawing/2010/main">
-                <a:solidFill>
-                  <a:srgbClr val="FFFFFF"/>
-                </a:solidFill>
-              </a14:hiddenFill>
-            </a:ext>
-            <a:ext uri="{91240B29-F687-4F45-9708-019B960494DF}">
-              <a14:hiddenLine xmlns:a14="http://schemas.microsoft.com/office/drawing/2010/main" w="9525">
-                <a:solidFill>
-                  <a:srgbClr val="000000"/>
-                </a:solidFill>
-                <a:miter lim="800000"/>
-                <a:headEnd/>
-                <a:tailEnd/>
-              </a14:hiddenLine>
-            </a:ext>
-          </a:extLst>
-        </p:spPr>
-        <p:txBody>
-          <a:bodyPr anchor="ctr"/>
-          <a:lstStyle>
-            <a:lvl1pPr algn="l" rtl="0" eaLnBrk="0" fontAlgn="base" hangingPunct="0">
-              <a:spcBef>
-                <a:spcPct val="0"/>
-              </a:spcBef>
-              <a:spcAft>
-                <a:spcPct val="0"/>
-              </a:spcAft>
-              <a:defRPr sz="3600" b="1">
-                <a:solidFill>
-                  <a:srgbClr val="000066"/>
-                </a:solidFill>
-                <a:latin typeface="+mj-lt"/>
-                <a:ea typeface="ＭＳ Ｐゴシック" pitchFamily="-107" charset="-128"/>
-                <a:cs typeface="ＭＳ Ｐゴシック" pitchFamily="-107" charset="-128"/>
-              </a:defRPr>
-            </a:lvl1pPr>
-            <a:lvl2pPr algn="l" rtl="0" eaLnBrk="0" fontAlgn="base" hangingPunct="0">
-              <a:spcBef>
-                <a:spcPct val="0"/>
-              </a:spcBef>
-              <a:spcAft>
-                <a:spcPct val="0"/>
-              </a:spcAft>
-              <a:defRPr sz="3600" b="1">
-                <a:solidFill>
-                  <a:srgbClr val="000066"/>
-                </a:solidFill>
-                <a:latin typeface="Arial" charset="0"/>
-                <a:ea typeface="ＭＳ Ｐゴシック" pitchFamily="-107" charset="-128"/>
-                <a:cs typeface="ＭＳ Ｐゴシック" pitchFamily="-107" charset="-128"/>
-              </a:defRPr>
-            </a:lvl2pPr>
-            <a:lvl3pPr algn="l" rtl="0" eaLnBrk="0" fontAlgn="base" hangingPunct="0">
-              <a:spcBef>
-                <a:spcPct val="0"/>
-              </a:spcBef>
-              <a:spcAft>
-                <a:spcPct val="0"/>
-              </a:spcAft>
-              <a:defRPr sz="3600" b="1">
-                <a:solidFill>
-                  <a:srgbClr val="000066"/>
-                </a:solidFill>
-                <a:latin typeface="Arial" charset="0"/>
-                <a:ea typeface="ＭＳ Ｐゴシック" pitchFamily="-107" charset="-128"/>
-                <a:cs typeface="ＭＳ Ｐゴシック" pitchFamily="-107" charset="-128"/>
-              </a:defRPr>
-            </a:lvl3pPr>
-            <a:lvl4pPr algn="l" rtl="0" eaLnBrk="0" fontAlgn="base" hangingPunct="0">
-              <a:spcBef>
-                <a:spcPct val="0"/>
-              </a:spcBef>
-              <a:spcAft>
-                <a:spcPct val="0"/>
-              </a:spcAft>
-              <a:defRPr sz="3600" b="1">
-                <a:solidFill>
-                  <a:srgbClr val="000066"/>
-                </a:solidFill>
-                <a:latin typeface="Arial" charset="0"/>
-                <a:ea typeface="ＭＳ Ｐゴシック" pitchFamily="-107" charset="-128"/>
-                <a:cs typeface="ＭＳ Ｐゴシック" pitchFamily="-107" charset="-128"/>
-              </a:defRPr>
-            </a:lvl4pPr>
-            <a:lvl5pPr algn="l" rtl="0" eaLnBrk="0" fontAlgn="base" hangingPunct="0">
-              <a:spcBef>
-                <a:spcPct val="0"/>
-              </a:spcBef>
-              <a:spcAft>
-                <a:spcPct val="0"/>
-              </a:spcAft>
-              <a:defRPr sz="3600" b="1">
-                <a:solidFill>
-                  <a:srgbClr val="000066"/>
-                </a:solidFill>
-                <a:latin typeface="Arial" charset="0"/>
-                <a:ea typeface="ＭＳ Ｐゴシック" pitchFamily="-107" charset="-128"/>
-                <a:cs typeface="ＭＳ Ｐゴシック" pitchFamily="-107" charset="-128"/>
-              </a:defRPr>
-            </a:lvl5pPr>
-            <a:lvl6pPr marL="457200" algn="l" rtl="0" fontAlgn="base">
-              <a:spcBef>
-                <a:spcPct val="0"/>
-              </a:spcBef>
-              <a:spcAft>
-                <a:spcPct val="0"/>
-              </a:spcAft>
-              <a:defRPr sz="3600" b="1">
-                <a:solidFill>
-                  <a:srgbClr val="000066"/>
-                </a:solidFill>
-                <a:latin typeface="Arial" charset="0"/>
-              </a:defRPr>
-            </a:lvl6pPr>
-            <a:lvl7pPr marL="914400" algn="l" rtl="0" fontAlgn="base">
-              <a:spcBef>
-                <a:spcPct val="0"/>
-              </a:spcBef>
-              <a:spcAft>
-                <a:spcPct val="0"/>
-              </a:spcAft>
-              <a:defRPr sz="3600" b="1">
-                <a:solidFill>
-                  <a:srgbClr val="000066"/>
-                </a:solidFill>
-                <a:latin typeface="Arial" charset="0"/>
-              </a:defRPr>
-            </a:lvl7pPr>
-            <a:lvl8pPr marL="1371600" algn="l" rtl="0" fontAlgn="base">
-              <a:spcBef>
-                <a:spcPct val="0"/>
-              </a:spcBef>
-              <a:spcAft>
-                <a:spcPct val="0"/>
-              </a:spcAft>
-              <a:defRPr sz="3600" b="1">
-                <a:solidFill>
-                  <a:srgbClr val="000066"/>
-                </a:solidFill>
-                <a:latin typeface="Arial" charset="0"/>
-              </a:defRPr>
-            </a:lvl8pPr>
-            <a:lvl9pPr marL="1828800" algn="l" rtl="0" fontAlgn="base">
-              <a:spcBef>
-                <a:spcPct val="0"/>
-              </a:spcBef>
-              <a:spcAft>
-                <a:spcPct val="0"/>
-              </a:spcAft>
-              <a:defRPr sz="3600" b="1">
-                <a:solidFill>
-                  <a:srgbClr val="000066"/>
-                </a:solidFill>
-                <a:latin typeface="Arial" charset="0"/>
-              </a:defRPr>
-            </a:lvl9pPr>
-          </a:lstStyle>
-          <a:p>
-            <a:pPr marL="271463" indent="-271463"/>
-            <a:r>
-              <a:rPr lang="da-DK" altLang="da-DK" sz="2800" dirty="0" smtClean="0"/>
-              <a:t>Øvelser – fortsat</a:t>
-            </a:r>
-          </a:p>
-        </p:txBody>
-      </p:sp>
-    </p:spTree>
-    <p:extLst>
-      <p:ext uri="{BB962C8B-B14F-4D97-AF65-F5344CB8AC3E}">
-        <p14:creationId xmlns:p14="http://schemas.microsoft.com/office/powerpoint/2010/main" val="3585105085"/>
-      </p:ext>
-    </p:extLst>
-  </p:cSld>
-  <p:clrMapOvr>
-    <a:masterClrMapping/>
-  </p:clrMapOvr>
-  <p:timing>
-    <p:tnLst>
-      <p:par>
-        <p:cTn id="1" dur="indefinite" restart="never" nodeType="tmRoot">
-          <p:childTnLst>
-            <p:seq concurrent="1" nextAc="seek">
-              <p:cTn id="2" dur="indefinite" nodeType="mainSeq">
-                <p:childTnLst>
-                  <p:par>
-                    <p:cTn id="3" fill="hold">
-                      <p:stCondLst>
-                        <p:cond delay="indefinite"/>
-                      </p:stCondLst>
-                      <p:childTnLst>
-                        <p:par>
-                          <p:cTn id="4" fill="hold">
-                            <p:stCondLst>
-                              <p:cond delay="0"/>
-                            </p:stCondLst>
-                            <p:childTnLst>
-                              <p:par>
-                                <p:cTn id="5" presetID="1" presetClass="entr" presetSubtype="0" fill="hold" nodeType="clickEffect">
-                                  <p:stCondLst>
-                                    <p:cond delay="0"/>
-                                  </p:stCondLst>
-                                  <p:childTnLst>
-                                    <p:set>
-                                      <p:cBhvr>
-                                        <p:cTn id="6" dur="1" fill="hold">
-                                          <p:stCondLst>
-                                            <p:cond delay="0"/>
-                                          </p:stCondLst>
-                                        </p:cTn>
-                                        <p:tgtEl>
-                                          <p:spTgt spid="6"/>
-                                        </p:tgtEl>
-                                        <p:attrNameLst>
-                                          <p:attrName>style.visibility</p:attrName>
-                                        </p:attrNameLst>
-                                      </p:cBhvr>
-                                      <p:to>
-                                        <p:strVal val="visible"/>
-                                      </p:to>
-                                    </p:set>
-                                  </p:childTnLst>
-                                </p:cTn>
-                              </p:par>
-                            </p:childTnLst>
-                          </p:cTn>
-                        </p:par>
-                      </p:childTnLst>
-                    </p:cTn>
-                  </p:par>
-                </p:childTnLst>
-              </p:cTn>
-              <p:prevCondLst>
-                <p:cond evt="onPrev" delay="0">
-                  <p:tgtEl>
-                    <p:sldTgt/>
-                  </p:tgtEl>
-                </p:cond>
-              </p:prevCondLst>
-              <p:nextCondLst>
-                <p:cond evt="onNext" delay="0">
-                  <p:tgtEl>
-                    <p:sldTgt/>
-                  </p:tgtEl>
-                </p:cond>
-              </p:nextCondLst>
-            </p:seq>
-          </p:childTnLst>
-        </p:cTn>
-      </p:par>
-    </p:tnLst>
-  </p:timing>
-</p:sld>
-</file>
-
-<file path=ppt/slides/slide8.xml><?xml version="1.0" encoding="utf-8"?>
-<p:sld xmlns:a="http://schemas.openxmlformats.org/drawingml/2006/main" xmlns:r="http://schemas.openxmlformats.org/officeDocument/2006/relationships" xmlns:p="http://schemas.openxmlformats.org/presentationml/2006/main">
-  <p:cSld>
-    <p:spTree>
-      <p:nvGrpSpPr>
-        <p:cNvPr id="1" name=""/>
-        <p:cNvGrpSpPr/>
-        <p:nvPr/>
-      </p:nvGrpSpPr>
-      <p:grpSpPr>
-        <a:xfrm>
-          <a:off x="0" y="0"/>
-          <a:ext cx="0" cy="0"/>
-          <a:chOff x="0" y="0"/>
-          <a:chExt cx="0" cy="0"/>
-        </a:xfrm>
-      </p:grpSpPr>
-      <p:sp>
-        <p:nvSpPr>
-          <p:cNvPr id="7" name="Title 1"/>
-          <p:cNvSpPr txBox="1">
-            <a:spLocks/>
-          </p:cNvSpPr>
-          <p:nvPr/>
-        </p:nvSpPr>
-        <p:spPr bwMode="auto">
-          <a:xfrm>
-            <a:off x="459225" y="260349"/>
-            <a:ext cx="8793295" cy="682625"/>
-          </a:xfrm>
-          <a:prstGeom prst="rect">
-            <a:avLst/>
-          </a:prstGeom>
-          <a:noFill/>
-          <a:ln>
-            <a:noFill/>
-          </a:ln>
-          <a:extLst>
-            <a:ext uri="{909E8E84-426E-40DD-AFC4-6F175D3DCCD1}">
-              <a14:hiddenFill xmlns:a14="http://schemas.microsoft.com/office/drawing/2010/main">
-                <a:solidFill>
-                  <a:srgbClr val="FFFFFF"/>
-                </a:solidFill>
-              </a14:hiddenFill>
-            </a:ext>
-            <a:ext uri="{91240B29-F687-4F45-9708-019B960494DF}">
-              <a14:hiddenLine xmlns:a14="http://schemas.microsoft.com/office/drawing/2010/main" w="9525">
-                <a:solidFill>
-                  <a:srgbClr val="000000"/>
-                </a:solidFill>
-                <a:miter lim="800000"/>
-                <a:headEnd/>
-                <a:tailEnd/>
-              </a14:hiddenLine>
-            </a:ext>
-          </a:extLst>
-        </p:spPr>
-        <p:txBody>
-          <a:bodyPr anchor="ctr"/>
-          <a:lstStyle>
-            <a:lvl1pPr algn="l" rtl="0" eaLnBrk="0" fontAlgn="base" hangingPunct="0">
-              <a:spcBef>
-                <a:spcPct val="0"/>
-              </a:spcBef>
-              <a:spcAft>
-                <a:spcPct val="0"/>
-              </a:spcAft>
-              <a:defRPr sz="3600" b="1">
-                <a:solidFill>
-                  <a:srgbClr val="000066"/>
-                </a:solidFill>
-                <a:latin typeface="+mj-lt"/>
-                <a:ea typeface="ＭＳ Ｐゴシック" pitchFamily="-107" charset="-128"/>
-                <a:cs typeface="ＭＳ Ｐゴシック" pitchFamily="-107" charset="-128"/>
-              </a:defRPr>
-            </a:lvl1pPr>
-            <a:lvl2pPr algn="l" rtl="0" eaLnBrk="0" fontAlgn="base" hangingPunct="0">
-              <a:spcBef>
-                <a:spcPct val="0"/>
-              </a:spcBef>
-              <a:spcAft>
-                <a:spcPct val="0"/>
-              </a:spcAft>
-              <a:defRPr sz="3600" b="1">
-                <a:solidFill>
-                  <a:srgbClr val="000066"/>
-                </a:solidFill>
-                <a:latin typeface="Arial" charset="0"/>
-                <a:ea typeface="ＭＳ Ｐゴシック" pitchFamily="-107" charset="-128"/>
-                <a:cs typeface="ＭＳ Ｐゴシック" pitchFamily="-107" charset="-128"/>
-              </a:defRPr>
-            </a:lvl2pPr>
-            <a:lvl3pPr algn="l" rtl="0" eaLnBrk="0" fontAlgn="base" hangingPunct="0">
-              <a:spcBef>
-                <a:spcPct val="0"/>
-              </a:spcBef>
-              <a:spcAft>
-                <a:spcPct val="0"/>
-              </a:spcAft>
-              <a:defRPr sz="3600" b="1">
-                <a:solidFill>
-                  <a:srgbClr val="000066"/>
-                </a:solidFill>
-                <a:latin typeface="Arial" charset="0"/>
-                <a:ea typeface="ＭＳ Ｐゴシック" pitchFamily="-107" charset="-128"/>
-                <a:cs typeface="ＭＳ Ｐゴシック" pitchFamily="-107" charset="-128"/>
-              </a:defRPr>
-            </a:lvl3pPr>
-            <a:lvl4pPr algn="l" rtl="0" eaLnBrk="0" fontAlgn="base" hangingPunct="0">
-              <a:spcBef>
-                <a:spcPct val="0"/>
-              </a:spcBef>
-              <a:spcAft>
-                <a:spcPct val="0"/>
-              </a:spcAft>
-              <a:defRPr sz="3600" b="1">
-                <a:solidFill>
-                  <a:srgbClr val="000066"/>
-                </a:solidFill>
-                <a:latin typeface="Arial" charset="0"/>
-                <a:ea typeface="ＭＳ Ｐゴシック" pitchFamily="-107" charset="-128"/>
-                <a:cs typeface="ＭＳ Ｐゴシック" pitchFamily="-107" charset="-128"/>
-              </a:defRPr>
-            </a:lvl4pPr>
-            <a:lvl5pPr algn="l" rtl="0" eaLnBrk="0" fontAlgn="base" hangingPunct="0">
-              <a:spcBef>
-                <a:spcPct val="0"/>
-              </a:spcBef>
-              <a:spcAft>
-                <a:spcPct val="0"/>
-              </a:spcAft>
-              <a:defRPr sz="3600" b="1">
-                <a:solidFill>
-                  <a:srgbClr val="000066"/>
-                </a:solidFill>
-                <a:latin typeface="Arial" charset="0"/>
-                <a:ea typeface="ＭＳ Ｐゴシック" pitchFamily="-107" charset="-128"/>
-                <a:cs typeface="ＭＳ Ｐゴシック" pitchFamily="-107" charset="-128"/>
-              </a:defRPr>
-            </a:lvl5pPr>
-            <a:lvl6pPr marL="457200" algn="l" rtl="0" fontAlgn="base">
-              <a:spcBef>
-                <a:spcPct val="0"/>
-              </a:spcBef>
-              <a:spcAft>
-                <a:spcPct val="0"/>
-              </a:spcAft>
-              <a:defRPr sz="3600" b="1">
-                <a:solidFill>
-                  <a:srgbClr val="000066"/>
-                </a:solidFill>
-                <a:latin typeface="Arial" charset="0"/>
-              </a:defRPr>
-            </a:lvl6pPr>
-            <a:lvl7pPr marL="914400" algn="l" rtl="0" fontAlgn="base">
-              <a:spcBef>
-                <a:spcPct val="0"/>
-              </a:spcBef>
-              <a:spcAft>
-                <a:spcPct val="0"/>
-              </a:spcAft>
-              <a:defRPr sz="3600" b="1">
-                <a:solidFill>
-                  <a:srgbClr val="000066"/>
-                </a:solidFill>
-                <a:latin typeface="Arial" charset="0"/>
-              </a:defRPr>
-            </a:lvl7pPr>
-            <a:lvl8pPr marL="1371600" algn="l" rtl="0" fontAlgn="base">
-              <a:spcBef>
-                <a:spcPct val="0"/>
-              </a:spcBef>
-              <a:spcAft>
-                <a:spcPct val="0"/>
-              </a:spcAft>
-              <a:defRPr sz="3600" b="1">
-                <a:solidFill>
-                  <a:srgbClr val="000066"/>
-                </a:solidFill>
-                <a:latin typeface="Arial" charset="0"/>
-              </a:defRPr>
-            </a:lvl8pPr>
-            <a:lvl9pPr marL="1828800" algn="l" rtl="0" fontAlgn="base">
-              <a:spcBef>
-                <a:spcPct val="0"/>
-              </a:spcBef>
-              <a:spcAft>
-                <a:spcPct val="0"/>
-              </a:spcAft>
-              <a:defRPr sz="3600" b="1">
-                <a:solidFill>
-                  <a:srgbClr val="000066"/>
-                </a:solidFill>
-                <a:latin typeface="Arial" charset="0"/>
-              </a:defRPr>
-            </a:lvl9pPr>
-          </a:lstStyle>
-          <a:p>
-            <a:pPr marL="271463" indent="-271463"/>
-            <a:r>
-              <a:rPr lang="da-DK" altLang="da-DK" sz="2800" dirty="0" smtClean="0"/>
-              <a:t>Opsummering</a:t>
-            </a:r>
-            <a:endParaRPr lang="da-DK" altLang="da-DK" sz="2800" dirty="0" smtClean="0"/>
-          </a:p>
-        </p:txBody>
-      </p:sp>
-      <p:sp>
-        <p:nvSpPr>
-          <p:cNvPr id="4" name="Content Placeholder 2"/>
-          <p:cNvSpPr txBox="1">
-            <a:spLocks/>
-          </p:cNvSpPr>
-          <p:nvPr/>
-        </p:nvSpPr>
-        <p:spPr bwMode="auto">
-          <a:xfrm>
-            <a:off x="560602" y="1196752"/>
-            <a:ext cx="8403886" cy="5112568"/>
-          </a:xfrm>
-          <a:prstGeom prst="rect">
-            <a:avLst/>
-          </a:prstGeom>
-          <a:noFill/>
-          <a:ln>
-            <a:noFill/>
-          </a:ln>
-          <a:extLst>
-            <a:ext uri="{909E8E84-426E-40DD-AFC4-6F175D3DCCD1}">
-              <a14:hiddenFill xmlns:a14="http://schemas.microsoft.com/office/drawing/2010/main">
-                <a:solidFill>
-                  <a:srgbClr val="FFFFFF"/>
-                </a:solidFill>
-              </a14:hiddenFill>
-            </a:ext>
-            <a:ext uri="{91240B29-F687-4F45-9708-019B960494DF}">
-              <a14:hiddenLine xmlns:a14="http://schemas.microsoft.com/office/drawing/2010/main" w="9525">
-                <a:solidFill>
-                  <a:srgbClr val="000000"/>
-                </a:solidFill>
-                <a:miter lim="800000"/>
-                <a:headEnd/>
-                <a:tailEnd/>
-              </a14:hiddenLine>
-            </a:ext>
-          </a:extLst>
-        </p:spPr>
-        <p:txBody>
-          <a:bodyPr/>
-          <a:lstStyle>
-            <a:lvl1pPr eaLnBrk="0" hangingPunct="0">
-              <a:spcBef>
-                <a:spcPct val="20000"/>
-              </a:spcBef>
-              <a:buChar char="•"/>
-              <a:defRPr sz="2400" b="1">
-                <a:solidFill>
-                  <a:srgbClr val="A50021"/>
-                </a:solidFill>
-                <a:latin typeface="Arial" pitchFamily="34" charset="0"/>
-                <a:ea typeface="ＭＳ Ｐゴシック" pitchFamily="34" charset="-128"/>
-              </a:defRPr>
-            </a:lvl1pPr>
-            <a:lvl2pPr eaLnBrk="0" hangingPunct="0">
-              <a:spcBef>
-                <a:spcPct val="20000"/>
-              </a:spcBef>
-              <a:buChar char="–"/>
-              <a:defRPr sz="2000">
-                <a:solidFill>
-                  <a:srgbClr val="000066"/>
-                </a:solidFill>
-                <a:latin typeface="Arial" pitchFamily="34" charset="0"/>
-                <a:ea typeface="ＭＳ Ｐゴシック" pitchFamily="34" charset="-128"/>
-              </a:defRPr>
-            </a:lvl2pPr>
-            <a:lvl3pPr eaLnBrk="0" hangingPunct="0">
-              <a:spcBef>
-                <a:spcPct val="20000"/>
-              </a:spcBef>
-              <a:buChar char="•"/>
-              <a:defRPr sz="1600">
-                <a:solidFill>
-                  <a:schemeClr val="tx1"/>
-                </a:solidFill>
-                <a:latin typeface="Arial" pitchFamily="34" charset="0"/>
-                <a:ea typeface="ＭＳ Ｐゴシック" pitchFamily="34" charset="-128"/>
-              </a:defRPr>
-            </a:lvl3pPr>
-            <a:lvl4pPr eaLnBrk="0" hangingPunct="0">
-              <a:spcBef>
-                <a:spcPct val="20000"/>
-              </a:spcBef>
-              <a:buChar char="–"/>
-              <a:defRPr sz="1600">
-                <a:solidFill>
-                  <a:schemeClr val="tx1"/>
-                </a:solidFill>
-                <a:latin typeface="Times New Roman" pitchFamily="18" charset="0"/>
-                <a:ea typeface="ＭＳ Ｐゴシック" pitchFamily="34" charset="-128"/>
-              </a:defRPr>
-            </a:lvl4pPr>
-            <a:lvl5pPr eaLnBrk="0" hangingPunct="0">
-              <a:spcBef>
-                <a:spcPct val="20000"/>
-              </a:spcBef>
-              <a:buChar char="»"/>
-              <a:defRPr sz="1200">
-                <a:solidFill>
-                  <a:schemeClr val="tx1"/>
-                </a:solidFill>
-                <a:latin typeface="Times New Roman" pitchFamily="18" charset="0"/>
-                <a:ea typeface="ＭＳ Ｐゴシック" pitchFamily="34" charset="-128"/>
-              </a:defRPr>
-            </a:lvl5pPr>
-            <a:lvl6pPr eaLnBrk="0" fontAlgn="base" hangingPunct="0">
-              <a:spcBef>
-                <a:spcPct val="20000"/>
-              </a:spcBef>
-              <a:spcAft>
-                <a:spcPct val="0"/>
-              </a:spcAft>
-              <a:buChar char="»"/>
-              <a:defRPr sz="1200">
-                <a:solidFill>
-                  <a:schemeClr val="tx1"/>
-                </a:solidFill>
-                <a:latin typeface="Times New Roman" pitchFamily="18" charset="0"/>
-                <a:ea typeface="ＭＳ Ｐゴシック" pitchFamily="34" charset="-128"/>
-              </a:defRPr>
-            </a:lvl6pPr>
-            <a:lvl7pPr eaLnBrk="0" fontAlgn="base" hangingPunct="0">
-              <a:spcBef>
-                <a:spcPct val="20000"/>
-              </a:spcBef>
-              <a:spcAft>
-                <a:spcPct val="0"/>
-              </a:spcAft>
-              <a:buChar char="»"/>
-              <a:defRPr sz="1200">
-                <a:solidFill>
-                  <a:schemeClr val="tx1"/>
-                </a:solidFill>
-                <a:latin typeface="Times New Roman" pitchFamily="18" charset="0"/>
-                <a:ea typeface="ＭＳ Ｐゴシック" pitchFamily="34" charset="-128"/>
-              </a:defRPr>
-            </a:lvl7pPr>
-            <a:lvl8pPr eaLnBrk="0" fontAlgn="base" hangingPunct="0">
-              <a:spcBef>
-                <a:spcPct val="20000"/>
-              </a:spcBef>
-              <a:spcAft>
-                <a:spcPct val="0"/>
-              </a:spcAft>
-              <a:buChar char="»"/>
-              <a:defRPr sz="1200">
-                <a:solidFill>
-                  <a:schemeClr val="tx1"/>
-                </a:solidFill>
-                <a:latin typeface="Times New Roman" pitchFamily="18" charset="0"/>
-                <a:ea typeface="ＭＳ Ｐゴシック" pitchFamily="34" charset="-128"/>
-              </a:defRPr>
-            </a:lvl8pPr>
-            <a:lvl9pPr eaLnBrk="0" fontAlgn="base" hangingPunct="0">
-              <a:spcBef>
-                <a:spcPct val="20000"/>
-              </a:spcBef>
-              <a:spcAft>
-                <a:spcPct val="0"/>
-              </a:spcAft>
-              <a:buChar char="»"/>
-              <a:defRPr sz="1200">
-                <a:solidFill>
-                  <a:schemeClr val="tx1"/>
-                </a:solidFill>
-                <a:latin typeface="Times New Roman" pitchFamily="18" charset="0"/>
-                <a:ea typeface="ＭＳ Ｐゴシック" pitchFamily="34" charset="-128"/>
-              </a:defRPr>
-            </a:lvl9pPr>
-          </a:lstStyle>
-          <a:p>
-            <a:pPr marL="271463" lvl="1" indent="-271463">
-              <a:spcBef>
-                <a:spcPts val="1800"/>
-              </a:spcBef>
-              <a:buFontTx/>
-              <a:buChar char="•"/>
-            </a:pPr>
-            <a:r>
-              <a:rPr lang="da-DK" altLang="da-DK" sz="1800" b="1" spc="-40" dirty="0" smtClean="0">
-                <a:solidFill>
-                  <a:srgbClr val="A50021"/>
-                </a:solidFill>
-              </a:rPr>
-              <a:t>Alle har nu fået Raflebæger 2 og Skildpadde 1 godkendt</a:t>
-            </a:r>
-            <a:endParaRPr lang="da-DK" altLang="da-DK" sz="1800" b="1" spc="-40" dirty="0">
-              <a:solidFill>
-                <a:srgbClr val="A50021"/>
-              </a:solidFill>
-            </a:endParaRPr>
-          </a:p>
-          <a:p>
-            <a:pPr marL="742950" lvl="1" indent="-285750">
-              <a:spcBef>
-                <a:spcPts val="600"/>
-              </a:spcBef>
-              <a:buFontTx/>
-              <a:buChar char="–"/>
-            </a:pPr>
-            <a:r>
-              <a:rPr lang="da-DK" altLang="da-DK" sz="1600" dirty="0" smtClean="0"/>
-              <a:t>Tillykke med det</a:t>
-            </a:r>
-            <a:endParaRPr lang="da-DK" altLang="da-DK" sz="1600" dirty="0" smtClean="0"/>
-          </a:p>
-          <a:p>
-            <a:pPr marL="271463" lvl="1" indent="-271463">
-              <a:spcBef>
-                <a:spcPts val="1800"/>
-              </a:spcBef>
-              <a:buFontTx/>
-              <a:buChar char="•"/>
-            </a:pPr>
-            <a:r>
-              <a:rPr lang="da-DK" altLang="da-DK" sz="1800" b="1" spc="-40" dirty="0">
-                <a:solidFill>
-                  <a:srgbClr val="A50021"/>
-                </a:solidFill>
-              </a:rPr>
-              <a:t>Under øvelserne er der ikke ret mange af </a:t>
-            </a:r>
-            <a:r>
-              <a:rPr lang="da-DK" altLang="da-DK" sz="1800" b="1" spc="-40" dirty="0" smtClean="0">
-                <a:solidFill>
-                  <a:srgbClr val="A50021"/>
-                </a:solidFill>
-              </a:rPr>
-              <a:t>jer, </a:t>
-            </a:r>
-            <a:r>
-              <a:rPr lang="da-DK" altLang="da-DK" sz="1800" b="1" spc="-40" dirty="0">
-                <a:solidFill>
-                  <a:srgbClr val="A50021"/>
-                </a:solidFill>
-              </a:rPr>
-              <a:t>der bruger instruktorerne</a:t>
-            </a:r>
-          </a:p>
-          <a:p>
-            <a:pPr marL="742950" lvl="1" indent="-285750">
-              <a:spcBef>
-                <a:spcPts val="600"/>
-              </a:spcBef>
-              <a:buFontTx/>
-              <a:buChar char="–"/>
-            </a:pPr>
-            <a:r>
-              <a:rPr lang="da-DK" altLang="da-DK" sz="1600" dirty="0" smtClean="0"/>
-              <a:t>Det er dumt – brug dem (medmindre I selv har helt styr på det)</a:t>
-            </a:r>
-          </a:p>
-          <a:p>
-            <a:pPr marL="742950" lvl="1" indent="-285750">
-              <a:spcBef>
-                <a:spcPts val="600"/>
-              </a:spcBef>
-              <a:buFontTx/>
-              <a:buChar char="–"/>
-            </a:pPr>
-            <a:r>
-              <a:rPr lang="da-DK" altLang="da-DK" sz="1600" dirty="0" smtClean="0"/>
-              <a:t>Husk også at bruge webboardet (uden for seminarerne)</a:t>
-            </a:r>
-          </a:p>
-          <a:p>
-            <a:pPr marL="271463" lvl="1" indent="-271463">
-              <a:spcBef>
-                <a:spcPts val="1800"/>
-              </a:spcBef>
-              <a:buFontTx/>
-              <a:buChar char="•"/>
-            </a:pPr>
-            <a:r>
-              <a:rPr lang="da-DK" altLang="da-DK" sz="1800" b="1" spc="-40" dirty="0">
-                <a:solidFill>
-                  <a:srgbClr val="A50021"/>
-                </a:solidFill>
-              </a:rPr>
-              <a:t>Om formiddagen har vi for kort tid til øvelserne</a:t>
-            </a:r>
-          </a:p>
-          <a:p>
-            <a:pPr marL="742950" lvl="1" indent="-285750">
-              <a:spcBef>
-                <a:spcPts val="600"/>
-              </a:spcBef>
-            </a:pPr>
-            <a:r>
-              <a:rPr lang="da-DK" altLang="da-DK" sz="1600" dirty="0"/>
-              <a:t>Jeg bruger tid på den indledende ”Status” – herunder gennemgang af quiz-spørgsmål, som I </a:t>
-            </a:r>
-            <a:r>
-              <a:rPr lang="da-DK" altLang="da-DK" sz="1600"/>
-              <a:t>har </a:t>
-            </a:r>
-            <a:r>
-              <a:rPr lang="da-DK" altLang="da-DK" sz="1600" smtClean="0"/>
-              <a:t>haft særlige </a:t>
-            </a:r>
-            <a:r>
-              <a:rPr lang="da-DK" altLang="da-DK" sz="1600" dirty="0"/>
-              <a:t>problemer med</a:t>
-            </a:r>
-          </a:p>
-          <a:p>
-            <a:pPr marL="742950" lvl="1" indent="-285750">
-              <a:spcBef>
-                <a:spcPts val="600"/>
-              </a:spcBef>
-            </a:pPr>
-            <a:r>
-              <a:rPr lang="da-DK" altLang="da-DK" sz="1600" dirty="0"/>
-              <a:t>Formiddagene (9.00-12.30) er kun på 3,5 timer, mens eftermiddagene (13.00-17.00) er på 4,0 timer</a:t>
-            </a:r>
-          </a:p>
-          <a:p>
-            <a:pPr marL="271463" lvl="1" indent="-271463">
-              <a:spcBef>
-                <a:spcPts val="1800"/>
-              </a:spcBef>
-              <a:buFontTx/>
-              <a:buChar char="•"/>
-            </a:pPr>
-            <a:r>
-              <a:rPr lang="da-DK" altLang="da-DK" sz="1800" b="1" spc="-40" dirty="0">
-                <a:solidFill>
-                  <a:srgbClr val="A50021"/>
-                </a:solidFill>
-              </a:rPr>
-              <a:t>Det kan vi fixe på 3 måder</a:t>
-            </a:r>
-          </a:p>
-          <a:p>
-            <a:pPr marL="742950" lvl="1" indent="-285750">
-              <a:spcBef>
-                <a:spcPts val="600"/>
-              </a:spcBef>
-            </a:pPr>
-            <a:r>
-              <a:rPr lang="da-DK" altLang="da-DK" sz="1600" dirty="0"/>
-              <a:t>Jeg kan undlade eller nedkorte ”Status”</a:t>
-            </a:r>
-          </a:p>
-          <a:p>
-            <a:pPr marL="742950" lvl="1" indent="-285750">
-              <a:spcBef>
-                <a:spcPts val="600"/>
-              </a:spcBef>
-            </a:pPr>
-            <a:r>
-              <a:rPr lang="da-DK" altLang="da-DK" sz="1600" dirty="0"/>
-              <a:t>Vi kan starte 8.30 i stedet for 9.00</a:t>
-            </a:r>
-          </a:p>
-          <a:p>
-            <a:pPr marL="742950" lvl="1" indent="-285750">
-              <a:spcBef>
-                <a:spcPts val="600"/>
-              </a:spcBef>
-            </a:pPr>
-            <a:r>
-              <a:rPr lang="da-DK" altLang="da-DK" sz="1600" dirty="0"/>
-              <a:t>Vi kan skubbe frokost pausen, så den ligger 13.00-13.30 ( i stedet for 12.30-13.00</a:t>
-            </a:r>
-            <a:r>
-              <a:rPr lang="da-DK" altLang="da-DK" sz="1600" dirty="0" smtClean="0"/>
-              <a:t>)</a:t>
-            </a:r>
-            <a:endParaRPr lang="da-DK" altLang="da-DK" sz="1600" dirty="0"/>
-          </a:p>
-        </p:txBody>
-      </p:sp>
-    </p:spTree>
-    <p:extLst>
-      <p:ext uri="{BB962C8B-B14F-4D97-AF65-F5344CB8AC3E}">
-        <p14:creationId xmlns:p14="http://schemas.microsoft.com/office/powerpoint/2010/main" val="1734790997"/>
-      </p:ext>
-    </p:extLst>
-  </p:cSld>
-  <p:clrMapOvr>
-    <a:masterClrMapping/>
-  </p:clrMapOvr>
-  <p:timing>
-    <p:tnLst>
-      <p:par>
-        <p:cTn id="1" dur="indefinite" restart="never" nodeType="tmRoot">
-          <p:childTnLst>
-            <p:seq concurrent="1" nextAc="seek">
-              <p:cTn id="2" dur="indefinite" nodeType="mainSeq">
-                <p:childTnLst>
-                  <p:par>
-                    <p:cTn id="3" fill="hold">
-                      <p:stCondLst>
-                        <p:cond delay="indefinite"/>
-                      </p:stCondLst>
-                      <p:childTnLst>
-                        <p:par>
-                          <p:cTn id="4" fill="hold">
-                            <p:stCondLst>
-                              <p:cond delay="0"/>
-                            </p:stCondLst>
-                            <p:childTnLst>
-                              <p:par>
-                                <p:cTn id="5" presetID="1" presetClass="entr" presetSubtype="0" fill="hold" grpId="0" nodeType="clickEffect">
-                                  <p:stCondLst>
-                                    <p:cond delay="0"/>
-                                  </p:stCondLst>
-                                  <p:childTnLst>
-                                    <p:set>
-                                      <p:cBhvr>
-                                        <p:cTn id="6" dur="1" fill="hold">
-                                          <p:stCondLst>
-                                            <p:cond delay="0"/>
-                                          </p:stCondLst>
-                                        </p:cTn>
-                                        <p:tgtEl>
-                                          <p:spTgt spid="4"/>
-                                        </p:tgtEl>
-                                        <p:attrNameLst>
-                                          <p:attrName>style.visibility</p:attrName>
-                                        </p:attrNameLst>
-                                      </p:cBhvr>
-                                      <p:to>
-                                        <p:strVal val="visible"/>
-                                      </p:to>
-                                    </p:set>
-                                  </p:childTnLst>
-                                </p:cTn>
-                              </p:par>
-                            </p:childTnLst>
-                          </p:cTn>
-                        </p:par>
-                      </p:childTnLst>
-                    </p:cTn>
-                  </p:par>
-                </p:childTnLst>
-              </p:cTn>
-              <p:prevCondLst>
-                <p:cond evt="onPrev" delay="0">
-                  <p:tgtEl>
-                    <p:sldTgt/>
-                  </p:tgtEl>
-                </p:cond>
-              </p:prevCondLst>
-              <p:nextCondLst>
-                <p:cond evt="onNext" delay="0">
-                  <p:tgtEl>
-                    <p:sldTgt/>
-                  </p:tgtEl>
-                </p:cond>
-              </p:nextCondLst>
-            </p:seq>
-          </p:childTnLst>
-        </p:cTn>
-      </p:par>
-    </p:tnLst>
-    <p:bldLst>
-      <p:bldP spid="4" grpId="0"/>
-    </p:bldLst>
   </p:timing>
 </p:sld>
 </file>
